--- a/Аспирантура/Новье/План диссертации.pptx
+++ b/Аспирантура/Новье/План диссертации.pptx
@@ -27,7 +27,7 @@
     <p:sldId id="332" r:id="rId18"/>
     <p:sldId id="346" r:id="rId19"/>
     <p:sldId id="349" r:id="rId20"/>
-    <p:sldId id="350" r:id="rId21"/>
+    <p:sldId id="351" r:id="rId21"/>
   </p:sldIdLst>
   <p:sldSz cx="9144000" cy="5143500" type="screen16x9"/>
   <p:notesSz cx="6858000" cy="9144000"/>
@@ -3585,7 +3585,7 @@
           <p:cNvPr id="14" name="Заголовок 16">
             <a:extLst>
               <a:ext uri="{FF2B5EF4-FFF2-40B4-BE49-F238E27FC236}">
-                <a16:creationId xmlns:a16="http://schemas.microsoft.com/office/drawing/2014/main" id="{D630362D-1F09-46B4-9DE4-AEA483AC82FD}"/>
+                <a16:creationId xmlns="" xmlns:a16="http://schemas.microsoft.com/office/drawing/2014/main" id="{D630362D-1F09-46B4-9DE4-AEA483AC82FD}"/>
               </a:ext>
             </a:extLst>
           </p:cNvPr>
@@ -3615,13 +3615,20 @@
               </a:rPr>
               <a:t>Мансуров Рустам Ренатович</a:t>
             </a:r>
+            <a:r>
+              <a:rPr lang="ru-RU" sz="1800" i="1" dirty="0">
+                <a:latin typeface="Bookman Old Style" panose="02050604050505020204" pitchFamily="18" charset="0"/>
+                <a:ea typeface="Calibri" panose="020F0502020204030204" pitchFamily="34" charset="0"/>
+              </a:rPr>
+              <a:t/>
+            </a:r>
             <a:br>
               <a:rPr lang="ru-RU" sz="1800" i="1" dirty="0">
                 <a:latin typeface="Bookman Old Style" panose="02050604050505020204" pitchFamily="18" charset="0"/>
                 <a:ea typeface="Calibri" panose="020F0502020204030204" pitchFamily="34" charset="0"/>
               </a:rPr>
             </a:br>
-            <a:br>
+            <a:r>
               <a:rPr lang="ru-RU" sz="1800" b="1" cap="all" dirty="0">
                 <a:solidFill>
                   <a:schemeClr val="tx2">
@@ -3631,6 +3638,18 @@
                 <a:latin typeface="Bookman Old Style" panose="02050604050505020204" pitchFamily="18" charset="0"/>
                 <a:cs typeface="Times New Roman" panose="02020603050405020304" pitchFamily="18" charset="0"/>
               </a:rPr>
+              <a:t/>
+            </a:r>
+            <a:br>
+              <a:rPr lang="ru-RU" sz="1800" b="1" cap="all" dirty="0">
+                <a:solidFill>
+                  <a:schemeClr val="tx2">
+                    <a:lumMod val="50000"/>
+                  </a:schemeClr>
+                </a:solidFill>
+                <a:latin typeface="Bookman Old Style" panose="02050604050505020204" pitchFamily="18" charset="0"/>
+                <a:cs typeface="Times New Roman" panose="02020603050405020304" pitchFamily="18" charset="0"/>
+              </a:rPr>
             </a:br>
             <a:r>
               <a:rPr lang="ru-RU" sz="1600" dirty="0">
@@ -3643,12 +3662,25 @@
                 <a:latin typeface="Bookman Old Style" pitchFamily="18" charset="0"/>
               </a:rPr>
               <a:t>:</a:t>
+            </a:r>
+            <a:r>
+              <a:rPr lang="ru-RU" sz="1600" dirty="0">
+                <a:latin typeface="Bookman Old Style" pitchFamily="18" charset="0"/>
+              </a:rPr>
+              <a:t/>
             </a:r>
             <a:br>
               <a:rPr lang="ru-RU" sz="1600" dirty="0">
                 <a:latin typeface="Bookman Old Style" pitchFamily="18" charset="0"/>
               </a:rPr>
             </a:br>
+            <a:r>
+              <a:rPr lang="ru-RU" sz="1600" b="1" cap="all" dirty="0">
+                <a:latin typeface="Bookman Old Style" panose="02050604050505020204" pitchFamily="18" charset="0"/>
+                <a:cs typeface="Times New Roman" panose="02020603050405020304" pitchFamily="18" charset="0"/>
+              </a:rPr>
+              <a:t/>
+            </a:r>
             <a:br>
               <a:rPr lang="ru-RU" sz="1600" b="1" cap="all" dirty="0">
                 <a:latin typeface="Bookman Old Style" panose="02050604050505020204" pitchFamily="18" charset="0"/>
@@ -3670,7 +3702,7 @@
           <p:cNvPr id="8" name="Подзаголовок 6">
             <a:extLst>
               <a:ext uri="{FF2B5EF4-FFF2-40B4-BE49-F238E27FC236}">
-                <a16:creationId xmlns:a16="http://schemas.microsoft.com/office/drawing/2014/main" id="{6F08C3E7-B433-41C9-883D-917A98689EE1}"/>
+                <a16:creationId xmlns="" xmlns:a16="http://schemas.microsoft.com/office/drawing/2014/main" id="{6F08C3E7-B433-41C9-883D-917A98689EE1}"/>
               </a:ext>
             </a:extLst>
           </p:cNvPr>
@@ -3742,6 +3774,13 @@
   <p:clrMapOvr>
     <a:masterClrMapping/>
   </p:clrMapOvr>
+  <p:timing>
+    <p:tnLst>
+      <p:par>
+        <p:cTn id="1" dur="indefinite" restart="never" nodeType="tmRoot"/>
+      </p:par>
+    </p:tnLst>
+  </p:timing>
 </p:sld>
 </file>
 
@@ -4233,7 +4272,7 @@
           <a:graphicData uri="http://schemas.openxmlformats.org/presentationml/2006/ole">
             <mc:AlternateContent xmlns:mc="http://schemas.openxmlformats.org/markup-compatibility/2006">
               <mc:Choice xmlns:v="urn:schemas-microsoft-com:vml" Requires="v">
-                <p:oleObj spid="_x0000_s9234" name="Формула" r:id="rId3" imgW="1409400" imgH="215640" progId="Equation.3">
+                <p:oleObj spid="_x0000_s9240" name="Формула" r:id="rId3" imgW="1409400" imgH="215640" progId="Equation.3">
                   <p:embed/>
                 </p:oleObj>
               </mc:Choice>
@@ -4284,7 +4323,7 @@
           <a:graphicData uri="http://schemas.openxmlformats.org/presentationml/2006/ole">
             <mc:AlternateContent xmlns:mc="http://schemas.openxmlformats.org/markup-compatibility/2006">
               <mc:Choice xmlns:v="urn:schemas-microsoft-com:vml" Requires="v">
-                <p:oleObj spid="_x0000_s9235" name="Уравнение" r:id="rId5" imgW="1079280" imgH="241200" progId="Equation.3">
+                <p:oleObj spid="_x0000_s9241" name="Уравнение" r:id="rId5" imgW="1079280" imgH="241200" progId="Equation.3">
                   <p:embed/>
                 </p:oleObj>
               </mc:Choice>
@@ -4798,14 +4837,14 @@
                     <a:gridCol w="2307912">
                       <a:extLst>
                         <a:ext uri="{9D8B030D-6E8A-4147-A177-3AD203B41FA5}">
-                          <a16:colId xmlns:a16="http://schemas.microsoft.com/office/drawing/2014/main" val="20000"/>
+                          <a16:colId xmlns="" xmlns:a16="http://schemas.microsoft.com/office/drawing/2014/main" val="20000"/>
                         </a:ext>
                       </a:extLst>
                     </a:gridCol>
                     <a:gridCol w="1391700">
                       <a:extLst>
                         <a:ext uri="{9D8B030D-6E8A-4147-A177-3AD203B41FA5}">
-                          <a16:colId xmlns:a16="http://schemas.microsoft.com/office/drawing/2014/main" val="20001"/>
+                          <a16:colId xmlns="" xmlns:a16="http://schemas.microsoft.com/office/drawing/2014/main" val="20001"/>
                         </a:ext>
                       </a:extLst>
                     </a:gridCol>
@@ -4847,7 +4886,7 @@
                     </a:tc>
                     <a:extLst>
                       <a:ext uri="{0D108BD9-81ED-4DB2-BD59-A6C34878D82A}">
-                        <a16:rowId xmlns:a16="http://schemas.microsoft.com/office/drawing/2014/main" val="10000"/>
+                        <a16:rowId xmlns="" xmlns:a16="http://schemas.microsoft.com/office/drawing/2014/main" val="10000"/>
                       </a:ext>
                     </a:extLst>
                   </a:tr>
@@ -4918,7 +4957,7 @@
                     </a:tc>
                     <a:extLst>
                       <a:ext uri="{0D108BD9-81ED-4DB2-BD59-A6C34878D82A}">
-                        <a16:rowId xmlns:a16="http://schemas.microsoft.com/office/drawing/2014/main" val="10001"/>
+                        <a16:rowId xmlns="" xmlns:a16="http://schemas.microsoft.com/office/drawing/2014/main" val="10001"/>
                       </a:ext>
                     </a:extLst>
                   </a:tr>
@@ -4999,7 +5038,7 @@
                     </a:tc>
                     <a:extLst>
                       <a:ext uri="{0D108BD9-81ED-4DB2-BD59-A6C34878D82A}">
-                        <a16:rowId xmlns:a16="http://schemas.microsoft.com/office/drawing/2014/main" val="10002"/>
+                        <a16:rowId xmlns="" xmlns:a16="http://schemas.microsoft.com/office/drawing/2014/main" val="10002"/>
                       </a:ext>
                     </a:extLst>
                   </a:tr>
@@ -5096,7 +5135,7 @@
                     </a:tc>
                     <a:extLst>
                       <a:ext uri="{0D108BD9-81ED-4DB2-BD59-A6C34878D82A}">
-                        <a16:rowId xmlns:a16="http://schemas.microsoft.com/office/drawing/2014/main" val="10003"/>
+                        <a16:rowId xmlns="" xmlns:a16="http://schemas.microsoft.com/office/drawing/2014/main" val="10003"/>
                       </a:ext>
                     </a:extLst>
                   </a:tr>
@@ -5150,7 +5189,7 @@
                     </a:tc>
                     <a:extLst>
                       <a:ext uri="{0D108BD9-81ED-4DB2-BD59-A6C34878D82A}">
-                        <a16:rowId xmlns:a16="http://schemas.microsoft.com/office/drawing/2014/main" val="10004"/>
+                        <a16:rowId xmlns="" xmlns:a16="http://schemas.microsoft.com/office/drawing/2014/main" val="10004"/>
                       </a:ext>
                     </a:extLst>
                   </a:tr>
@@ -5264,7 +5303,7 @@
                     </a:tc>
                     <a:extLst>
                       <a:ext uri="{0D108BD9-81ED-4DB2-BD59-A6C34878D82A}">
-                        <a16:rowId xmlns:a16="http://schemas.microsoft.com/office/drawing/2014/main" val="10005"/>
+                        <a16:rowId xmlns="" xmlns:a16="http://schemas.microsoft.com/office/drawing/2014/main" val="10005"/>
                       </a:ext>
                     </a:extLst>
                   </a:tr>
@@ -5320,7 +5359,7 @@
                     </a:tc>
                     <a:extLst>
                       <a:ext uri="{0D108BD9-81ED-4DB2-BD59-A6C34878D82A}">
-                        <a16:rowId xmlns:a16="http://schemas.microsoft.com/office/drawing/2014/main" val="10006"/>
+                        <a16:rowId xmlns="" xmlns:a16="http://schemas.microsoft.com/office/drawing/2014/main" val="10006"/>
                       </a:ext>
                     </a:extLst>
                   </a:tr>
@@ -5798,7 +5837,21 @@
                 <a:latin typeface="Times New Roman" panose="02020603050405020304" pitchFamily="18" charset="0"/>
                 <a:cs typeface="Times New Roman" panose="02020603050405020304" pitchFamily="18" charset="0"/>
               </a:rPr>
-              <a:t>Таблица – 2. Параметрические характеристики ребер</a:t>
+              <a:t>Таблица – </a:t>
+            </a:r>
+            <a:r>
+              <a:rPr lang="ru-RU" sz="1200" b="1" dirty="0" smtClean="0">
+                <a:latin typeface="Times New Roman" panose="02020603050405020304" pitchFamily="18" charset="0"/>
+                <a:cs typeface="Times New Roman" panose="02020603050405020304" pitchFamily="18" charset="0"/>
+              </a:rPr>
+              <a:t>1. </a:t>
+            </a:r>
+            <a:r>
+              <a:rPr lang="ru-RU" sz="1200" b="1" dirty="0">
+                <a:latin typeface="Times New Roman" panose="02020603050405020304" pitchFamily="18" charset="0"/>
+                <a:cs typeface="Times New Roman" panose="02020603050405020304" pitchFamily="18" charset="0"/>
+              </a:rPr>
+              <a:t>Параметрические характеристики ребер</a:t>
             </a:r>
             <a:r>
               <a:rPr lang="en-US" sz="1200" b="1" dirty="0">
@@ -5988,6 +6041,13 @@
   <p:clrMapOvr>
     <a:masterClrMapping/>
   </p:clrMapOvr>
+  <p:timing>
+    <p:tnLst>
+      <p:par>
+        <p:cTn id="1" dur="indefinite" restart="never" nodeType="tmRoot"/>
+      </p:par>
+    </p:tnLst>
+  </p:timing>
 </p:sld>
 </file>
 
@@ -7549,7 +7609,7 @@
             <a:graphicData uri="http://schemas.openxmlformats.org/presentationml/2006/ole">
               <mc:AlternateContent xmlns:mc="http://schemas.openxmlformats.org/markup-compatibility/2006">
                 <mc:Choice xmlns:v="urn:schemas-microsoft-com:vml" Requires="v">
-                  <p:oleObj spid="_x0000_s6378" name="Формула" r:id="rId3" imgW="1955520" imgH="241200" progId="Equation.3">
+                  <p:oleObj spid="_x0000_s6417" name="Формула" r:id="rId3" imgW="1955520" imgH="241200" progId="Equation.3">
                     <p:embed/>
                   </p:oleObj>
                 </mc:Choice>
@@ -7619,7 +7679,7 @@
             <a:graphicData uri="http://schemas.openxmlformats.org/presentationml/2006/ole">
               <mc:AlternateContent xmlns:mc="http://schemas.openxmlformats.org/markup-compatibility/2006">
                 <mc:Choice xmlns:v="urn:schemas-microsoft-com:vml" Requires="v">
-                  <p:oleObj spid="_x0000_s6379" name="Формула" r:id="rId5" imgW="812520" imgH="444240" progId="Equation.3">
+                  <p:oleObj spid="_x0000_s6418" name="Формула" r:id="rId5" imgW="812520" imgH="444240" progId="Equation.3">
                     <p:embed/>
                   </p:oleObj>
                 </mc:Choice>
@@ -7689,7 +7749,7 @@
             <a:graphicData uri="http://schemas.openxmlformats.org/presentationml/2006/ole">
               <mc:AlternateContent xmlns:mc="http://schemas.openxmlformats.org/markup-compatibility/2006">
                 <mc:Choice xmlns:v="urn:schemas-microsoft-com:vml" Requires="v">
-                  <p:oleObj spid="_x0000_s6380" name="Формула" r:id="rId7" imgW="914400" imgH="520560" progId="Equation.3">
+                  <p:oleObj spid="_x0000_s6419" name="Формула" r:id="rId7" imgW="914400" imgH="520560" progId="Equation.3">
                     <p:embed/>
                   </p:oleObj>
                 </mc:Choice>
@@ -7759,7 +7819,7 @@
             <a:graphicData uri="http://schemas.openxmlformats.org/presentationml/2006/ole">
               <mc:AlternateContent xmlns:mc="http://schemas.openxmlformats.org/markup-compatibility/2006">
                 <mc:Choice xmlns:v="urn:schemas-microsoft-com:vml" Requires="v">
-                  <p:oleObj spid="_x0000_s6381" name="Уравнение" r:id="rId9" imgW="2260440" imgH="482400" progId="Equation.3">
+                  <p:oleObj spid="_x0000_s6420" name="Уравнение" r:id="rId9" imgW="2260440" imgH="482400" progId="Equation.3">
                     <p:embed/>
                   </p:oleObj>
                 </mc:Choice>
@@ -7842,7 +7902,7 @@
             <a:graphicData uri="http://schemas.openxmlformats.org/presentationml/2006/ole">
               <mc:AlternateContent xmlns:mc="http://schemas.openxmlformats.org/markup-compatibility/2006">
                 <mc:Choice xmlns:v="urn:schemas-microsoft-com:vml" Requires="v">
-                  <p:oleObj spid="_x0000_s6382" name="Уравнение" r:id="rId11" imgW="1104840" imgH="241200" progId="Equation.3">
+                  <p:oleObj spid="_x0000_s6421" name="Уравнение" r:id="rId11" imgW="1104840" imgH="241200" progId="Equation.3">
                     <p:embed/>
                   </p:oleObj>
                 </mc:Choice>
@@ -7925,7 +7985,7 @@
             <a:graphicData uri="http://schemas.openxmlformats.org/presentationml/2006/ole">
               <mc:AlternateContent xmlns:mc="http://schemas.openxmlformats.org/markup-compatibility/2006">
                 <mc:Choice xmlns:v="urn:schemas-microsoft-com:vml" Requires="v">
-                  <p:oleObj spid="_x0000_s6383" name="Уравнение" r:id="rId13" imgW="507960" imgH="241200" progId="Equation.3">
+                  <p:oleObj spid="_x0000_s6422" name="Уравнение" r:id="rId13" imgW="507960" imgH="241200" progId="Equation.3">
                     <p:embed/>
                   </p:oleObj>
                 </mc:Choice>
@@ -8008,7 +8068,7 @@
             <a:graphicData uri="http://schemas.openxmlformats.org/presentationml/2006/ole">
               <mc:AlternateContent xmlns:mc="http://schemas.openxmlformats.org/markup-compatibility/2006">
                 <mc:Choice xmlns:v="urn:schemas-microsoft-com:vml" Requires="v">
-                  <p:oleObj spid="_x0000_s6384" name="Формула" r:id="rId15" imgW="685800" imgH="215640" progId="Equation.3">
+                  <p:oleObj spid="_x0000_s6423" name="Формула" r:id="rId15" imgW="685800" imgH="215640" progId="Equation.3">
                     <p:embed/>
                   </p:oleObj>
                 </mc:Choice>
@@ -8091,7 +8151,7 @@
             <a:graphicData uri="http://schemas.openxmlformats.org/presentationml/2006/ole">
               <mc:AlternateContent xmlns:mc="http://schemas.openxmlformats.org/markup-compatibility/2006">
                 <mc:Choice xmlns:v="urn:schemas-microsoft-com:vml" Requires="v">
-                  <p:oleObj spid="_x0000_s6385" name="Equation" r:id="rId17" imgW="939600" imgH="304560" progId="Equation.DSMT4">
+                  <p:oleObj spid="_x0000_s6424" name="Equation" r:id="rId17" imgW="939600" imgH="304560" progId="Equation.DSMT4">
                     <p:embed/>
                   </p:oleObj>
                 </mc:Choice>
@@ -8161,7 +8221,7 @@
             <a:graphicData uri="http://schemas.openxmlformats.org/presentationml/2006/ole">
               <mc:AlternateContent xmlns:mc="http://schemas.openxmlformats.org/markup-compatibility/2006">
                 <mc:Choice xmlns:v="urn:schemas-microsoft-com:vml" Requires="v">
-                  <p:oleObj spid="_x0000_s6386" name="Уравнение" r:id="rId19" imgW="1256755" imgH="317362" progId="Equation.3">
+                  <p:oleObj spid="_x0000_s6425" name="Уравнение" r:id="rId19" imgW="1256755" imgH="317362" progId="Equation.3">
                     <p:embed/>
                   </p:oleObj>
                 </mc:Choice>
@@ -9031,7 +9091,7 @@
             <a:graphicData uri="http://schemas.openxmlformats.org/presentationml/2006/ole">
               <mc:AlternateContent xmlns:mc="http://schemas.openxmlformats.org/markup-compatibility/2006">
                 <mc:Choice xmlns:v="urn:schemas-microsoft-com:vml" Requires="v">
-                  <p:oleObj spid="_x0000_s6387" name="Picture" r:id="rId21" imgW="5153051" imgH="3320371" progId="Word.Picture.8">
+                  <p:oleObj spid="_x0000_s6426" name="Picture" r:id="rId21" imgW="5153051" imgH="3320371" progId="Word.Picture.8">
                     <p:embed/>
                   </p:oleObj>
                 </mc:Choice>
@@ -9142,7 +9202,7 @@
             <a:graphicData uri="http://schemas.openxmlformats.org/presentationml/2006/ole">
               <mc:AlternateContent xmlns:mc="http://schemas.openxmlformats.org/markup-compatibility/2006">
                 <mc:Choice xmlns:v="urn:schemas-microsoft-com:vml" Requires="v">
-                  <p:oleObj spid="_x0000_s6388" name="Уравнение" r:id="rId23" imgW="1130040" imgH="457200" progId="Equation.3">
+                  <p:oleObj spid="_x0000_s6427" name="Уравнение" r:id="rId23" imgW="1130040" imgH="457200" progId="Equation.3">
                     <p:embed/>
                   </p:oleObj>
                 </mc:Choice>
@@ -9225,7 +9285,7 @@
             <a:graphicData uri="http://schemas.openxmlformats.org/presentationml/2006/ole">
               <mc:AlternateContent xmlns:mc="http://schemas.openxmlformats.org/markup-compatibility/2006">
                 <mc:Choice xmlns:v="urn:schemas-microsoft-com:vml" Requires="v">
-                  <p:oleObj spid="_x0000_s6389" name="Уравнение" r:id="rId25" imgW="2387520" imgH="457200" progId="Equation.3">
+                  <p:oleObj spid="_x0000_s6428" name="Уравнение" r:id="rId25" imgW="2387520" imgH="457200" progId="Equation.3">
                     <p:embed/>
                   </p:oleObj>
                 </mc:Choice>
@@ -9308,7 +9368,7 @@
             <a:graphicData uri="http://schemas.openxmlformats.org/presentationml/2006/ole">
               <mc:AlternateContent xmlns:mc="http://schemas.openxmlformats.org/markup-compatibility/2006">
                 <mc:Choice xmlns:v="urn:schemas-microsoft-com:vml" Requires="v">
-                  <p:oleObj spid="_x0000_s6390" name="Уравнение" r:id="rId27" imgW="3568680" imgH="457200" progId="Equation.3">
+                  <p:oleObj spid="_x0000_s6429" name="Уравнение" r:id="rId27" imgW="3568680" imgH="457200" progId="Equation.3">
                     <p:embed/>
                   </p:oleObj>
                 </mc:Choice>
@@ -9719,6 +9779,13 @@
   <p:clrMapOvr>
     <a:masterClrMapping/>
   </p:clrMapOvr>
+  <p:timing>
+    <p:tnLst>
+      <p:par>
+        <p:cTn id="1" dur="indefinite" restart="never" nodeType="tmRoot"/>
+      </p:par>
+    </p:tnLst>
+  </p:timing>
 </p:sld>
 </file>
 
@@ -10738,7 +10805,7 @@
           <p:cNvPr id="15" name="Text Box 39">
             <a:extLst>
               <a:ext uri="{FF2B5EF4-FFF2-40B4-BE49-F238E27FC236}">
-                <a16:creationId xmlns:a16="http://schemas.microsoft.com/office/drawing/2014/main" id="{7A63793F-A4C7-4812-A360-98308B6C5DAA}"/>
+                <a16:creationId xmlns="" xmlns:a16="http://schemas.microsoft.com/office/drawing/2014/main" id="{7A63793F-A4C7-4812-A360-98308B6C5DAA}"/>
               </a:ext>
             </a:extLst>
           </p:cNvPr>
@@ -10971,7 +11038,7 @@
           <p:cNvPr id="3" name="Объект 2">
             <a:extLst>
               <a:ext uri="{FF2B5EF4-FFF2-40B4-BE49-F238E27FC236}">
-                <a16:creationId xmlns:a16="http://schemas.microsoft.com/office/drawing/2014/main" id="{FB05227E-8ACE-49BF-89BC-8F67A48AB08A}"/>
+                <a16:creationId xmlns="" xmlns:a16="http://schemas.microsoft.com/office/drawing/2014/main" id="{FB05227E-8ACE-49BF-89BC-8F67A48AB08A}"/>
               </a:ext>
             </a:extLst>
           </p:cNvPr>
@@ -10994,7 +11061,7 @@
           <a:graphicData uri="http://schemas.openxmlformats.org/presentationml/2006/ole">
             <mc:AlternateContent xmlns:mc="http://schemas.openxmlformats.org/markup-compatibility/2006">
               <mc:Choice xmlns:v="urn:schemas-microsoft-com:vml" Requires="v">
-                <p:oleObj spid="_x0000_s11369" name="Equation" r:id="rId3" imgW="812520" imgH="393480" progId="Equation.DSMT4">
+                <p:oleObj spid="_x0000_s11396" name="Equation" r:id="rId3" imgW="812520" imgH="393480" progId="Equation.DSMT4">
                   <p:embed/>
                 </p:oleObj>
               </mc:Choice>
@@ -11034,7 +11101,7 @@
           <p:cNvPr id="16" name="Прямоугольник 15">
             <a:extLst>
               <a:ext uri="{FF2B5EF4-FFF2-40B4-BE49-F238E27FC236}">
-                <a16:creationId xmlns:a16="http://schemas.microsoft.com/office/drawing/2014/main" id="{FB94CD96-19E0-43E2-8519-B3EF1FDD1B05}"/>
+                <a16:creationId xmlns="" xmlns:a16="http://schemas.microsoft.com/office/drawing/2014/main" id="{FB94CD96-19E0-43E2-8519-B3EF1FDD1B05}"/>
               </a:ext>
             </a:extLst>
           </p:cNvPr>
@@ -11082,7 +11149,7 @@
           <p:cNvPr id="4" name="Объект 3">
             <a:extLst>
               <a:ext uri="{FF2B5EF4-FFF2-40B4-BE49-F238E27FC236}">
-                <a16:creationId xmlns:a16="http://schemas.microsoft.com/office/drawing/2014/main" id="{789FD3AE-DD81-4B14-A513-ABEBF21CD865}"/>
+                <a16:creationId xmlns="" xmlns:a16="http://schemas.microsoft.com/office/drawing/2014/main" id="{789FD3AE-DD81-4B14-A513-ABEBF21CD865}"/>
               </a:ext>
             </a:extLst>
           </p:cNvPr>
@@ -11105,7 +11172,7 @@
           <a:graphicData uri="http://schemas.openxmlformats.org/presentationml/2006/ole">
             <mc:AlternateContent xmlns:mc="http://schemas.openxmlformats.org/markup-compatibility/2006">
               <mc:Choice xmlns:v="urn:schemas-microsoft-com:vml" Requires="v">
-                <p:oleObj spid="_x0000_s11370" name="Equation" r:id="rId5" imgW="3416040" imgH="1739880" progId="Equation.DSMT4">
+                <p:oleObj spid="_x0000_s11397" name="Equation" r:id="rId5" imgW="3416040" imgH="1739880" progId="Equation.DSMT4">
                   <p:embed/>
                 </p:oleObj>
               </mc:Choice>
@@ -11145,7 +11212,7 @@
           <p:cNvPr id="49" name="TextBox 48">
             <a:extLst>
               <a:ext uri="{FF2B5EF4-FFF2-40B4-BE49-F238E27FC236}">
-                <a16:creationId xmlns:a16="http://schemas.microsoft.com/office/drawing/2014/main" id="{8F10DDAE-7D75-4826-8B05-FDB8C2B07A79}"/>
+                <a16:creationId xmlns="" xmlns:a16="http://schemas.microsoft.com/office/drawing/2014/main" id="{8F10DDAE-7D75-4826-8B05-FDB8C2B07A79}"/>
               </a:ext>
             </a:extLst>
           </p:cNvPr>
@@ -11214,7 +11281,7 @@
           <p:cNvPr id="46" name="Объект 45">
             <a:extLst>
               <a:ext uri="{FF2B5EF4-FFF2-40B4-BE49-F238E27FC236}">
-                <a16:creationId xmlns:a16="http://schemas.microsoft.com/office/drawing/2014/main" id="{B80CCD92-09ED-4348-8084-5DEF0AD6EA92}"/>
+                <a16:creationId xmlns="" xmlns:a16="http://schemas.microsoft.com/office/drawing/2014/main" id="{B80CCD92-09ED-4348-8084-5DEF0AD6EA92}"/>
               </a:ext>
             </a:extLst>
           </p:cNvPr>
@@ -11237,7 +11304,7 @@
           <a:graphicData uri="http://schemas.openxmlformats.org/presentationml/2006/ole">
             <mc:AlternateContent xmlns:mc="http://schemas.openxmlformats.org/markup-compatibility/2006">
               <mc:Choice xmlns:v="urn:schemas-microsoft-com:vml" Requires="v">
-                <p:oleObj spid="_x0000_s11371" name="Equation" r:id="rId7" imgW="1562040" imgH="609480" progId="Equation.DSMT4">
+                <p:oleObj spid="_x0000_s11398" name="Equation" r:id="rId7" imgW="1562040" imgH="609480" progId="Equation.DSMT4">
                   <p:embed/>
                 </p:oleObj>
               </mc:Choice>
@@ -11277,7 +11344,7 @@
           <p:cNvPr id="51" name="TextBox 50">
             <a:extLst>
               <a:ext uri="{FF2B5EF4-FFF2-40B4-BE49-F238E27FC236}">
-                <a16:creationId xmlns:a16="http://schemas.microsoft.com/office/drawing/2014/main" id="{F740F37E-0ACA-4760-AE9A-FB8156EC83CB}"/>
+                <a16:creationId xmlns="" xmlns:a16="http://schemas.microsoft.com/office/drawing/2014/main" id="{F740F37E-0ACA-4760-AE9A-FB8156EC83CB}"/>
               </a:ext>
             </a:extLst>
           </p:cNvPr>
@@ -11396,7 +11463,7 @@
           <p:cNvPr id="47" name="Объект 46">
             <a:extLst>
               <a:ext uri="{FF2B5EF4-FFF2-40B4-BE49-F238E27FC236}">
-                <a16:creationId xmlns:a16="http://schemas.microsoft.com/office/drawing/2014/main" id="{60ED92F3-C99B-4CE6-825D-839D7D811370}"/>
+                <a16:creationId xmlns="" xmlns:a16="http://schemas.microsoft.com/office/drawing/2014/main" id="{60ED92F3-C99B-4CE6-825D-839D7D811370}"/>
               </a:ext>
             </a:extLst>
           </p:cNvPr>
@@ -11419,7 +11486,7 @@
           <a:graphicData uri="http://schemas.openxmlformats.org/presentationml/2006/ole">
             <mc:AlternateContent xmlns:mc="http://schemas.openxmlformats.org/markup-compatibility/2006">
               <mc:Choice xmlns:v="urn:schemas-microsoft-com:vml" Requires="v">
-                <p:oleObj spid="_x0000_s11372" name="Equation" r:id="rId9" imgW="787320" imgH="304560" progId="Equation.DSMT4">
+                <p:oleObj spid="_x0000_s11399" name="Equation" r:id="rId9" imgW="787320" imgH="304560" progId="Equation.DSMT4">
                   <p:embed/>
                 </p:oleObj>
               </mc:Choice>
@@ -11459,7 +11526,7 @@
           <p:cNvPr id="50" name="Объект 49">
             <a:extLst>
               <a:ext uri="{FF2B5EF4-FFF2-40B4-BE49-F238E27FC236}">
-                <a16:creationId xmlns:a16="http://schemas.microsoft.com/office/drawing/2014/main" id="{2A2A780E-C1B4-4AA8-8A52-DA256DE6EC97}"/>
+                <a16:creationId xmlns="" xmlns:a16="http://schemas.microsoft.com/office/drawing/2014/main" id="{2A2A780E-C1B4-4AA8-8A52-DA256DE6EC97}"/>
               </a:ext>
             </a:extLst>
           </p:cNvPr>
@@ -11482,7 +11549,7 @@
           <a:graphicData uri="http://schemas.openxmlformats.org/presentationml/2006/ole">
             <mc:AlternateContent xmlns:mc="http://schemas.openxmlformats.org/markup-compatibility/2006">
               <mc:Choice xmlns:v="urn:schemas-microsoft-com:vml" Requires="v">
-                <p:oleObj spid="_x0000_s11373" name="Equation" r:id="rId11" imgW="304560" imgH="215640" progId="Equation.DSMT4">
+                <p:oleObj spid="_x0000_s11400" name="Equation" r:id="rId11" imgW="304560" imgH="215640" progId="Equation.DSMT4">
                   <p:embed/>
                 </p:oleObj>
               </mc:Choice>
@@ -11522,7 +11589,7 @@
           <p:cNvPr id="52" name="Объект 51">
             <a:extLst>
               <a:ext uri="{FF2B5EF4-FFF2-40B4-BE49-F238E27FC236}">
-                <a16:creationId xmlns:a16="http://schemas.microsoft.com/office/drawing/2014/main" id="{CE9B6945-1996-42BA-B2A3-886BAFDCF468}"/>
+                <a16:creationId xmlns="" xmlns:a16="http://schemas.microsoft.com/office/drawing/2014/main" id="{CE9B6945-1996-42BA-B2A3-886BAFDCF468}"/>
               </a:ext>
             </a:extLst>
           </p:cNvPr>
@@ -11545,7 +11612,7 @@
           <a:graphicData uri="http://schemas.openxmlformats.org/presentationml/2006/ole">
             <mc:AlternateContent xmlns:mc="http://schemas.openxmlformats.org/markup-compatibility/2006">
               <mc:Choice xmlns:v="urn:schemas-microsoft-com:vml" Requires="v">
-                <p:oleObj spid="_x0000_s11374" name="Equation" r:id="rId13" imgW="215640" imgH="215640" progId="Equation.DSMT4">
+                <p:oleObj spid="_x0000_s11401" name="Equation" r:id="rId13" imgW="215640" imgH="215640" progId="Equation.DSMT4">
                   <p:embed/>
                 </p:oleObj>
               </mc:Choice>
@@ -11585,7 +11652,7 @@
           <p:cNvPr id="55" name="TextBox 54">
             <a:extLst>
               <a:ext uri="{FF2B5EF4-FFF2-40B4-BE49-F238E27FC236}">
-                <a16:creationId xmlns:a16="http://schemas.microsoft.com/office/drawing/2014/main" id="{4FB9B44F-04D9-4907-8D98-67B1F9A8CC21}"/>
+                <a16:creationId xmlns="" xmlns:a16="http://schemas.microsoft.com/office/drawing/2014/main" id="{4FB9B44F-04D9-4907-8D98-67B1F9A8CC21}"/>
               </a:ext>
             </a:extLst>
           </p:cNvPr>
@@ -11714,7 +11781,7 @@
           <p:cNvPr id="54" name="Объект 53">
             <a:extLst>
               <a:ext uri="{FF2B5EF4-FFF2-40B4-BE49-F238E27FC236}">
-                <a16:creationId xmlns:a16="http://schemas.microsoft.com/office/drawing/2014/main" id="{8D06A97D-C39E-4F10-861B-90DFFF6C77D7}"/>
+                <a16:creationId xmlns="" xmlns:a16="http://schemas.microsoft.com/office/drawing/2014/main" id="{8D06A97D-C39E-4F10-861B-90DFFF6C77D7}"/>
               </a:ext>
             </a:extLst>
           </p:cNvPr>
@@ -11737,7 +11804,7 @@
           <a:graphicData uri="http://schemas.openxmlformats.org/presentationml/2006/ole">
             <mc:AlternateContent xmlns:mc="http://schemas.openxmlformats.org/markup-compatibility/2006">
               <mc:Choice xmlns:v="urn:schemas-microsoft-com:vml" Requires="v">
-                <p:oleObj spid="_x0000_s11375" name="Equation" r:id="rId15" imgW="888840" imgH="241200" progId="Equation.DSMT4">
+                <p:oleObj spid="_x0000_s11402" name="Equation" r:id="rId15" imgW="888840" imgH="241200" progId="Equation.DSMT4">
                   <p:embed/>
                 </p:oleObj>
               </mc:Choice>
@@ -11777,7 +11844,7 @@
           <p:cNvPr id="56" name="Объект 55">
             <a:extLst>
               <a:ext uri="{FF2B5EF4-FFF2-40B4-BE49-F238E27FC236}">
-                <a16:creationId xmlns:a16="http://schemas.microsoft.com/office/drawing/2014/main" id="{83033080-C9CB-4517-B302-9B9B6B0B1476}"/>
+                <a16:creationId xmlns="" xmlns:a16="http://schemas.microsoft.com/office/drawing/2014/main" id="{83033080-C9CB-4517-B302-9B9B6B0B1476}"/>
               </a:ext>
             </a:extLst>
           </p:cNvPr>
@@ -11800,7 +11867,7 @@
           <a:graphicData uri="http://schemas.openxmlformats.org/presentationml/2006/ole">
             <mc:AlternateContent xmlns:mc="http://schemas.openxmlformats.org/markup-compatibility/2006">
               <mc:Choice xmlns:v="urn:schemas-microsoft-com:vml" Requires="v">
-                <p:oleObj spid="_x0000_s11376" name="Equation" r:id="rId17" imgW="825480" imgH="215640" progId="Equation.DSMT4">
+                <p:oleObj spid="_x0000_s11403" name="Equation" r:id="rId17" imgW="825480" imgH="215640" progId="Equation.DSMT4">
                   <p:embed/>
                 </p:oleObj>
               </mc:Choice>
@@ -11840,7 +11907,7 @@
           <p:cNvPr id="57" name="Объект 56">
             <a:extLst>
               <a:ext uri="{FF2B5EF4-FFF2-40B4-BE49-F238E27FC236}">
-                <a16:creationId xmlns:a16="http://schemas.microsoft.com/office/drawing/2014/main" id="{1774457E-A55B-4016-9DFE-969B279C27D1}"/>
+                <a16:creationId xmlns="" xmlns:a16="http://schemas.microsoft.com/office/drawing/2014/main" id="{1774457E-A55B-4016-9DFE-969B279C27D1}"/>
               </a:ext>
             </a:extLst>
           </p:cNvPr>
@@ -11863,7 +11930,7 @@
           <a:graphicData uri="http://schemas.openxmlformats.org/presentationml/2006/ole">
             <mc:AlternateContent xmlns:mc="http://schemas.openxmlformats.org/markup-compatibility/2006">
               <mc:Choice xmlns:v="urn:schemas-microsoft-com:vml" Requires="v">
-                <p:oleObj spid="_x0000_s11377" name="Equation" r:id="rId19" imgW="622080" imgH="241200" progId="Equation.DSMT4">
+                <p:oleObj spid="_x0000_s11404" name="Equation" r:id="rId19" imgW="622080" imgH="241200" progId="Equation.DSMT4">
                   <p:embed/>
                 </p:oleObj>
               </mc:Choice>
@@ -11903,7 +11970,7 @@
           <p:cNvPr id="68" name="TextBox 67">
             <a:extLst>
               <a:ext uri="{FF2B5EF4-FFF2-40B4-BE49-F238E27FC236}">
-                <a16:creationId xmlns:a16="http://schemas.microsoft.com/office/drawing/2014/main" id="{201D21DB-4177-4D46-AA0C-E3DB359C37CC}"/>
+                <a16:creationId xmlns="" xmlns:a16="http://schemas.microsoft.com/office/drawing/2014/main" id="{201D21DB-4177-4D46-AA0C-E3DB359C37CC}"/>
               </a:ext>
             </a:extLst>
           </p:cNvPr>
@@ -11913,7 +11980,7 @@
         <p:spPr>
           <a:xfrm>
             <a:off x="411428" y="1141829"/>
-            <a:ext cx="2747962" cy="261610"/>
+            <a:ext cx="3043972" cy="261610"/>
           </a:xfrm>
           <a:prstGeom prst="rect">
             <a:avLst/>
@@ -11942,8 +12009,35 @@
                 <a:latin typeface="Times New Roman" panose="02020603050405020304" pitchFamily="18" charset="0"/>
                 <a:cs typeface="Times New Roman" panose="02020603050405020304" pitchFamily="18" charset="0"/>
               </a:rPr>
-              <a:t>Для дифференциального уравнения:</a:t>
-            </a:r>
+              <a:t>Для </a:t>
+            </a:r>
+            <a:r>
+              <a:rPr lang="ru-RU" sz="1100" dirty="0" smtClean="0">
+                <a:solidFill>
+                  <a:prstClr val="black"/>
+                </a:solidFill>
+                <a:latin typeface="Times New Roman" panose="02020603050405020304" pitchFamily="18" charset="0"/>
+                <a:cs typeface="Times New Roman" panose="02020603050405020304" pitchFamily="18" charset="0"/>
+              </a:rPr>
+              <a:t>системы </a:t>
+            </a:r>
+            <a:r>
+              <a:rPr lang="ru-RU" sz="1100" dirty="0" smtClean="0">
+                <a:solidFill>
+                  <a:prstClr val="black"/>
+                </a:solidFill>
+                <a:latin typeface="Times New Roman" panose="02020603050405020304" pitchFamily="18" charset="0"/>
+                <a:cs typeface="Times New Roman" panose="02020603050405020304" pitchFamily="18" charset="0"/>
+              </a:rPr>
+              <a:t>дифференциальных уравнений:</a:t>
+            </a:r>
+            <a:endParaRPr lang="ru-RU" sz="1100" dirty="0">
+              <a:solidFill>
+                <a:prstClr val="black"/>
+              </a:solidFill>
+              <a:latin typeface="Times New Roman" panose="02020603050405020304" pitchFamily="18" charset="0"/>
+              <a:cs typeface="Times New Roman" panose="02020603050405020304" pitchFamily="18" charset="0"/>
+            </a:endParaRPr>
           </a:p>
         </p:txBody>
       </p:sp>
@@ -11952,7 +12046,7 @@
           <p:cNvPr id="69" name="Rectangle 21">
             <a:extLst>
               <a:ext uri="{FF2B5EF4-FFF2-40B4-BE49-F238E27FC236}">
-                <a16:creationId xmlns:a16="http://schemas.microsoft.com/office/drawing/2014/main" id="{E7E9801D-41DC-4234-B829-2982DF0FA47F}"/>
+                <a16:creationId xmlns="" xmlns:a16="http://schemas.microsoft.com/office/drawing/2014/main" id="{E7E9801D-41DC-4234-B829-2982DF0FA47F}"/>
               </a:ext>
             </a:extLst>
           </p:cNvPr>
@@ -12124,7 +12218,7 @@
           <p:cNvPr id="70" name="Rectangle 21">
             <a:extLst>
               <a:ext uri="{FF2B5EF4-FFF2-40B4-BE49-F238E27FC236}">
-                <a16:creationId xmlns:a16="http://schemas.microsoft.com/office/drawing/2014/main" id="{3FB3C5F1-C6AE-446A-998C-90D675928979}"/>
+                <a16:creationId xmlns="" xmlns:a16="http://schemas.microsoft.com/office/drawing/2014/main" id="{3FB3C5F1-C6AE-446A-998C-90D675928979}"/>
               </a:ext>
             </a:extLst>
           </p:cNvPr>
@@ -12296,7 +12390,7 @@
           <p:cNvPr id="71" name="Rectangle 21">
             <a:extLst>
               <a:ext uri="{FF2B5EF4-FFF2-40B4-BE49-F238E27FC236}">
-                <a16:creationId xmlns:a16="http://schemas.microsoft.com/office/drawing/2014/main" id="{064CC344-C15D-40CC-ADE2-CD5636B966DD}"/>
+                <a16:creationId xmlns="" xmlns:a16="http://schemas.microsoft.com/office/drawing/2014/main" id="{064CC344-C15D-40CC-ADE2-CD5636B966DD}"/>
               </a:ext>
             </a:extLst>
           </p:cNvPr>
@@ -12473,6 +12567,13 @@
   <p:clrMapOvr>
     <a:masterClrMapping/>
   </p:clrMapOvr>
+  <p:timing>
+    <p:tnLst>
+      <p:par>
+        <p:cTn id="1" dur="indefinite" restart="never" nodeType="tmRoot"/>
+      </p:par>
+    </p:tnLst>
+  </p:timing>
 </p:sld>
 </file>
 
@@ -13090,6 +13191,13 @@
   <p:clrMapOvr>
     <a:masterClrMapping/>
   </p:clrMapOvr>
+  <p:timing>
+    <p:tnLst>
+      <p:par>
+        <p:cTn id="1" dur="indefinite" restart="never" nodeType="tmRoot"/>
+      </p:par>
+    </p:tnLst>
+  </p:timing>
 </p:sld>
 </file>
 
@@ -13397,7 +13505,7 @@
           <a:graphicData uri="http://schemas.openxmlformats.org/presentationml/2006/ole">
             <mc:AlternateContent xmlns:mc="http://schemas.openxmlformats.org/markup-compatibility/2006">
               <mc:Choice xmlns:v="urn:schemas-microsoft-com:vml" Requires="v">
-                <p:oleObj spid="_x0000_s8410" name="Формула" r:id="rId3" imgW="2095200" imgH="228600" progId="Equation.3">
+                <p:oleObj spid="_x0000_s8464" name="Формула" r:id="rId3" imgW="2095200" imgH="228600" progId="Equation.3">
                   <p:embed/>
                 </p:oleObj>
               </mc:Choice>
@@ -13461,7 +13569,7 @@
           <a:graphicData uri="http://schemas.openxmlformats.org/presentationml/2006/ole">
             <mc:AlternateContent xmlns:mc="http://schemas.openxmlformats.org/markup-compatibility/2006">
               <mc:Choice xmlns:v="urn:schemas-microsoft-com:vml" Requires="v">
-                <p:oleObj spid="_x0000_s8411" name="Equation" r:id="rId5" imgW="736560" imgH="228600" progId="Equation.3">
+                <p:oleObj spid="_x0000_s8465" name="Equation" r:id="rId5" imgW="736560" imgH="228600" progId="Equation.3">
                   <p:embed/>
                 </p:oleObj>
               </mc:Choice>
@@ -13906,7 +14014,7 @@
           <a:graphicData uri="http://schemas.openxmlformats.org/presentationml/2006/ole">
             <mc:AlternateContent xmlns:mc="http://schemas.openxmlformats.org/markup-compatibility/2006">
               <mc:Choice xmlns:v="urn:schemas-microsoft-com:vml" Requires="v">
-                <p:oleObj spid="_x0000_s8412" name="Формула" r:id="rId7" imgW="1143000" imgH="228600" progId="Equation.3">
+                <p:oleObj spid="_x0000_s8466" name="Формула" r:id="rId7" imgW="1143000" imgH="228600" progId="Equation.3">
                   <p:embed/>
                 </p:oleObj>
               </mc:Choice>
@@ -13970,7 +14078,7 @@
           <a:graphicData uri="http://schemas.openxmlformats.org/presentationml/2006/ole">
             <mc:AlternateContent xmlns:mc="http://schemas.openxmlformats.org/markup-compatibility/2006">
               <mc:Choice xmlns:v="urn:schemas-microsoft-com:vml" Requires="v">
-                <p:oleObj spid="_x0000_s8413" name="Equation" r:id="rId9" imgW="799920" imgH="228600" progId="Equation.3">
+                <p:oleObj spid="_x0000_s8467" name="Equation" r:id="rId9" imgW="799920" imgH="228600" progId="Equation.3">
                   <p:embed/>
                 </p:oleObj>
               </mc:Choice>
@@ -14034,7 +14142,7 @@
           <a:graphicData uri="http://schemas.openxmlformats.org/presentationml/2006/ole">
             <mc:AlternateContent xmlns:mc="http://schemas.openxmlformats.org/markup-compatibility/2006">
               <mc:Choice xmlns:v="urn:schemas-microsoft-com:vml" Requires="v">
-                <p:oleObj spid="_x0000_s8414" name="Формула" r:id="rId11" imgW="253800" imgH="228600" progId="Equation.3">
+                <p:oleObj spid="_x0000_s8468" name="Формула" r:id="rId11" imgW="253800" imgH="228600" progId="Equation.3">
                   <p:embed/>
                 </p:oleObj>
               </mc:Choice>
@@ -14129,7 +14237,7 @@
           <a:graphicData uri="http://schemas.openxmlformats.org/presentationml/2006/ole">
             <mc:AlternateContent xmlns:mc="http://schemas.openxmlformats.org/markup-compatibility/2006">
               <mc:Choice xmlns:v="urn:schemas-microsoft-com:vml" Requires="v">
-                <p:oleObj spid="_x0000_s8415" name="Формула" r:id="rId13" imgW="241200" imgH="228600" progId="Equation.3">
+                <p:oleObj spid="_x0000_s8469" name="Формула" r:id="rId13" imgW="241200" imgH="228600" progId="Equation.3">
                   <p:embed/>
                 </p:oleObj>
               </mc:Choice>
@@ -14193,7 +14301,7 @@
           <a:graphicData uri="http://schemas.openxmlformats.org/presentationml/2006/ole">
             <mc:AlternateContent xmlns:mc="http://schemas.openxmlformats.org/markup-compatibility/2006">
               <mc:Choice xmlns:v="urn:schemas-microsoft-com:vml" Requires="v">
-                <p:oleObj spid="_x0000_s8416" name="Формула" r:id="rId15" imgW="1447560" imgH="482400" progId="Equation.3">
+                <p:oleObj spid="_x0000_s8470" name="Формула" r:id="rId15" imgW="1447560" imgH="482400" progId="Equation.3">
                   <p:embed/>
                 </p:oleObj>
               </mc:Choice>
@@ -14383,7 +14491,7 @@
           <a:graphicData uri="http://schemas.openxmlformats.org/presentationml/2006/ole">
             <mc:AlternateContent xmlns:mc="http://schemas.openxmlformats.org/markup-compatibility/2006">
               <mc:Choice xmlns:v="urn:schemas-microsoft-com:vml" Requires="v">
-                <p:oleObj spid="_x0000_s8417" name="Уравнение" r:id="rId17" imgW="1422360" imgH="241200" progId="Equation.3">
+                <p:oleObj spid="_x0000_s8471" name="Уравнение" r:id="rId17" imgW="1422360" imgH="241200" progId="Equation.3">
                   <p:embed/>
                 </p:oleObj>
               </mc:Choice>
@@ -14447,7 +14555,7 @@
           <a:graphicData uri="http://schemas.openxmlformats.org/presentationml/2006/ole">
             <mc:AlternateContent xmlns:mc="http://schemas.openxmlformats.org/markup-compatibility/2006">
               <mc:Choice xmlns:v="urn:schemas-microsoft-com:vml" Requires="v">
-                <p:oleObj spid="_x0000_s8418" name="Equation" r:id="rId19" imgW="1143000" imgH="241200" progId="Equation.3">
+                <p:oleObj spid="_x0000_s8472" name="Equation" r:id="rId19" imgW="1143000" imgH="241200" progId="Equation.3">
                   <p:embed/>
                 </p:oleObj>
               </mc:Choice>
@@ -14511,7 +14619,7 @@
           <a:graphicData uri="http://schemas.openxmlformats.org/presentationml/2006/ole">
             <mc:AlternateContent xmlns:mc="http://schemas.openxmlformats.org/markup-compatibility/2006">
               <mc:Choice xmlns:v="urn:schemas-microsoft-com:vml" Requires="v">
-                <p:oleObj spid="_x0000_s8419" name="Уравнение" r:id="rId21" imgW="330120" imgH="241200" progId="Equation.3">
+                <p:oleObj spid="_x0000_s8473" name="Уравнение" r:id="rId21" imgW="330120" imgH="241200" progId="Equation.3">
                   <p:embed/>
                 </p:oleObj>
               </mc:Choice>
@@ -14575,7 +14683,7 @@
           <a:graphicData uri="http://schemas.openxmlformats.org/presentationml/2006/ole">
             <mc:AlternateContent xmlns:mc="http://schemas.openxmlformats.org/markup-compatibility/2006">
               <mc:Choice xmlns:v="urn:schemas-microsoft-com:vml" Requires="v">
-                <p:oleObj spid="_x0000_s8420" name="Формула" r:id="rId23" imgW="850680" imgH="241200" progId="Equation.3">
+                <p:oleObj spid="_x0000_s8474" name="Формула" r:id="rId23" imgW="850680" imgH="241200" progId="Equation.3">
                   <p:embed/>
                 </p:oleObj>
               </mc:Choice>
@@ -14787,7 +14895,7 @@
           <a:graphicData uri="http://schemas.openxmlformats.org/presentationml/2006/ole">
             <mc:AlternateContent xmlns:mc="http://schemas.openxmlformats.org/markup-compatibility/2006">
               <mc:Choice xmlns:v="urn:schemas-microsoft-com:vml" Requires="v">
-                <p:oleObj spid="_x0000_s8421" name="Формула" r:id="rId25" imgW="3454200" imgH="253800" progId="Equation.3">
+                <p:oleObj spid="_x0000_s8475" name="Формула" r:id="rId25" imgW="3454200" imgH="253800" progId="Equation.3">
                   <p:embed/>
                 </p:oleObj>
               </mc:Choice>
@@ -14927,29 +15035,6 @@
           </a:p>
         </p:txBody>
       </p:sp>
-      <p:pic>
-        <p:nvPicPr>
-          <p:cNvPr id="2" name="Рисунок 1"/>
-          <p:cNvPicPr>
-            <a:picLocks noChangeAspect="1"/>
-          </p:cNvPicPr>
-          <p:nvPr/>
-        </p:nvPicPr>
-        <p:blipFill rotWithShape="1">
-          <a:blip r:embed="rId27"/>
-          <a:srcRect t="23817" b="34976"/>
-          <a:stretch/>
-        </p:blipFill>
-        <p:spPr>
-          <a:xfrm>
-            <a:off x="4545504" y="3457225"/>
-            <a:ext cx="4657166" cy="959574"/>
-          </a:xfrm>
-          <a:prstGeom prst="rect">
-            <a:avLst/>
-          </a:prstGeom>
-        </p:spPr>
-      </p:pic>
       <p:sp>
         <p:nvSpPr>
           <p:cNvPr id="52" name="TextBox 51"/>
@@ -15046,12 +15131,12 @@
           <a:graphicData uri="http://schemas.openxmlformats.org/presentationml/2006/ole">
             <mc:AlternateContent xmlns:mc="http://schemas.openxmlformats.org/markup-compatibility/2006">
               <mc:Choice xmlns:v="urn:schemas-microsoft-com:vml" Requires="v">
-                <p:oleObj spid="_x0000_s8422" name="Equation" r:id="rId28" imgW="1333440" imgH="431640" progId="Equation.3">
+                <p:oleObj spid="_x0000_s8476" name="Equation" r:id="rId27" imgW="1333440" imgH="431640" progId="Equation.3">
                   <p:embed/>
                 </p:oleObj>
               </mc:Choice>
               <mc:Fallback>
-                <p:oleObj name="Equation" r:id="rId28" imgW="1333440" imgH="431640" progId="Equation.3">
+                <p:oleObj name="Equation" r:id="rId27" imgW="1333440" imgH="431640" progId="Equation.3">
                   <p:embed/>
                   <p:pic>
                     <p:nvPicPr>
@@ -15062,7 +15147,7 @@
                       <p:nvPr/>
                     </p:nvPicPr>
                     <p:blipFill>
-                      <a:blip r:embed="rId29"/>
+                      <a:blip r:embed="rId28"/>
                       <a:srcRect/>
                       <a:stretch>
                         <a:fillRect/>
@@ -15158,12 +15243,12 @@
           <a:graphicData uri="http://schemas.openxmlformats.org/presentationml/2006/ole">
             <mc:AlternateContent xmlns:mc="http://schemas.openxmlformats.org/markup-compatibility/2006">
               <mc:Choice xmlns:v="urn:schemas-microsoft-com:vml" Requires="v">
-                <p:oleObj spid="_x0000_s8423" name="Equation" r:id="rId30" imgW="1955520" imgH="393480" progId="Equation.3">
+                <p:oleObj spid="_x0000_s8477" name="Equation" r:id="rId29" imgW="1955520" imgH="393480" progId="Equation.3">
                   <p:embed/>
                 </p:oleObj>
               </mc:Choice>
               <mc:Fallback>
-                <p:oleObj name="Equation" r:id="rId30" imgW="1955520" imgH="393480" progId="Equation.3">
+                <p:oleObj name="Equation" r:id="rId29" imgW="1955520" imgH="393480" progId="Equation.3">
                   <p:embed/>
                   <p:pic>
                     <p:nvPicPr>
@@ -15174,7 +15259,7 @@
                       <p:nvPr/>
                     </p:nvPicPr>
                     <p:blipFill>
-                      <a:blip r:embed="rId31"/>
+                      <a:blip r:embed="rId30"/>
                       <a:srcRect/>
                       <a:stretch>
                         <a:fillRect/>
@@ -15222,12 +15307,12 @@
           <a:graphicData uri="http://schemas.openxmlformats.org/presentationml/2006/ole">
             <mc:AlternateContent xmlns:mc="http://schemas.openxmlformats.org/markup-compatibility/2006">
               <mc:Choice xmlns:v="urn:schemas-microsoft-com:vml" Requires="v">
-                <p:oleObj spid="_x0000_s8424" name="Формула" r:id="rId32" imgW="2844720" imgH="393480" progId="Equation.3">
+                <p:oleObj spid="_x0000_s8478" name="Формула" r:id="rId31" imgW="2844720" imgH="393480" progId="Equation.3">
                   <p:embed/>
                 </p:oleObj>
               </mc:Choice>
               <mc:Fallback>
-                <p:oleObj name="Формула" r:id="rId32" imgW="2844720" imgH="393480" progId="Equation.3">
+                <p:oleObj name="Формула" r:id="rId31" imgW="2844720" imgH="393480" progId="Equation.3">
                   <p:embed/>
                   <p:pic>
                     <p:nvPicPr>
@@ -15238,7 +15323,7 @@
                       <p:nvPr/>
                     </p:nvPicPr>
                     <p:blipFill>
-                      <a:blip r:embed="rId33"/>
+                      <a:blip r:embed="rId32"/>
                       <a:srcRect/>
                       <a:stretch>
                         <a:fillRect/>
@@ -15286,12 +15371,12 @@
           <a:graphicData uri="http://schemas.openxmlformats.org/presentationml/2006/ole">
             <mc:AlternateContent xmlns:mc="http://schemas.openxmlformats.org/markup-compatibility/2006">
               <mc:Choice xmlns:v="urn:schemas-microsoft-com:vml" Requires="v">
-                <p:oleObj spid="_x0000_s8425" name="Уравнение" r:id="rId34" imgW="1460160" imgH="393480" progId="Equation.3">
+                <p:oleObj spid="_x0000_s8479" name="Уравнение" r:id="rId33" imgW="1460160" imgH="393480" progId="Equation.3">
                   <p:embed/>
                 </p:oleObj>
               </mc:Choice>
               <mc:Fallback>
-                <p:oleObj name="Уравнение" r:id="rId34" imgW="1460160" imgH="393480" progId="Equation.3">
+                <p:oleObj name="Уравнение" r:id="rId33" imgW="1460160" imgH="393480" progId="Equation.3">
                   <p:embed/>
                   <p:pic>
                     <p:nvPicPr>
@@ -15302,7 +15387,7 @@
                       <p:nvPr/>
                     </p:nvPicPr>
                     <p:blipFill>
-                      <a:blip r:embed="rId35"/>
+                      <a:blip r:embed="rId34"/>
                       <a:srcRect/>
                       <a:stretch>
                         <a:fillRect/>
@@ -15350,12 +15435,12 @@
           <a:graphicData uri="http://schemas.openxmlformats.org/presentationml/2006/ole">
             <mc:AlternateContent xmlns:mc="http://schemas.openxmlformats.org/markup-compatibility/2006">
               <mc:Choice xmlns:v="urn:schemas-microsoft-com:vml" Requires="v">
-                <p:oleObj spid="_x0000_s8426" name="Формула" r:id="rId36" imgW="1346040" imgH="393480" progId="Equation.3">
+                <p:oleObj spid="_x0000_s8480" name="Формула" r:id="rId35" imgW="1346040" imgH="393480" progId="Equation.3">
                   <p:embed/>
                 </p:oleObj>
               </mc:Choice>
               <mc:Fallback>
-                <p:oleObj name="Формула" r:id="rId36" imgW="1346040" imgH="393480" progId="Equation.3">
+                <p:oleObj name="Формула" r:id="rId35" imgW="1346040" imgH="393480" progId="Equation.3">
                   <p:embed/>
                   <p:pic>
                     <p:nvPicPr>
@@ -15366,7 +15451,7 @@
                       <p:nvPr/>
                     </p:nvPicPr>
                     <p:blipFill>
-                      <a:blip r:embed="rId37"/>
+                      <a:blip r:embed="rId36"/>
                       <a:srcRect/>
                       <a:stretch>
                         <a:fillRect/>
@@ -15414,12 +15499,12 @@
           <a:graphicData uri="http://schemas.openxmlformats.org/presentationml/2006/ole">
             <mc:AlternateContent xmlns:mc="http://schemas.openxmlformats.org/markup-compatibility/2006">
               <mc:Choice xmlns:v="urn:schemas-microsoft-com:vml" Requires="v">
-                <p:oleObj spid="_x0000_s8427" name="Equation" r:id="rId38" imgW="647640" imgH="228600" progId="Equation.3">
+                <p:oleObj spid="_x0000_s8481" name="Equation" r:id="rId37" imgW="647640" imgH="228600" progId="Equation.3">
                   <p:embed/>
                 </p:oleObj>
               </mc:Choice>
               <mc:Fallback>
-                <p:oleObj name="Equation" r:id="rId38" imgW="647640" imgH="228600" progId="Equation.3">
+                <p:oleObj name="Equation" r:id="rId37" imgW="647640" imgH="228600" progId="Equation.3">
                   <p:embed/>
                   <p:pic>
                     <p:nvPicPr>
@@ -15430,7 +15515,7 @@
                       <p:nvPr/>
                     </p:nvPicPr>
                     <p:blipFill>
-                      <a:blip r:embed="rId39"/>
+                      <a:blip r:embed="rId38"/>
                       <a:srcRect/>
                       <a:stretch>
                         <a:fillRect/>
@@ -15871,6 +15956,28 @@
           </a:p>
         </p:txBody>
       </p:sp>
+      <p:pic>
+        <p:nvPicPr>
+          <p:cNvPr id="64" name="Рисунок 63"/>
+          <p:cNvPicPr/>
+          <p:nvPr/>
+        </p:nvPicPr>
+        <p:blipFill>
+          <a:blip r:embed="rId39"/>
+          <a:stretch>
+            <a:fillRect/>
+          </a:stretch>
+        </p:blipFill>
+        <p:spPr>
+          <a:xfrm>
+            <a:off x="4591237" y="3387849"/>
+            <a:ext cx="4528965" cy="916314"/>
+          </a:xfrm>
+          <a:prstGeom prst="rect">
+            <a:avLst/>
+          </a:prstGeom>
+        </p:spPr>
+      </p:pic>
     </p:spTree>
     <p:extLst>
       <p:ext uri="{BB962C8B-B14F-4D97-AF65-F5344CB8AC3E}">
@@ -16889,7 +16996,7 @@
           <p:cNvPr id="16" name="Text Box 39">
             <a:extLst>
               <a:ext uri="{FF2B5EF4-FFF2-40B4-BE49-F238E27FC236}">
-                <a16:creationId xmlns:a16="http://schemas.microsoft.com/office/drawing/2014/main" id="{EA108B10-7F05-4F96-BBAE-AB79450A6340}"/>
+                <a16:creationId xmlns="" xmlns:a16="http://schemas.microsoft.com/office/drawing/2014/main" id="{EA108B10-7F05-4F96-BBAE-AB79450A6340}"/>
               </a:ext>
             </a:extLst>
           </p:cNvPr>
@@ -17138,7 +17245,7 @@
           <p:cNvPr id="43" name="Группа 42">
             <a:extLst>
               <a:ext uri="{FF2B5EF4-FFF2-40B4-BE49-F238E27FC236}">
-                <a16:creationId xmlns:a16="http://schemas.microsoft.com/office/drawing/2014/main" id="{4444B80D-E5EA-4DF6-97D0-F1B342D9E367}"/>
+                <a16:creationId xmlns="" xmlns:a16="http://schemas.microsoft.com/office/drawing/2014/main" id="{4444B80D-E5EA-4DF6-97D0-F1B342D9E367}"/>
               </a:ext>
             </a:extLst>
           </p:cNvPr>
@@ -17158,7 +17265,7 @@
             <p:cNvPr id="44" name="Прямая соединительная линия 13">
               <a:extLst>
                 <a:ext uri="{FF2B5EF4-FFF2-40B4-BE49-F238E27FC236}">
-                  <a16:creationId xmlns:a16="http://schemas.microsoft.com/office/drawing/2014/main" id="{EF9F8340-C1B0-4591-B6D4-49730A80E7A3}"/>
+                  <a16:creationId xmlns="" xmlns:a16="http://schemas.microsoft.com/office/drawing/2014/main" id="{EF9F8340-C1B0-4591-B6D4-49730A80E7A3}"/>
                 </a:ext>
               </a:extLst>
             </p:cNvPr>
@@ -17210,7 +17317,7 @@
             <p:cNvPr id="45" name="Прямая соединительная линия 19">
               <a:extLst>
                 <a:ext uri="{FF2B5EF4-FFF2-40B4-BE49-F238E27FC236}">
-                  <a16:creationId xmlns:a16="http://schemas.microsoft.com/office/drawing/2014/main" id="{93AB7028-C825-4A6E-BB99-3C70828E8026}"/>
+                  <a16:creationId xmlns="" xmlns:a16="http://schemas.microsoft.com/office/drawing/2014/main" id="{93AB7028-C825-4A6E-BB99-3C70828E8026}"/>
                 </a:ext>
               </a:extLst>
             </p:cNvPr>
@@ -17262,7 +17369,7 @@
             <p:cNvPr id="46" name="Объект 45">
               <a:extLst>
                 <a:ext uri="{FF2B5EF4-FFF2-40B4-BE49-F238E27FC236}">
-                  <a16:creationId xmlns:a16="http://schemas.microsoft.com/office/drawing/2014/main" id="{0F66F110-8157-4395-B445-5B346CF543D4}"/>
+                  <a16:creationId xmlns="" xmlns:a16="http://schemas.microsoft.com/office/drawing/2014/main" id="{0F66F110-8157-4395-B445-5B346CF543D4}"/>
                 </a:ext>
               </a:extLst>
             </p:cNvPr>
@@ -17285,7 +17392,7 @@
             <a:graphicData uri="http://schemas.openxmlformats.org/presentationml/2006/ole">
               <mc:AlternateContent xmlns:mc="http://schemas.openxmlformats.org/markup-compatibility/2006">
                 <mc:Choice xmlns:v="urn:schemas-microsoft-com:vml" Requires="v">
-                  <p:oleObj spid="_x0000_s12346" name="Equation" r:id="rId3" imgW="199815" imgH="216368" progId="Equation.DSMT4">
+                  <p:oleObj spid="_x0000_s12394" name="Equation" r:id="rId3" imgW="199815" imgH="216368" progId="Equation.DSMT4">
                     <p:embed/>
                   </p:oleObj>
                 </mc:Choice>
@@ -17297,7 +17404,7 @@
                         <p:cNvPr id="34" name="Объект 33">
                           <a:extLst>
                             <a:ext uri="{FF2B5EF4-FFF2-40B4-BE49-F238E27FC236}">
-                              <a16:creationId xmlns:a16="http://schemas.microsoft.com/office/drawing/2014/main" id="{88B5994F-A55C-469D-922B-AE9583FF16BD}"/>
+                              <a16:creationId xmlns="" xmlns:a16="http://schemas.microsoft.com/office/drawing/2014/main" id="{88B5994F-A55C-469D-922B-AE9583FF16BD}"/>
                             </a:ext>
                           </a:extLst>
                         </p:cNvPr>
@@ -17331,7 +17438,7 @@
             <p:cNvPr id="47" name="Группа 46">
               <a:extLst>
                 <a:ext uri="{FF2B5EF4-FFF2-40B4-BE49-F238E27FC236}">
-                  <a16:creationId xmlns:a16="http://schemas.microsoft.com/office/drawing/2014/main" id="{8D149587-F3FF-40FF-AA1B-CF60E5594FE3}"/>
+                  <a16:creationId xmlns="" xmlns:a16="http://schemas.microsoft.com/office/drawing/2014/main" id="{8D149587-F3FF-40FF-AA1B-CF60E5594FE3}"/>
                 </a:ext>
               </a:extLst>
             </p:cNvPr>
@@ -17351,7 +17458,7 @@
               <p:cNvPr id="49" name="Группа 48">
                 <a:extLst>
                   <a:ext uri="{FF2B5EF4-FFF2-40B4-BE49-F238E27FC236}">
-                    <a16:creationId xmlns:a16="http://schemas.microsoft.com/office/drawing/2014/main" id="{5AEA663E-4F96-4799-B75D-8EAAF33F5F94}"/>
+                    <a16:creationId xmlns="" xmlns:a16="http://schemas.microsoft.com/office/drawing/2014/main" id="{5AEA663E-4F96-4799-B75D-8EAAF33F5F94}"/>
                   </a:ext>
                 </a:extLst>
               </p:cNvPr>
@@ -17371,7 +17478,7 @@
                 <p:cNvPr id="55" name="Полотно 160">
                   <a:extLst>
                     <a:ext uri="{FF2B5EF4-FFF2-40B4-BE49-F238E27FC236}">
-                      <a16:creationId xmlns:a16="http://schemas.microsoft.com/office/drawing/2014/main" id="{91DCEBAF-EB27-40CA-8544-0EF3CB807A52}"/>
+                      <a16:creationId xmlns="" xmlns:a16="http://schemas.microsoft.com/office/drawing/2014/main" id="{91DCEBAF-EB27-40CA-8544-0EF3CB807A52}"/>
                     </a:ext>
                   </a:extLst>
                 </p:cNvPr>
@@ -17393,7 +17500,7 @@
                   <p:cNvPr id="64" name="Прямоугольник 63">
                     <a:extLst>
                       <a:ext uri="{FF2B5EF4-FFF2-40B4-BE49-F238E27FC236}">
-                        <a16:creationId xmlns:a16="http://schemas.microsoft.com/office/drawing/2014/main" id="{E7B7E07E-20F5-467E-BE9F-355C74C4094A}"/>
+                        <a16:creationId xmlns="" xmlns:a16="http://schemas.microsoft.com/office/drawing/2014/main" id="{E7B7E07E-20F5-467E-BE9F-355C74C4094A}"/>
                       </a:ext>
                     </a:extLst>
                   </p:cNvPr>
@@ -17415,7 +17522,7 @@
                   <p:cNvPr id="65" name="Прямая соединительная линия 64">
                     <a:extLst>
                       <a:ext uri="{FF2B5EF4-FFF2-40B4-BE49-F238E27FC236}">
-                        <a16:creationId xmlns:a16="http://schemas.microsoft.com/office/drawing/2014/main" id="{0B0437E1-2BE2-46A2-9FDB-4600ED2DAC10}"/>
+                        <a16:creationId xmlns="" xmlns:a16="http://schemas.microsoft.com/office/drawing/2014/main" id="{0B0437E1-2BE2-46A2-9FDB-4600ED2DAC10}"/>
                       </a:ext>
                     </a:extLst>
                   </p:cNvPr>
@@ -17453,7 +17560,7 @@
                   <p:cNvPr id="66" name="Прямая соединительная линия 65">
                     <a:extLst>
                       <a:ext uri="{FF2B5EF4-FFF2-40B4-BE49-F238E27FC236}">
-                        <a16:creationId xmlns:a16="http://schemas.microsoft.com/office/drawing/2014/main" id="{8C6B395E-0F5A-40D9-9508-797149F32E8D}"/>
+                        <a16:creationId xmlns="" xmlns:a16="http://schemas.microsoft.com/office/drawing/2014/main" id="{8C6B395E-0F5A-40D9-9508-797149F32E8D}"/>
                       </a:ext>
                     </a:extLst>
                   </p:cNvPr>
@@ -17491,7 +17598,7 @@
                   <p:cNvPr id="67" name="Прямая соединительная линия 66">
                     <a:extLst>
                       <a:ext uri="{FF2B5EF4-FFF2-40B4-BE49-F238E27FC236}">
-                        <a16:creationId xmlns:a16="http://schemas.microsoft.com/office/drawing/2014/main" id="{D28600FC-0A48-46E7-8D47-3A6509CA4597}"/>
+                        <a16:creationId xmlns="" xmlns:a16="http://schemas.microsoft.com/office/drawing/2014/main" id="{D28600FC-0A48-46E7-8D47-3A6509CA4597}"/>
                       </a:ext>
                     </a:extLst>
                   </p:cNvPr>
@@ -17529,7 +17636,7 @@
                   <p:cNvPr id="68" name="Прямая соединительная линия 67">
                     <a:extLst>
                       <a:ext uri="{FF2B5EF4-FFF2-40B4-BE49-F238E27FC236}">
-                        <a16:creationId xmlns:a16="http://schemas.microsoft.com/office/drawing/2014/main" id="{72D2C039-9099-4FD4-96E7-F6E2DA0C20F8}"/>
+                        <a16:creationId xmlns="" xmlns:a16="http://schemas.microsoft.com/office/drawing/2014/main" id="{72D2C039-9099-4FD4-96E7-F6E2DA0C20F8}"/>
                       </a:ext>
                     </a:extLst>
                   </p:cNvPr>
@@ -17567,7 +17674,7 @@
                   <p:cNvPr id="69" name="Прямая соединительная линия 68">
                     <a:extLst>
                       <a:ext uri="{FF2B5EF4-FFF2-40B4-BE49-F238E27FC236}">
-                        <a16:creationId xmlns:a16="http://schemas.microsoft.com/office/drawing/2014/main" id="{BA16DA59-D2E8-4E25-9B1C-0934AF59D78D}"/>
+                        <a16:creationId xmlns="" xmlns:a16="http://schemas.microsoft.com/office/drawing/2014/main" id="{BA16DA59-D2E8-4E25-9B1C-0934AF59D78D}"/>
                       </a:ext>
                     </a:extLst>
                   </p:cNvPr>
@@ -17606,7 +17713,7 @@
                   <p:cNvPr id="70" name="Полилиния 68">
                     <a:extLst>
                       <a:ext uri="{FF2B5EF4-FFF2-40B4-BE49-F238E27FC236}">
-                        <a16:creationId xmlns:a16="http://schemas.microsoft.com/office/drawing/2014/main" id="{AFE61FD3-C6B2-4891-9D3D-7D1A4CAD577C}"/>
+                        <a16:creationId xmlns="" xmlns:a16="http://schemas.microsoft.com/office/drawing/2014/main" id="{AFE61FD3-C6B2-4891-9D3D-7D1A4CAD577C}"/>
                       </a:ext>
                     </a:extLst>
                   </p:cNvPr>
@@ -17700,7 +17807,7 @@
                   <p:cNvPr id="71" name="Полилиния 69">
                     <a:extLst>
                       <a:ext uri="{FF2B5EF4-FFF2-40B4-BE49-F238E27FC236}">
-                        <a16:creationId xmlns:a16="http://schemas.microsoft.com/office/drawing/2014/main" id="{36FF17BE-A324-4D08-84C3-A4854099A460}"/>
+                        <a16:creationId xmlns="" xmlns:a16="http://schemas.microsoft.com/office/drawing/2014/main" id="{36FF17BE-A324-4D08-84C3-A4854099A460}"/>
                       </a:ext>
                     </a:extLst>
                   </p:cNvPr>
@@ -17794,7 +17901,7 @@
                   <p:cNvPr id="72" name="Прямая соединительная линия 71">
                     <a:extLst>
                       <a:ext uri="{FF2B5EF4-FFF2-40B4-BE49-F238E27FC236}">
-                        <a16:creationId xmlns:a16="http://schemas.microsoft.com/office/drawing/2014/main" id="{42B8C908-A047-464B-8586-42E9468C21A7}"/>
+                        <a16:creationId xmlns="" xmlns:a16="http://schemas.microsoft.com/office/drawing/2014/main" id="{42B8C908-A047-464B-8586-42E9468C21A7}"/>
                       </a:ext>
                     </a:extLst>
                   </p:cNvPr>
@@ -17829,7 +17936,7 @@
                   <p:cNvPr id="73" name="Прямая соединительная линия 72">
                     <a:extLst>
                       <a:ext uri="{FF2B5EF4-FFF2-40B4-BE49-F238E27FC236}">
-                        <a16:creationId xmlns:a16="http://schemas.microsoft.com/office/drawing/2014/main" id="{E320F6D4-23F1-42CE-B83B-2294AD43901E}"/>
+                        <a16:creationId xmlns="" xmlns:a16="http://schemas.microsoft.com/office/drawing/2014/main" id="{E320F6D4-23F1-42CE-B83B-2294AD43901E}"/>
                       </a:ext>
                     </a:extLst>
                   </p:cNvPr>
@@ -17864,7 +17971,7 @@
                   <p:cNvPr id="74" name="Прямая соединительная линия 73">
                     <a:extLst>
                       <a:ext uri="{FF2B5EF4-FFF2-40B4-BE49-F238E27FC236}">
-                        <a16:creationId xmlns:a16="http://schemas.microsoft.com/office/drawing/2014/main" id="{63CBBC33-C84C-484D-BA8D-277AA6BF9F90}"/>
+                        <a16:creationId xmlns="" xmlns:a16="http://schemas.microsoft.com/office/drawing/2014/main" id="{63CBBC33-C84C-484D-BA8D-277AA6BF9F90}"/>
                       </a:ext>
                     </a:extLst>
                   </p:cNvPr>
@@ -17899,7 +18006,7 @@
                   <p:cNvPr id="75" name="Прямая соединительная линия 74">
                     <a:extLst>
                       <a:ext uri="{FF2B5EF4-FFF2-40B4-BE49-F238E27FC236}">
-                        <a16:creationId xmlns:a16="http://schemas.microsoft.com/office/drawing/2014/main" id="{2F22D121-7A77-4614-B322-D6F6036E04A1}"/>
+                        <a16:creationId xmlns="" xmlns:a16="http://schemas.microsoft.com/office/drawing/2014/main" id="{2F22D121-7A77-4614-B322-D6F6036E04A1}"/>
                       </a:ext>
                     </a:extLst>
                   </p:cNvPr>
@@ -17934,7 +18041,7 @@
                   <p:cNvPr id="76" name="Прямая соединительная линия 75">
                     <a:extLst>
                       <a:ext uri="{FF2B5EF4-FFF2-40B4-BE49-F238E27FC236}">
-                        <a16:creationId xmlns:a16="http://schemas.microsoft.com/office/drawing/2014/main" id="{C00DA344-DFA0-4FC9-A56B-D32E254ED211}"/>
+                        <a16:creationId xmlns="" xmlns:a16="http://schemas.microsoft.com/office/drawing/2014/main" id="{C00DA344-DFA0-4FC9-A56B-D32E254ED211}"/>
                       </a:ext>
                     </a:extLst>
                   </p:cNvPr>
@@ -17969,7 +18076,7 @@
                   <p:cNvPr id="77" name="Прямая соединительная линия 76">
                     <a:extLst>
                       <a:ext uri="{FF2B5EF4-FFF2-40B4-BE49-F238E27FC236}">
-                        <a16:creationId xmlns:a16="http://schemas.microsoft.com/office/drawing/2014/main" id="{AAF147D6-6E41-4094-BC67-D15B477D161D}"/>
+                        <a16:creationId xmlns="" xmlns:a16="http://schemas.microsoft.com/office/drawing/2014/main" id="{AAF147D6-6E41-4094-BC67-D15B477D161D}"/>
                       </a:ext>
                     </a:extLst>
                   </p:cNvPr>
@@ -18004,7 +18111,7 @@
                   <p:cNvPr id="78" name="Прямая соединительная линия 77">
                     <a:extLst>
                       <a:ext uri="{FF2B5EF4-FFF2-40B4-BE49-F238E27FC236}">
-                        <a16:creationId xmlns:a16="http://schemas.microsoft.com/office/drawing/2014/main" id="{914BBFAE-69BB-44C5-AE33-BCF04417095E}"/>
+                        <a16:creationId xmlns="" xmlns:a16="http://schemas.microsoft.com/office/drawing/2014/main" id="{914BBFAE-69BB-44C5-AE33-BCF04417095E}"/>
                       </a:ext>
                     </a:extLst>
                   </p:cNvPr>
@@ -18039,7 +18146,7 @@
                   <p:cNvPr id="79" name="Прямая соединительная линия 78">
                     <a:extLst>
                       <a:ext uri="{FF2B5EF4-FFF2-40B4-BE49-F238E27FC236}">
-                        <a16:creationId xmlns:a16="http://schemas.microsoft.com/office/drawing/2014/main" id="{BD14E08A-A535-4944-B939-38A6B621DF57}"/>
+                        <a16:creationId xmlns="" xmlns:a16="http://schemas.microsoft.com/office/drawing/2014/main" id="{BD14E08A-A535-4944-B939-38A6B621DF57}"/>
                       </a:ext>
                     </a:extLst>
                   </p:cNvPr>
@@ -18074,7 +18181,7 @@
                   <p:cNvPr id="80" name="Прямая соединительная линия 79">
                     <a:extLst>
                       <a:ext uri="{FF2B5EF4-FFF2-40B4-BE49-F238E27FC236}">
-                        <a16:creationId xmlns:a16="http://schemas.microsoft.com/office/drawing/2014/main" id="{EA0247D7-48A8-47DA-88C2-F3F7129617D9}"/>
+                        <a16:creationId xmlns="" xmlns:a16="http://schemas.microsoft.com/office/drawing/2014/main" id="{EA0247D7-48A8-47DA-88C2-F3F7129617D9}"/>
                       </a:ext>
                     </a:extLst>
                   </p:cNvPr>
@@ -18109,7 +18216,7 @@
                   <p:cNvPr id="81" name="Прямая соединительная линия 80">
                     <a:extLst>
                       <a:ext uri="{FF2B5EF4-FFF2-40B4-BE49-F238E27FC236}">
-                        <a16:creationId xmlns:a16="http://schemas.microsoft.com/office/drawing/2014/main" id="{B7FA3EE8-3151-4107-AFE2-90727E5CF501}"/>
+                        <a16:creationId xmlns="" xmlns:a16="http://schemas.microsoft.com/office/drawing/2014/main" id="{B7FA3EE8-3151-4107-AFE2-90727E5CF501}"/>
                       </a:ext>
                     </a:extLst>
                   </p:cNvPr>
@@ -18146,7 +18253,7 @@
                   <p:cNvPr id="82" name="Прямая соединительная линия 81">
                     <a:extLst>
                       <a:ext uri="{FF2B5EF4-FFF2-40B4-BE49-F238E27FC236}">
-                        <a16:creationId xmlns:a16="http://schemas.microsoft.com/office/drawing/2014/main" id="{466FD221-4EF3-4A5C-857F-BC07682D6B7C}"/>
+                        <a16:creationId xmlns="" xmlns:a16="http://schemas.microsoft.com/office/drawing/2014/main" id="{466FD221-4EF3-4A5C-857F-BC07682D6B7C}"/>
                       </a:ext>
                     </a:extLst>
                   </p:cNvPr>
@@ -18183,7 +18290,7 @@
                   <p:cNvPr id="83" name="Прямая соединительная линия 82">
                     <a:extLst>
                       <a:ext uri="{FF2B5EF4-FFF2-40B4-BE49-F238E27FC236}">
-                        <a16:creationId xmlns:a16="http://schemas.microsoft.com/office/drawing/2014/main" id="{883940D3-58A1-473F-99AA-1570338B1B16}"/>
+                        <a16:creationId xmlns="" xmlns:a16="http://schemas.microsoft.com/office/drawing/2014/main" id="{883940D3-58A1-473F-99AA-1570338B1B16}"/>
                       </a:ext>
                     </a:extLst>
                   </p:cNvPr>
@@ -18220,7 +18327,7 @@
                   <p:cNvPr id="84" name="Надпись 15">
                     <a:extLst>
                       <a:ext uri="{FF2B5EF4-FFF2-40B4-BE49-F238E27FC236}">
-                        <a16:creationId xmlns:a16="http://schemas.microsoft.com/office/drawing/2014/main" id="{2A1033D9-2386-460E-A6A1-348D4BACBCC7}"/>
+                        <a16:creationId xmlns="" xmlns:a16="http://schemas.microsoft.com/office/drawing/2014/main" id="{2A1033D9-2386-460E-A6A1-348D4BACBCC7}"/>
                       </a:ext>
                     </a:extLst>
                   </p:cNvPr>
@@ -18285,7 +18392,7 @@
                   <p:cNvPr id="85" name="Надпись 15">
                     <a:extLst>
                       <a:ext uri="{FF2B5EF4-FFF2-40B4-BE49-F238E27FC236}">
-                        <a16:creationId xmlns:a16="http://schemas.microsoft.com/office/drawing/2014/main" id="{3CDA3FC5-C303-4E24-A969-A728941BD1EF}"/>
+                        <a16:creationId xmlns="" xmlns:a16="http://schemas.microsoft.com/office/drawing/2014/main" id="{3CDA3FC5-C303-4E24-A969-A728941BD1EF}"/>
                       </a:ext>
                     </a:extLst>
                   </p:cNvPr>
@@ -18356,7 +18463,7 @@
                 <p:cNvPr id="56" name="Прямая со стрелкой 55">
                   <a:extLst>
                     <a:ext uri="{FF2B5EF4-FFF2-40B4-BE49-F238E27FC236}">
-                      <a16:creationId xmlns:a16="http://schemas.microsoft.com/office/drawing/2014/main" id="{2588235C-C734-42F2-AF5B-966F5F8E6859}"/>
+                      <a16:creationId xmlns="" xmlns:a16="http://schemas.microsoft.com/office/drawing/2014/main" id="{2588235C-C734-42F2-AF5B-966F5F8E6859}"/>
                     </a:ext>
                   </a:extLst>
                 </p:cNvPr>
@@ -18401,7 +18508,7 @@
                 <p:cNvPr id="57" name="Прямая со стрелкой 56">
                   <a:extLst>
                     <a:ext uri="{FF2B5EF4-FFF2-40B4-BE49-F238E27FC236}">
-                      <a16:creationId xmlns:a16="http://schemas.microsoft.com/office/drawing/2014/main" id="{6DEAF8FB-F26F-4318-AED2-29ED451BDA44}"/>
+                      <a16:creationId xmlns="" xmlns:a16="http://schemas.microsoft.com/office/drawing/2014/main" id="{6DEAF8FB-F26F-4318-AED2-29ED451BDA44}"/>
                     </a:ext>
                   </a:extLst>
                 </p:cNvPr>
@@ -18446,7 +18553,7 @@
                 <p:cNvPr id="58" name="Прямая со стрелкой 57">
                   <a:extLst>
                     <a:ext uri="{FF2B5EF4-FFF2-40B4-BE49-F238E27FC236}">
-                      <a16:creationId xmlns:a16="http://schemas.microsoft.com/office/drawing/2014/main" id="{F39150F2-94B8-4BF7-A9FF-4CE808C06070}"/>
+                      <a16:creationId xmlns="" xmlns:a16="http://schemas.microsoft.com/office/drawing/2014/main" id="{F39150F2-94B8-4BF7-A9FF-4CE808C06070}"/>
                     </a:ext>
                   </a:extLst>
                 </p:cNvPr>
@@ -18491,7 +18598,7 @@
                 <p:cNvPr id="60" name="Прямая со стрелкой 59">
                   <a:extLst>
                     <a:ext uri="{FF2B5EF4-FFF2-40B4-BE49-F238E27FC236}">
-                      <a16:creationId xmlns:a16="http://schemas.microsoft.com/office/drawing/2014/main" id="{479C7D8A-5495-4C45-8321-5DEDBC597B81}"/>
+                      <a16:creationId xmlns="" xmlns:a16="http://schemas.microsoft.com/office/drawing/2014/main" id="{479C7D8A-5495-4C45-8321-5DEDBC597B81}"/>
                     </a:ext>
                   </a:extLst>
                 </p:cNvPr>
@@ -18536,7 +18643,7 @@
                 <p:cNvPr id="61" name="Объект 60">
                   <a:extLst>
                     <a:ext uri="{FF2B5EF4-FFF2-40B4-BE49-F238E27FC236}">
-                      <a16:creationId xmlns:a16="http://schemas.microsoft.com/office/drawing/2014/main" id="{D55805DE-B6F6-4D46-9E6C-622DB5343684}"/>
+                      <a16:creationId xmlns="" xmlns:a16="http://schemas.microsoft.com/office/drawing/2014/main" id="{D55805DE-B6F6-4D46-9E6C-622DB5343684}"/>
                     </a:ext>
                   </a:extLst>
                 </p:cNvPr>
@@ -18559,7 +18666,7 @@
                 <a:graphicData uri="http://schemas.openxmlformats.org/presentationml/2006/ole">
                   <mc:AlternateContent xmlns:mc="http://schemas.openxmlformats.org/markup-compatibility/2006">
                     <mc:Choice xmlns:v="urn:schemas-microsoft-com:vml" Requires="v">
-                      <p:oleObj spid="_x0000_s12347" name="Equation" r:id="rId5" imgW="156972" imgH="225728" progId="Equation.DSMT4">
+                      <p:oleObj spid="_x0000_s12395" name="Equation" r:id="rId5" imgW="156972" imgH="225728" progId="Equation.DSMT4">
                         <p:embed/>
                       </p:oleObj>
                     </mc:Choice>
@@ -18571,7 +18678,7 @@
                             <p:cNvPr id="27" name="Объект 26">
                               <a:extLst>
                                 <a:ext uri="{FF2B5EF4-FFF2-40B4-BE49-F238E27FC236}">
-                                  <a16:creationId xmlns:a16="http://schemas.microsoft.com/office/drawing/2014/main" id="{1BA2B237-05DB-4C01-BF06-75B6ADCB5442}"/>
+                                  <a16:creationId xmlns="" xmlns:a16="http://schemas.microsoft.com/office/drawing/2014/main" id="{1BA2B237-05DB-4C01-BF06-75B6ADCB5442}"/>
                                 </a:ext>
                               </a:extLst>
                             </p:cNvPr>
@@ -18605,7 +18712,7 @@
                 <p:cNvPr id="62" name="Объект 61">
                   <a:extLst>
                     <a:ext uri="{FF2B5EF4-FFF2-40B4-BE49-F238E27FC236}">
-                      <a16:creationId xmlns:a16="http://schemas.microsoft.com/office/drawing/2014/main" id="{BB4D33DD-6DFF-4346-9E81-64C8262A39AC}"/>
+                      <a16:creationId xmlns="" xmlns:a16="http://schemas.microsoft.com/office/drawing/2014/main" id="{BB4D33DD-6DFF-4346-9E81-64C8262A39AC}"/>
                     </a:ext>
                   </a:extLst>
                 </p:cNvPr>
@@ -18628,7 +18735,7 @@
                 <a:graphicData uri="http://schemas.openxmlformats.org/presentationml/2006/ole">
                   <mc:AlternateContent xmlns:mc="http://schemas.openxmlformats.org/markup-compatibility/2006">
                     <mc:Choice xmlns:v="urn:schemas-microsoft-com:vml" Requires="v">
-                      <p:oleObj spid="_x0000_s12348" name="Equation" r:id="rId7" imgW="186134" imgH="227168" progId="Equation.DSMT4">
+                      <p:oleObj spid="_x0000_s12396" name="Equation" r:id="rId7" imgW="186134" imgH="227168" progId="Equation.DSMT4">
                         <p:embed/>
                       </p:oleObj>
                     </mc:Choice>
@@ -18640,7 +18747,7 @@
                             <p:cNvPr id="28" name="Объект 27">
                               <a:extLst>
                                 <a:ext uri="{FF2B5EF4-FFF2-40B4-BE49-F238E27FC236}">
-                                  <a16:creationId xmlns:a16="http://schemas.microsoft.com/office/drawing/2014/main" id="{DC623C15-0342-470D-A3FA-AA92E3BC50E8}"/>
+                                  <a16:creationId xmlns="" xmlns:a16="http://schemas.microsoft.com/office/drawing/2014/main" id="{DC623C15-0342-470D-A3FA-AA92E3BC50E8}"/>
                                 </a:ext>
                               </a:extLst>
                             </p:cNvPr>
@@ -18674,7 +18781,7 @@
                 <p:cNvPr id="63" name="Объект 62">
                   <a:extLst>
                     <a:ext uri="{FF2B5EF4-FFF2-40B4-BE49-F238E27FC236}">
-                      <a16:creationId xmlns:a16="http://schemas.microsoft.com/office/drawing/2014/main" id="{996DCAEF-5BBB-4606-AFAB-4CDBD99C159B}"/>
+                      <a16:creationId xmlns="" xmlns:a16="http://schemas.microsoft.com/office/drawing/2014/main" id="{996DCAEF-5BBB-4606-AFAB-4CDBD99C159B}"/>
                     </a:ext>
                   </a:extLst>
                 </p:cNvPr>
@@ -18697,7 +18804,7 @@
                 <a:graphicData uri="http://schemas.openxmlformats.org/presentationml/2006/ole">
                   <mc:AlternateContent xmlns:mc="http://schemas.openxmlformats.org/markup-compatibility/2006">
                     <mc:Choice xmlns:v="urn:schemas-microsoft-com:vml" Requires="v">
-                      <p:oleObj spid="_x0000_s12349" name="Equation" r:id="rId9" imgW="172453" imgH="214928" progId="Equation.DSMT4">
+                      <p:oleObj spid="_x0000_s12397" name="Equation" r:id="rId9" imgW="172453" imgH="214928" progId="Equation.DSMT4">
                         <p:embed/>
                       </p:oleObj>
                     </mc:Choice>
@@ -18709,7 +18816,7 @@
                             <p:cNvPr id="31" name="Объект 30">
                               <a:extLst>
                                 <a:ext uri="{FF2B5EF4-FFF2-40B4-BE49-F238E27FC236}">
-                                  <a16:creationId xmlns:a16="http://schemas.microsoft.com/office/drawing/2014/main" id="{C1223E73-EB8A-49E1-97F2-B4EB214B7B29}"/>
+                                  <a16:creationId xmlns="" xmlns:a16="http://schemas.microsoft.com/office/drawing/2014/main" id="{C1223E73-EB8A-49E1-97F2-B4EB214B7B29}"/>
                                 </a:ext>
                               </a:extLst>
                             </p:cNvPr>
@@ -18744,7 +18851,7 @@
               <p:cNvPr id="50" name="Объект 49">
                 <a:extLst>
                   <a:ext uri="{FF2B5EF4-FFF2-40B4-BE49-F238E27FC236}">
-                    <a16:creationId xmlns:a16="http://schemas.microsoft.com/office/drawing/2014/main" id="{52A1AF2A-97A4-491E-9CE6-C99EF687DB57}"/>
+                    <a16:creationId xmlns="" xmlns:a16="http://schemas.microsoft.com/office/drawing/2014/main" id="{52A1AF2A-97A4-491E-9CE6-C99EF687DB57}"/>
                   </a:ext>
                 </a:extLst>
               </p:cNvPr>
@@ -18767,7 +18874,7 @@
               <a:graphicData uri="http://schemas.openxmlformats.org/presentationml/2006/ole">
                 <mc:AlternateContent xmlns:mc="http://schemas.openxmlformats.org/markup-compatibility/2006">
                   <mc:Choice xmlns:v="urn:schemas-microsoft-com:vml" Requires="v">
-                    <p:oleObj spid="_x0000_s12350" name="Equation" r:id="rId11" imgW="213496" imgH="227168" progId="Equation.DSMT4">
+                    <p:oleObj spid="_x0000_s12398" name="Equation" r:id="rId11" imgW="213496" imgH="227168" progId="Equation.DSMT4">
                       <p:embed/>
                     </p:oleObj>
                   </mc:Choice>
@@ -18779,7 +18886,7 @@
                           <p:cNvPr id="32" name="Объект 31">
                             <a:extLst>
                               <a:ext uri="{FF2B5EF4-FFF2-40B4-BE49-F238E27FC236}">
-                                <a16:creationId xmlns:a16="http://schemas.microsoft.com/office/drawing/2014/main" id="{D859313E-2FAB-4B54-9325-4698C9F25526}"/>
+                                <a16:creationId xmlns="" xmlns:a16="http://schemas.microsoft.com/office/drawing/2014/main" id="{D859313E-2FAB-4B54-9325-4698C9F25526}"/>
                               </a:ext>
                             </a:extLst>
                           </p:cNvPr>
@@ -18813,7 +18920,7 @@
               <p:cNvPr id="51" name="Прямая соединительная линия 17">
                 <a:extLst>
                   <a:ext uri="{FF2B5EF4-FFF2-40B4-BE49-F238E27FC236}">
-                    <a16:creationId xmlns:a16="http://schemas.microsoft.com/office/drawing/2014/main" id="{53904344-91C8-4522-84D6-AD6CC4FF20F9}"/>
+                    <a16:creationId xmlns="" xmlns:a16="http://schemas.microsoft.com/office/drawing/2014/main" id="{53904344-91C8-4522-84D6-AD6CC4FF20F9}"/>
                   </a:ext>
                 </a:extLst>
               </p:cNvPr>
@@ -18865,7 +18972,7 @@
               <p:cNvPr id="52" name="Прямая соединительная линия 18">
                 <a:extLst>
                   <a:ext uri="{FF2B5EF4-FFF2-40B4-BE49-F238E27FC236}">
-                    <a16:creationId xmlns:a16="http://schemas.microsoft.com/office/drawing/2014/main" id="{86148348-B674-45F2-8CB2-12A9E4219990}"/>
+                    <a16:creationId xmlns="" xmlns:a16="http://schemas.microsoft.com/office/drawing/2014/main" id="{86148348-B674-45F2-8CB2-12A9E4219990}"/>
                   </a:ext>
                 </a:extLst>
               </p:cNvPr>
@@ -18917,7 +19024,7 @@
               <p:cNvPr id="54" name="Полилиния 24">
                 <a:extLst>
                   <a:ext uri="{FF2B5EF4-FFF2-40B4-BE49-F238E27FC236}">
-                    <a16:creationId xmlns:a16="http://schemas.microsoft.com/office/drawing/2014/main" id="{BB3AB0CB-822E-4665-9A5E-7C965429F0D8}"/>
+                    <a16:creationId xmlns="" xmlns:a16="http://schemas.microsoft.com/office/drawing/2014/main" id="{BB3AB0CB-822E-4665-9A5E-7C965429F0D8}"/>
                   </a:ext>
                 </a:extLst>
               </p:cNvPr>
@@ -19013,7 +19120,7 @@
           <p:cNvPr id="3" name="Объект 2">
             <a:extLst>
               <a:ext uri="{FF2B5EF4-FFF2-40B4-BE49-F238E27FC236}">
-                <a16:creationId xmlns:a16="http://schemas.microsoft.com/office/drawing/2014/main" id="{17A32D5F-925C-42F5-BDFA-DFD48A0BC888}"/>
+                <a16:creationId xmlns="" xmlns:a16="http://schemas.microsoft.com/office/drawing/2014/main" id="{17A32D5F-925C-42F5-BDFA-DFD48A0BC888}"/>
               </a:ext>
             </a:extLst>
           </p:cNvPr>
@@ -19036,7 +19143,7 @@
           <a:graphicData uri="http://schemas.openxmlformats.org/presentationml/2006/ole">
             <mc:AlternateContent xmlns:mc="http://schemas.openxmlformats.org/markup-compatibility/2006">
               <mc:Choice xmlns:v="urn:schemas-microsoft-com:vml" Requires="v">
-                <p:oleObj spid="_x0000_s12351" name="Equation" r:id="rId13" imgW="1942920" imgH="253800" progId="Equation.DSMT4">
+                <p:oleObj spid="_x0000_s12399" name="Equation" r:id="rId13" imgW="1942920" imgH="253800" progId="Equation.DSMT4">
                   <p:embed/>
                 </p:oleObj>
               </mc:Choice>
@@ -19076,7 +19183,7 @@
           <p:cNvPr id="89" name="TextBox 88">
             <a:extLst>
               <a:ext uri="{FF2B5EF4-FFF2-40B4-BE49-F238E27FC236}">
-                <a16:creationId xmlns:a16="http://schemas.microsoft.com/office/drawing/2014/main" id="{A8B6DBAB-3B2D-4EB6-B8C9-2004FB980751}"/>
+                <a16:creationId xmlns="" xmlns:a16="http://schemas.microsoft.com/office/drawing/2014/main" id="{A8B6DBAB-3B2D-4EB6-B8C9-2004FB980751}"/>
               </a:ext>
             </a:extLst>
           </p:cNvPr>
@@ -19116,7 +19223,7 @@
           <p:cNvPr id="96" name="Группа 95">
             <a:extLst>
               <a:ext uri="{FF2B5EF4-FFF2-40B4-BE49-F238E27FC236}">
-                <a16:creationId xmlns:a16="http://schemas.microsoft.com/office/drawing/2014/main" id="{41230251-6158-4F77-8D87-DA57D77DA056}"/>
+                <a16:creationId xmlns="" xmlns:a16="http://schemas.microsoft.com/office/drawing/2014/main" id="{41230251-6158-4F77-8D87-DA57D77DA056}"/>
               </a:ext>
             </a:extLst>
           </p:cNvPr>
@@ -19136,7 +19243,7 @@
             <p:cNvPr id="4" name="Объект 3">
               <a:extLst>
                 <a:ext uri="{FF2B5EF4-FFF2-40B4-BE49-F238E27FC236}">
-                  <a16:creationId xmlns:a16="http://schemas.microsoft.com/office/drawing/2014/main" id="{637B189A-1765-4D86-A791-88124CAC7F0E}"/>
+                  <a16:creationId xmlns="" xmlns:a16="http://schemas.microsoft.com/office/drawing/2014/main" id="{637B189A-1765-4D86-A791-88124CAC7F0E}"/>
                 </a:ext>
               </a:extLst>
             </p:cNvPr>
@@ -19159,7 +19266,7 @@
             <a:graphicData uri="http://schemas.openxmlformats.org/presentationml/2006/ole">
               <mc:AlternateContent xmlns:mc="http://schemas.openxmlformats.org/markup-compatibility/2006">
                 <mc:Choice xmlns:v="urn:schemas-microsoft-com:vml" Requires="v">
-                  <p:oleObj spid="_x0000_s12352" name="Equation" r:id="rId15" imgW="1519673" imgH="444976" progId="Equation.DSMT4">
+                  <p:oleObj spid="_x0000_s12400" name="Equation" r:id="rId15" imgW="1519673" imgH="444976" progId="Equation.DSMT4">
                     <p:embed/>
                   </p:oleObj>
                 </mc:Choice>
@@ -19199,7 +19306,7 @@
             <p:cNvPr id="6" name="Объект 5">
               <a:extLst>
                 <a:ext uri="{FF2B5EF4-FFF2-40B4-BE49-F238E27FC236}">
-                  <a16:creationId xmlns:a16="http://schemas.microsoft.com/office/drawing/2014/main" id="{C4091A6D-EB7F-4D4A-9A9D-8964E17EB952}"/>
+                  <a16:creationId xmlns="" xmlns:a16="http://schemas.microsoft.com/office/drawing/2014/main" id="{C4091A6D-EB7F-4D4A-9A9D-8964E17EB952}"/>
                 </a:ext>
               </a:extLst>
             </p:cNvPr>
@@ -19222,7 +19329,7 @@
             <a:graphicData uri="http://schemas.openxmlformats.org/presentationml/2006/ole">
               <mc:AlternateContent xmlns:mc="http://schemas.openxmlformats.org/markup-compatibility/2006">
                 <mc:Choice xmlns:v="urn:schemas-microsoft-com:vml" Requires="v">
-                  <p:oleObj spid="_x0000_s12353" name="Equation" r:id="rId17" imgW="904027" imgH="228608" progId="Equation.DSMT4">
+                  <p:oleObj spid="_x0000_s12401" name="Equation" r:id="rId17" imgW="904027" imgH="228608" progId="Equation.DSMT4">
                     <p:embed/>
                   </p:oleObj>
                 </mc:Choice>
@@ -19262,7 +19369,7 @@
             <p:cNvPr id="86" name="Объект 85">
               <a:extLst>
                 <a:ext uri="{FF2B5EF4-FFF2-40B4-BE49-F238E27FC236}">
-                  <a16:creationId xmlns:a16="http://schemas.microsoft.com/office/drawing/2014/main" id="{C6D1320D-6878-4FBF-8C3F-CA29002BEE8E}"/>
+                  <a16:creationId xmlns="" xmlns:a16="http://schemas.microsoft.com/office/drawing/2014/main" id="{C6D1320D-6878-4FBF-8C3F-CA29002BEE8E}"/>
                 </a:ext>
               </a:extLst>
             </p:cNvPr>
@@ -19285,7 +19392,7 @@
             <a:graphicData uri="http://schemas.openxmlformats.org/presentationml/2006/ole">
               <mc:AlternateContent xmlns:mc="http://schemas.openxmlformats.org/markup-compatibility/2006">
                 <mc:Choice xmlns:v="urn:schemas-microsoft-com:vml" Requires="v">
-                  <p:oleObj spid="_x0000_s12354" name="Уравнение" r:id="rId19" imgW="507960" imgH="215640" progId="Equation.3">
+                  <p:oleObj spid="_x0000_s12402" name="Уравнение" r:id="rId19" imgW="507960" imgH="215640" progId="Equation.3">
                     <p:embed/>
                   </p:oleObj>
                 </mc:Choice>
@@ -19338,7 +19445,7 @@
             <p:cNvPr id="87" name="Объект 86">
               <a:extLst>
                 <a:ext uri="{FF2B5EF4-FFF2-40B4-BE49-F238E27FC236}">
-                  <a16:creationId xmlns:a16="http://schemas.microsoft.com/office/drawing/2014/main" id="{433323E0-A458-4318-926B-F0E09828757D}"/>
+                  <a16:creationId xmlns="" xmlns:a16="http://schemas.microsoft.com/office/drawing/2014/main" id="{433323E0-A458-4318-926B-F0E09828757D}"/>
                 </a:ext>
               </a:extLst>
             </p:cNvPr>
@@ -19361,7 +19468,7 @@
             <a:graphicData uri="http://schemas.openxmlformats.org/presentationml/2006/ole">
               <mc:AlternateContent xmlns:mc="http://schemas.openxmlformats.org/markup-compatibility/2006">
                 <mc:Choice xmlns:v="urn:schemas-microsoft-com:vml" Requires="v">
-                  <p:oleObj spid="_x0000_s12355" name="Equation" r:id="rId21" imgW="660240" imgH="253800" progId="Equation.DSMT4">
+                  <p:oleObj spid="_x0000_s12403" name="Equation" r:id="rId21" imgW="660240" imgH="253800" progId="Equation.DSMT4">
                     <p:embed/>
                   </p:oleObj>
                 </mc:Choice>
@@ -19414,7 +19521,7 @@
             <p:cNvPr id="91" name="TextBox 90">
               <a:extLst>
                 <a:ext uri="{FF2B5EF4-FFF2-40B4-BE49-F238E27FC236}">
-                  <a16:creationId xmlns:a16="http://schemas.microsoft.com/office/drawing/2014/main" id="{45CC4FFD-54B9-4AC7-890F-82D356A4187C}"/>
+                  <a16:creationId xmlns="" xmlns:a16="http://schemas.microsoft.com/office/drawing/2014/main" id="{45CC4FFD-54B9-4AC7-890F-82D356A4187C}"/>
                 </a:ext>
               </a:extLst>
             </p:cNvPr>
@@ -19472,7 +19579,7 @@
           <p:cNvPr id="92" name="Прямоугольник 91">
             <a:extLst>
               <a:ext uri="{FF2B5EF4-FFF2-40B4-BE49-F238E27FC236}">
-                <a16:creationId xmlns:a16="http://schemas.microsoft.com/office/drawing/2014/main" id="{BF88104A-EC87-42D9-9194-A81066931DAB}"/>
+                <a16:creationId xmlns="" xmlns:a16="http://schemas.microsoft.com/office/drawing/2014/main" id="{BF88104A-EC87-42D9-9194-A81066931DAB}"/>
               </a:ext>
             </a:extLst>
           </p:cNvPr>
@@ -19515,7 +19622,7 @@
           <p:cNvPr id="95" name="Группа 94">
             <a:extLst>
               <a:ext uri="{FF2B5EF4-FFF2-40B4-BE49-F238E27FC236}">
-                <a16:creationId xmlns:a16="http://schemas.microsoft.com/office/drawing/2014/main" id="{390C516F-DA13-4065-A7B4-2D37BECC2510}"/>
+                <a16:creationId xmlns="" xmlns:a16="http://schemas.microsoft.com/office/drawing/2014/main" id="{390C516F-DA13-4065-A7B4-2D37BECC2510}"/>
               </a:ext>
             </a:extLst>
           </p:cNvPr>
@@ -19535,7 +19642,7 @@
             <p:cNvPr id="90" name="Прямоугольник 89">
               <a:extLst>
                 <a:ext uri="{FF2B5EF4-FFF2-40B4-BE49-F238E27FC236}">
-                  <a16:creationId xmlns:a16="http://schemas.microsoft.com/office/drawing/2014/main" id="{C281D655-6D52-494F-AA66-67A6802BAFCE}"/>
+                  <a16:creationId xmlns="" xmlns:a16="http://schemas.microsoft.com/office/drawing/2014/main" id="{C281D655-6D52-494F-AA66-67A6802BAFCE}"/>
                 </a:ext>
               </a:extLst>
             </p:cNvPr>
@@ -19780,7 +19887,7 @@
             <p:cNvPr id="10" name="Объект 9">
               <a:extLst>
                 <a:ext uri="{FF2B5EF4-FFF2-40B4-BE49-F238E27FC236}">
-                  <a16:creationId xmlns:a16="http://schemas.microsoft.com/office/drawing/2014/main" id="{A934EA08-BB24-4911-A615-41A654889BD0}"/>
+                  <a16:creationId xmlns="" xmlns:a16="http://schemas.microsoft.com/office/drawing/2014/main" id="{A934EA08-BB24-4911-A615-41A654889BD0}"/>
                 </a:ext>
               </a:extLst>
             </p:cNvPr>
@@ -19803,7 +19910,7 @@
             <a:graphicData uri="http://schemas.openxmlformats.org/presentationml/2006/ole">
               <mc:AlternateContent xmlns:mc="http://schemas.openxmlformats.org/markup-compatibility/2006">
                 <mc:Choice xmlns:v="urn:schemas-microsoft-com:vml" Requires="v">
-                  <p:oleObj spid="_x0000_s12356" name="Equation" r:id="rId23" imgW="126720" imgH="228600" progId="Equation.DSMT4">
+                  <p:oleObj spid="_x0000_s12404" name="Equation" r:id="rId23" imgW="126720" imgH="228600" progId="Equation.DSMT4">
                     <p:embed/>
                   </p:oleObj>
                 </mc:Choice>
@@ -19843,7 +19950,7 @@
             <p:cNvPr id="11" name="Объект 10">
               <a:extLst>
                 <a:ext uri="{FF2B5EF4-FFF2-40B4-BE49-F238E27FC236}">
-                  <a16:creationId xmlns:a16="http://schemas.microsoft.com/office/drawing/2014/main" id="{71AC8B37-AEEE-4384-80EA-595DBE9BAE77}"/>
+                  <a16:creationId xmlns="" xmlns:a16="http://schemas.microsoft.com/office/drawing/2014/main" id="{71AC8B37-AEEE-4384-80EA-595DBE9BAE77}"/>
                 </a:ext>
               </a:extLst>
             </p:cNvPr>
@@ -19866,7 +19973,7 @@
             <a:graphicData uri="http://schemas.openxmlformats.org/presentationml/2006/ole">
               <mc:AlternateContent xmlns:mc="http://schemas.openxmlformats.org/markup-compatibility/2006">
                 <mc:Choice xmlns:v="urn:schemas-microsoft-com:vml" Requires="v">
-                  <p:oleObj spid="_x0000_s12357" name="Equation" r:id="rId25" imgW="190440" imgH="228600" progId="Equation.DSMT4">
+                  <p:oleObj spid="_x0000_s12405" name="Equation" r:id="rId25" imgW="190440" imgH="228600" progId="Equation.DSMT4">
                     <p:embed/>
                   </p:oleObj>
                 </mc:Choice>
@@ -19906,7 +20013,7 @@
             <p:cNvPr id="12" name="Объект 11">
               <a:extLst>
                 <a:ext uri="{FF2B5EF4-FFF2-40B4-BE49-F238E27FC236}">
-                  <a16:creationId xmlns:a16="http://schemas.microsoft.com/office/drawing/2014/main" id="{E59E983F-4957-4AAB-8198-383173F66A5E}"/>
+                  <a16:creationId xmlns="" xmlns:a16="http://schemas.microsoft.com/office/drawing/2014/main" id="{E59E983F-4957-4AAB-8198-383173F66A5E}"/>
                 </a:ext>
               </a:extLst>
             </p:cNvPr>
@@ -19929,7 +20036,7 @@
             <a:graphicData uri="http://schemas.openxmlformats.org/presentationml/2006/ole">
               <mc:AlternateContent xmlns:mc="http://schemas.openxmlformats.org/markup-compatibility/2006">
                 <mc:Choice xmlns:v="urn:schemas-microsoft-com:vml" Requires="v">
-                  <p:oleObj spid="_x0000_s12358" name="Equation" r:id="rId27" imgW="139680" imgH="228600" progId="Equation.DSMT4">
+                  <p:oleObj spid="_x0000_s12406" name="Equation" r:id="rId27" imgW="139680" imgH="228600" progId="Equation.DSMT4">
                     <p:embed/>
                   </p:oleObj>
                 </mc:Choice>
@@ -19969,7 +20076,7 @@
             <p:cNvPr id="13" name="Объект 12">
               <a:extLst>
                 <a:ext uri="{FF2B5EF4-FFF2-40B4-BE49-F238E27FC236}">
-                  <a16:creationId xmlns:a16="http://schemas.microsoft.com/office/drawing/2014/main" id="{3C5811E6-2A0A-4990-B623-8FC310F7EEAC}"/>
+                  <a16:creationId xmlns="" xmlns:a16="http://schemas.microsoft.com/office/drawing/2014/main" id="{3C5811E6-2A0A-4990-B623-8FC310F7EEAC}"/>
                 </a:ext>
               </a:extLst>
             </p:cNvPr>
@@ -19992,7 +20099,7 @@
             <a:graphicData uri="http://schemas.openxmlformats.org/presentationml/2006/ole">
               <mc:AlternateContent xmlns:mc="http://schemas.openxmlformats.org/markup-compatibility/2006">
                 <mc:Choice xmlns:v="urn:schemas-microsoft-com:vml" Requires="v">
-                  <p:oleObj spid="_x0000_s12359" name="Equation" r:id="rId29" imgW="139680" imgH="228600" progId="Equation.DSMT4">
+                  <p:oleObj spid="_x0000_s12407" name="Equation" r:id="rId29" imgW="139680" imgH="228600" progId="Equation.DSMT4">
                     <p:embed/>
                   </p:oleObj>
                 </mc:Choice>
@@ -20032,7 +20139,7 @@
             <p:cNvPr id="93" name="Объект 92">
               <a:extLst>
                 <a:ext uri="{FF2B5EF4-FFF2-40B4-BE49-F238E27FC236}">
-                  <a16:creationId xmlns:a16="http://schemas.microsoft.com/office/drawing/2014/main" id="{5EB85EB2-6029-40F5-8361-CF4D411F72ED}"/>
+                  <a16:creationId xmlns="" xmlns:a16="http://schemas.microsoft.com/office/drawing/2014/main" id="{5EB85EB2-6029-40F5-8361-CF4D411F72ED}"/>
                 </a:ext>
               </a:extLst>
             </p:cNvPr>
@@ -20055,7 +20162,7 @@
             <a:graphicData uri="http://schemas.openxmlformats.org/presentationml/2006/ole">
               <mc:AlternateContent xmlns:mc="http://schemas.openxmlformats.org/markup-compatibility/2006">
                 <mc:Choice xmlns:v="urn:schemas-microsoft-com:vml" Requires="v">
-                  <p:oleObj spid="_x0000_s12360" name="Equation" r:id="rId31" imgW="177480" imgH="228600" progId="Equation.DSMT4">
+                  <p:oleObj spid="_x0000_s12408" name="Equation" r:id="rId31" imgW="177480" imgH="228600" progId="Equation.DSMT4">
                     <p:embed/>
                   </p:oleObj>
                 </mc:Choice>
@@ -20095,7 +20202,7 @@
             <p:cNvPr id="94" name="Объект 93">
               <a:extLst>
                 <a:ext uri="{FF2B5EF4-FFF2-40B4-BE49-F238E27FC236}">
-                  <a16:creationId xmlns:a16="http://schemas.microsoft.com/office/drawing/2014/main" id="{6EDFD805-2F3F-454A-A019-EEA3910837BC}"/>
+                  <a16:creationId xmlns="" xmlns:a16="http://schemas.microsoft.com/office/drawing/2014/main" id="{6EDFD805-2F3F-454A-A019-EEA3910837BC}"/>
                 </a:ext>
               </a:extLst>
             </p:cNvPr>
@@ -20118,7 +20225,7 @@
             <a:graphicData uri="http://schemas.openxmlformats.org/presentationml/2006/ole">
               <mc:AlternateContent xmlns:mc="http://schemas.openxmlformats.org/markup-compatibility/2006">
                 <mc:Choice xmlns:v="urn:schemas-microsoft-com:vml" Requires="v">
-                  <p:oleObj spid="_x0000_s12361" name="Equation" r:id="rId33" imgW="190440" imgH="228600" progId="Equation.DSMT4">
+                  <p:oleObj spid="_x0000_s12409" name="Equation" r:id="rId33" imgW="190440" imgH="228600" progId="Equation.DSMT4">
                     <p:embed/>
                   </p:oleObj>
                 </mc:Choice>
@@ -20159,7 +20266,7 @@
           <p:cNvPr id="97" name="TextBox 96">
             <a:extLst>
               <a:ext uri="{FF2B5EF4-FFF2-40B4-BE49-F238E27FC236}">
-                <a16:creationId xmlns:a16="http://schemas.microsoft.com/office/drawing/2014/main" id="{09EAA3A6-70B5-45A6-8493-FA5F1020C7EA}"/>
+                <a16:creationId xmlns="" xmlns:a16="http://schemas.microsoft.com/office/drawing/2014/main" id="{09EAA3A6-70B5-45A6-8493-FA5F1020C7EA}"/>
               </a:ext>
             </a:extLst>
           </p:cNvPr>
@@ -21431,7 +21538,7 @@
           <a:graphicData uri="http://schemas.openxmlformats.org/presentationml/2006/ole">
             <mc:AlternateContent xmlns:mc="http://schemas.openxmlformats.org/markup-compatibility/2006">
               <mc:Choice xmlns:v="urn:schemas-microsoft-com:vml" Requires="v">
-                <p:oleObj spid="_x0000_s5302" name="Формула" r:id="rId4" imgW="1688760" imgH="228600" progId="Equation.3">
+                <p:oleObj spid="_x0000_s5347" name="Формула" r:id="rId4" imgW="1688760" imgH="228600" progId="Equation.3">
                   <p:embed/>
                 </p:oleObj>
               </mc:Choice>
@@ -21618,28 +21725,28 @@
                 <a:gridCol w="957353">
                   <a:extLst>
                     <a:ext uri="{9D8B030D-6E8A-4147-A177-3AD203B41FA5}">
-                      <a16:colId xmlns:a16="http://schemas.microsoft.com/office/drawing/2014/main" val="1044631594"/>
+                      <a16:colId xmlns="" xmlns:a16="http://schemas.microsoft.com/office/drawing/2014/main" val="1044631594"/>
                     </a:ext>
                   </a:extLst>
                 </a:gridCol>
                 <a:gridCol w="957353">
                   <a:extLst>
                     <a:ext uri="{9D8B030D-6E8A-4147-A177-3AD203B41FA5}">
-                      <a16:colId xmlns:a16="http://schemas.microsoft.com/office/drawing/2014/main" val="2558395021"/>
+                      <a16:colId xmlns="" xmlns:a16="http://schemas.microsoft.com/office/drawing/2014/main" val="2558395021"/>
                     </a:ext>
                   </a:extLst>
                 </a:gridCol>
                 <a:gridCol w="957353">
                   <a:extLst>
                     <a:ext uri="{9D8B030D-6E8A-4147-A177-3AD203B41FA5}">
-                      <a16:colId xmlns:a16="http://schemas.microsoft.com/office/drawing/2014/main" val="2212677439"/>
+                      <a16:colId xmlns="" xmlns:a16="http://schemas.microsoft.com/office/drawing/2014/main" val="2212677439"/>
                     </a:ext>
                   </a:extLst>
                 </a:gridCol>
                 <a:gridCol w="957353">
                   <a:extLst>
                     <a:ext uri="{9D8B030D-6E8A-4147-A177-3AD203B41FA5}">
-                      <a16:colId xmlns:a16="http://schemas.microsoft.com/office/drawing/2014/main" val="851063209"/>
+                      <a16:colId xmlns="" xmlns:a16="http://schemas.microsoft.com/office/drawing/2014/main" val="851063209"/>
                     </a:ext>
                   </a:extLst>
                 </a:gridCol>
@@ -21703,7 +21810,7 @@
                 </a:tc>
                 <a:extLst>
                   <a:ext uri="{0D108BD9-81ED-4DB2-BD59-A6C34878D82A}">
-                    <a16:rowId xmlns:a16="http://schemas.microsoft.com/office/drawing/2014/main" val="1185514864"/>
+                    <a16:rowId xmlns="" xmlns:a16="http://schemas.microsoft.com/office/drawing/2014/main" val="1185514864"/>
                   </a:ext>
                 </a:extLst>
               </a:tr>
@@ -21834,7 +21941,7 @@
                 </a:tc>
                 <a:extLst>
                   <a:ext uri="{0D108BD9-81ED-4DB2-BD59-A6C34878D82A}">
-                    <a16:rowId xmlns:a16="http://schemas.microsoft.com/office/drawing/2014/main" val="10001"/>
+                    <a16:rowId xmlns="" xmlns:a16="http://schemas.microsoft.com/office/drawing/2014/main" val="10001"/>
                   </a:ext>
                 </a:extLst>
               </a:tr>
@@ -22106,7 +22213,7 @@
                 </a:tc>
                 <a:extLst>
                   <a:ext uri="{0D108BD9-81ED-4DB2-BD59-A6C34878D82A}">
-                    <a16:rowId xmlns:a16="http://schemas.microsoft.com/office/drawing/2014/main" val="627226478"/>
+                    <a16:rowId xmlns="" xmlns:a16="http://schemas.microsoft.com/office/drawing/2014/main" val="627226478"/>
                   </a:ext>
                 </a:extLst>
               </a:tr>
@@ -22258,7 +22365,7 @@
                 </a:tc>
                 <a:extLst>
                   <a:ext uri="{0D108BD9-81ED-4DB2-BD59-A6C34878D82A}">
-                    <a16:rowId xmlns:a16="http://schemas.microsoft.com/office/drawing/2014/main" val="10003"/>
+                    <a16:rowId xmlns="" xmlns:a16="http://schemas.microsoft.com/office/drawing/2014/main" val="10003"/>
                   </a:ext>
                 </a:extLst>
               </a:tr>
@@ -22282,7 +22389,7 @@
           <a:graphicData uri="http://schemas.openxmlformats.org/presentationml/2006/ole">
             <mc:AlternateContent xmlns:mc="http://schemas.openxmlformats.org/markup-compatibility/2006">
               <mc:Choice xmlns:v="urn:schemas-microsoft-com:vml" Requires="v">
-                <p:oleObj spid="_x0000_s5303" name="Equation" r:id="rId6" imgW="457200" imgH="228600" progId="Equation.3">
+                <p:oleObj spid="_x0000_s5348" name="Equation" r:id="rId6" imgW="457200" imgH="228600" progId="Equation.3">
                   <p:embed/>
                 </p:oleObj>
               </mc:Choice>
@@ -22346,7 +22453,7 @@
           <a:graphicData uri="http://schemas.openxmlformats.org/presentationml/2006/ole">
             <mc:AlternateContent xmlns:mc="http://schemas.openxmlformats.org/markup-compatibility/2006">
               <mc:Choice xmlns:v="urn:schemas-microsoft-com:vml" Requires="v">
-                <p:oleObj spid="_x0000_s5304" name="Equation" r:id="rId8" imgW="419040" imgH="215640" progId="Equation.3">
+                <p:oleObj spid="_x0000_s5349" name="Equation" r:id="rId8" imgW="419040" imgH="215640" progId="Equation.3">
                   <p:embed/>
                 </p:oleObj>
               </mc:Choice>
@@ -22410,7 +22517,7 @@
           <a:graphicData uri="http://schemas.openxmlformats.org/presentationml/2006/ole">
             <mc:AlternateContent xmlns:mc="http://schemas.openxmlformats.org/markup-compatibility/2006">
               <mc:Choice xmlns:v="urn:schemas-microsoft-com:vml" Requires="v">
-                <p:oleObj spid="_x0000_s5305" name="Формула" r:id="rId10" imgW="419040" imgH="215640" progId="Equation.3">
+                <p:oleObj spid="_x0000_s5350" name="Формула" r:id="rId10" imgW="419040" imgH="215640" progId="Equation.3">
                   <p:embed/>
                 </p:oleObj>
               </mc:Choice>
@@ -22474,7 +22581,7 @@
           <a:graphicData uri="http://schemas.openxmlformats.org/presentationml/2006/ole">
             <mc:AlternateContent xmlns:mc="http://schemas.openxmlformats.org/markup-compatibility/2006">
               <mc:Choice xmlns:v="urn:schemas-microsoft-com:vml" Requires="v">
-                <p:oleObj spid="_x0000_s5306" name="Equation" r:id="rId12" imgW="304560" imgH="215640" progId="Equation.3">
+                <p:oleObj spid="_x0000_s5351" name="Equation" r:id="rId12" imgW="304560" imgH="215640" progId="Equation.3">
                   <p:embed/>
                 </p:oleObj>
               </mc:Choice>
@@ -22576,7 +22683,14 @@
                 <a:latin typeface="Times New Roman" panose="02020603050405020304" pitchFamily="18" charset="0"/>
                 <a:ea typeface="Times New Roman" panose="02020603050405020304" pitchFamily="18" charset="0"/>
               </a:rPr>
-              <a:t>Таблица 3 </a:t>
+              <a:t>Таблица </a:t>
+            </a:r>
+            <a:r>
+              <a:rPr lang="ru-RU" sz="1200" b="1" dirty="0" smtClean="0">
+                <a:latin typeface="Times New Roman" panose="02020603050405020304" pitchFamily="18" charset="0"/>
+                <a:ea typeface="Times New Roman" panose="02020603050405020304" pitchFamily="18" charset="0"/>
+              </a:rPr>
+              <a:t>2 </a:t>
             </a:r>
             <a:r>
               <a:rPr lang="ru-RU" sz="1200" b="1" dirty="0">
@@ -22625,7 +22739,7 @@
           <a:graphicData uri="http://schemas.openxmlformats.org/presentationml/2006/ole">
             <mc:AlternateContent xmlns:mc="http://schemas.openxmlformats.org/markup-compatibility/2006">
               <mc:Choice xmlns:v="urn:schemas-microsoft-com:vml" Requires="v">
-                <p:oleObj spid="_x0000_s5307" name="Equation" r:id="rId14" imgW="799920" imgH="228600" progId="Equation.3">
+                <p:oleObj spid="_x0000_s5352" name="Equation" r:id="rId14" imgW="799920" imgH="228600" progId="Equation.3">
                   <p:embed/>
                 </p:oleObj>
               </mc:Choice>
@@ -22676,7 +22790,7 @@
           <a:graphicData uri="http://schemas.openxmlformats.org/presentationml/2006/ole">
             <mc:AlternateContent xmlns:mc="http://schemas.openxmlformats.org/markup-compatibility/2006">
               <mc:Choice xmlns:v="urn:schemas-microsoft-com:vml" Requires="v">
-                <p:oleObj spid="_x0000_s5308" name="Equation" r:id="rId16" imgW="838080" imgH="215640" progId="Equation.3">
+                <p:oleObj spid="_x0000_s5353" name="Equation" r:id="rId16" imgW="838080" imgH="215640" progId="Equation.3">
                   <p:embed/>
                 </p:oleObj>
               </mc:Choice>
@@ -22755,7 +22869,7 @@
               <a:graphicData uri="http://schemas.openxmlformats.org/presentationml/2006/ole">
                 <mc:AlternateContent xmlns:mc="http://schemas.openxmlformats.org/markup-compatibility/2006">
                   <mc:Choice xmlns:v="urn:schemas-microsoft-com:vml" Requires="v">
-                    <p:oleObj spid="_x0000_s5309" name="Уравнение" r:id="rId18" imgW="228600" imgH="228600" progId="Equation.3">
+                    <p:oleObj spid="_x0000_s5354" name="Уравнение" r:id="rId18" imgW="228600" imgH="228600" progId="Equation.3">
                       <p:embed/>
                     </p:oleObj>
                   </mc:Choice>
@@ -22819,7 +22933,7 @@
               <a:graphicData uri="http://schemas.openxmlformats.org/presentationml/2006/ole">
                 <mc:AlternateContent xmlns:mc="http://schemas.openxmlformats.org/markup-compatibility/2006">
                   <mc:Choice xmlns:v="urn:schemas-microsoft-com:vml" Requires="v">
-                    <p:oleObj spid="_x0000_s5310" name="Формула" r:id="rId20" imgW="164885" imgH="164885" progId="Equation.3">
+                    <p:oleObj spid="_x0000_s5355" name="Формула" r:id="rId20" imgW="164885" imgH="164885" progId="Equation.3">
                       <p:embed/>
                     </p:oleObj>
                   </mc:Choice>
@@ -23000,7 +23114,7 @@
                     <a:graphicData uri="http://schemas.openxmlformats.org/presentationml/2006/ole">
                       <mc:AlternateContent xmlns:mc="http://schemas.openxmlformats.org/markup-compatibility/2006">
                         <mc:Choice xmlns:v="urn:schemas-microsoft-com:vml" Requires="v">
-                          <p:oleObj spid="_x0000_s5311" name="Уравнение" r:id="rId22" imgW="164880" imgH="228600" progId="Equation.3">
+                          <p:oleObj spid="_x0000_s5356" name="Уравнение" r:id="rId22" imgW="164880" imgH="228600" progId="Equation.3">
                             <p:embed/>
                           </p:oleObj>
                         </mc:Choice>
@@ -23064,7 +23178,7 @@
                     <a:graphicData uri="http://schemas.openxmlformats.org/presentationml/2006/ole">
                       <mc:AlternateContent xmlns:mc="http://schemas.openxmlformats.org/markup-compatibility/2006">
                         <mc:Choice xmlns:v="urn:schemas-microsoft-com:vml" Requires="v">
-                          <p:oleObj spid="_x0000_s5312" name="Equation" r:id="rId24" imgW="228600" imgH="228600" progId="Equation.3">
+                          <p:oleObj spid="_x0000_s5357" name="Equation" r:id="rId24" imgW="228600" imgH="228600" progId="Equation.3">
                             <p:embed/>
                           </p:oleObj>
                         </mc:Choice>
@@ -23128,7 +23242,7 @@
                     <a:graphicData uri="http://schemas.openxmlformats.org/presentationml/2006/ole">
                       <mc:AlternateContent xmlns:mc="http://schemas.openxmlformats.org/markup-compatibility/2006">
                         <mc:Choice xmlns:v="urn:schemas-microsoft-com:vml" Requires="v">
-                          <p:oleObj spid="_x0000_s5313" name="Equation" r:id="rId26" imgW="215640" imgH="228600" progId="Equation.3">
+                          <p:oleObj spid="_x0000_s5358" name="Equation" r:id="rId26" imgW="215640" imgH="228600" progId="Equation.3">
                             <p:embed/>
                           </p:oleObj>
                         </mc:Choice>
@@ -23712,7 +23826,7 @@
                       <a:graphicData uri="http://schemas.openxmlformats.org/presentationml/2006/ole">
                         <mc:AlternateContent xmlns:mc="http://schemas.openxmlformats.org/markup-compatibility/2006">
                           <mc:Choice xmlns:v="urn:schemas-microsoft-com:vml" Requires="v">
-                            <p:oleObj spid="_x0000_s5314" name="Уравнение" r:id="rId28" imgW="203040" imgH="215640" progId="Equation.3">
+                            <p:oleObj spid="_x0000_s5359" name="Уравнение" r:id="rId28" imgW="203040" imgH="215640" progId="Equation.3">
                               <p:embed/>
                             </p:oleObj>
                           </mc:Choice>
@@ -24128,7 +24242,7 @@
           <a:graphicData uri="http://schemas.openxmlformats.org/presentationml/2006/ole">
             <mc:AlternateContent xmlns:mc="http://schemas.openxmlformats.org/markup-compatibility/2006">
               <mc:Choice xmlns:v="urn:schemas-microsoft-com:vml" Requires="v">
-                <p:oleObj spid="_x0000_s5315" name="Формула" r:id="rId30" imgW="1091880" imgH="228600" progId="Equation.3">
+                <p:oleObj spid="_x0000_s5360" name="Формула" r:id="rId30" imgW="1091880" imgH="228600" progId="Equation.3">
                   <p:embed/>
                 </p:oleObj>
               </mc:Choice>
@@ -24192,7 +24306,7 @@
           <a:graphicData uri="http://schemas.openxmlformats.org/presentationml/2006/ole">
             <mc:AlternateContent xmlns:mc="http://schemas.openxmlformats.org/markup-compatibility/2006">
               <mc:Choice xmlns:v="urn:schemas-microsoft-com:vml" Requires="v">
-                <p:oleObj spid="_x0000_s5316" name="Equation" r:id="rId32" imgW="1917360" imgH="228600" progId="Equation.3">
+                <p:oleObj spid="_x0000_s5361" name="Equation" r:id="rId32" imgW="1917360" imgH="228600" progId="Equation.3">
                   <p:embed/>
                 </p:oleObj>
               </mc:Choice>
@@ -26428,7 +26542,7 @@
           <p:cNvPr id="15" name="Rectangle 2" descr="Контурные ромбики">
             <a:extLst>
               <a:ext uri="{FF2B5EF4-FFF2-40B4-BE49-F238E27FC236}">
-                <a16:creationId xmlns:a16="http://schemas.microsoft.com/office/drawing/2014/main" id="{1690F94A-B735-4BF5-BFAA-B00A074EB5BB}"/>
+                <a16:creationId xmlns="" xmlns:a16="http://schemas.microsoft.com/office/drawing/2014/main" id="{1690F94A-B735-4BF5-BFAA-B00A074EB5BB}"/>
               </a:ext>
             </a:extLst>
           </p:cNvPr>
@@ -26500,7 +26614,7 @@
           <p:cNvPr id="16" name="Rectangle 5" descr="Контурные ромбики">
             <a:extLst>
               <a:ext uri="{FF2B5EF4-FFF2-40B4-BE49-F238E27FC236}">
-                <a16:creationId xmlns:a16="http://schemas.microsoft.com/office/drawing/2014/main" id="{DDD14A20-2CC8-4D9D-8460-EF33732E9B21}"/>
+                <a16:creationId xmlns="" xmlns:a16="http://schemas.microsoft.com/office/drawing/2014/main" id="{DDD14A20-2CC8-4D9D-8460-EF33732E9B21}"/>
               </a:ext>
             </a:extLst>
           </p:cNvPr>
@@ -26585,7 +26699,7 @@
           <p:cNvPr id="17" name="Rectangle 6">
             <a:extLst>
               <a:ext uri="{FF2B5EF4-FFF2-40B4-BE49-F238E27FC236}">
-                <a16:creationId xmlns:a16="http://schemas.microsoft.com/office/drawing/2014/main" id="{4D23C2D9-1130-47DA-8ED3-A647A1EE20D4}"/>
+                <a16:creationId xmlns="" xmlns:a16="http://schemas.microsoft.com/office/drawing/2014/main" id="{4D23C2D9-1130-47DA-8ED3-A647A1EE20D4}"/>
               </a:ext>
             </a:extLst>
           </p:cNvPr>
@@ -26674,7 +26788,7 @@
           <p:cNvPr id="18" name="Rectangle 6">
             <a:extLst>
               <a:ext uri="{FF2B5EF4-FFF2-40B4-BE49-F238E27FC236}">
-                <a16:creationId xmlns:a16="http://schemas.microsoft.com/office/drawing/2014/main" id="{AFAED8BA-43AE-4A90-B7B3-749A89834C24}"/>
+                <a16:creationId xmlns="" xmlns:a16="http://schemas.microsoft.com/office/drawing/2014/main" id="{AFAED8BA-43AE-4A90-B7B3-749A89834C24}"/>
               </a:ext>
             </a:extLst>
           </p:cNvPr>
@@ -26767,7 +26881,7 @@
           <p:cNvPr id="19" name="Rectangle 5" descr="Контурные ромбики">
             <a:extLst>
               <a:ext uri="{FF2B5EF4-FFF2-40B4-BE49-F238E27FC236}">
-                <a16:creationId xmlns:a16="http://schemas.microsoft.com/office/drawing/2014/main" id="{7E50BAEA-6ADF-4A96-9E1F-44D377450112}"/>
+                <a16:creationId xmlns="" xmlns:a16="http://schemas.microsoft.com/office/drawing/2014/main" id="{7E50BAEA-6ADF-4A96-9E1F-44D377450112}"/>
               </a:ext>
             </a:extLst>
           </p:cNvPr>
@@ -26870,7 +26984,7 @@
           <p:cNvPr id="20" name="Rectangle 6">
             <a:extLst>
               <a:ext uri="{FF2B5EF4-FFF2-40B4-BE49-F238E27FC236}">
-                <a16:creationId xmlns:a16="http://schemas.microsoft.com/office/drawing/2014/main" id="{E414A59E-3803-4EBC-860B-ADCA970C07CF}"/>
+                <a16:creationId xmlns="" xmlns:a16="http://schemas.microsoft.com/office/drawing/2014/main" id="{E414A59E-3803-4EBC-860B-ADCA970C07CF}"/>
               </a:ext>
             </a:extLst>
           </p:cNvPr>
@@ -26963,7 +27077,7 @@
           <p:cNvPr id="21" name="Rectangle 6">
             <a:extLst>
               <a:ext uri="{FF2B5EF4-FFF2-40B4-BE49-F238E27FC236}">
-                <a16:creationId xmlns:a16="http://schemas.microsoft.com/office/drawing/2014/main" id="{8FBAA4E6-020D-4413-B0D2-64CE5A263D58}"/>
+                <a16:creationId xmlns="" xmlns:a16="http://schemas.microsoft.com/office/drawing/2014/main" id="{8FBAA4E6-020D-4413-B0D2-64CE5A263D58}"/>
               </a:ext>
             </a:extLst>
           </p:cNvPr>
@@ -27048,7 +27162,7 @@
           <p:cNvPr id="22" name="Rectangle 6">
             <a:extLst>
               <a:ext uri="{FF2B5EF4-FFF2-40B4-BE49-F238E27FC236}">
-                <a16:creationId xmlns:a16="http://schemas.microsoft.com/office/drawing/2014/main" id="{F2EB7B76-2CB0-4A38-8A00-35CAF78622E9}"/>
+                <a16:creationId xmlns="" xmlns:a16="http://schemas.microsoft.com/office/drawing/2014/main" id="{F2EB7B76-2CB0-4A38-8A00-35CAF78622E9}"/>
               </a:ext>
             </a:extLst>
           </p:cNvPr>
@@ -27120,7 +27234,21 @@
                 <a:latin typeface="Bookman Old Style" pitchFamily="18" charset="0"/>
                 <a:cs typeface="Arial" pitchFamily="34" charset="0"/>
               </a:rPr>
-              <a:t>Параметры Заряда</a:t>
+              <a:t>Параметры </a:t>
+            </a:r>
+            <a:r>
+              <a:rPr kumimoji="0" lang="ru-RU" altLang="ru-RU" sz="1200" b="1" i="0" u="none" strike="noStrike" cap="none" normalizeH="0" baseline="0" dirty="0" smtClean="0">
+                <a:ln>
+                  <a:noFill/>
+                </a:ln>
+                <a:solidFill>
+                  <a:srgbClr val="000000"/>
+                </a:solidFill>
+                <a:effectLst/>
+                <a:latin typeface="Bookman Old Style" pitchFamily="18" charset="0"/>
+                <a:cs typeface="Arial" pitchFamily="34" charset="0"/>
+              </a:rPr>
+              <a:t>заряда</a:t>
             </a:r>
             <a:endParaRPr kumimoji="0" lang="ru-RU" altLang="ru-RU" sz="1200" b="0" i="0" u="none" strike="noStrike" cap="none" normalizeH="0" baseline="0" dirty="0">
               <a:ln>
@@ -27141,7 +27269,7 @@
           <p:cNvPr id="23" name="Rectangle 5" descr="Контурные ромбики">
             <a:extLst>
               <a:ext uri="{FF2B5EF4-FFF2-40B4-BE49-F238E27FC236}">
-                <a16:creationId xmlns:a16="http://schemas.microsoft.com/office/drawing/2014/main" id="{7F1116D9-DD6B-4F05-9EF3-F062809C48E9}"/>
+                <a16:creationId xmlns="" xmlns:a16="http://schemas.microsoft.com/office/drawing/2014/main" id="{7F1116D9-DD6B-4F05-9EF3-F062809C48E9}"/>
               </a:ext>
             </a:extLst>
           </p:cNvPr>
@@ -27244,7 +27372,7 @@
           <p:cNvPr id="24" name="Rectangle 6">
             <a:extLst>
               <a:ext uri="{FF2B5EF4-FFF2-40B4-BE49-F238E27FC236}">
-                <a16:creationId xmlns:a16="http://schemas.microsoft.com/office/drawing/2014/main" id="{10052500-684F-4731-BB2B-8E3226AB547D}"/>
+                <a16:creationId xmlns="" xmlns:a16="http://schemas.microsoft.com/office/drawing/2014/main" id="{10052500-684F-4731-BB2B-8E3226AB547D}"/>
               </a:ext>
             </a:extLst>
           </p:cNvPr>
@@ -27337,7 +27465,7 @@
           <p:cNvPr id="25" name="Rectangle 6">
             <a:extLst>
               <a:ext uri="{FF2B5EF4-FFF2-40B4-BE49-F238E27FC236}">
-                <a16:creationId xmlns:a16="http://schemas.microsoft.com/office/drawing/2014/main" id="{65C8CC62-6EAC-4123-887F-646998FD063B}"/>
+                <a16:creationId xmlns="" xmlns:a16="http://schemas.microsoft.com/office/drawing/2014/main" id="{65C8CC62-6EAC-4123-887F-646998FD063B}"/>
               </a:ext>
             </a:extLst>
           </p:cNvPr>
@@ -27430,7 +27558,7 @@
           <p:cNvPr id="32" name="Rectangle 6">
             <a:extLst>
               <a:ext uri="{FF2B5EF4-FFF2-40B4-BE49-F238E27FC236}">
-                <a16:creationId xmlns:a16="http://schemas.microsoft.com/office/drawing/2014/main" id="{69156A45-D5F5-4F00-A4D3-FCB09994AE4C}"/>
+                <a16:creationId xmlns="" xmlns:a16="http://schemas.microsoft.com/office/drawing/2014/main" id="{69156A45-D5F5-4F00-A4D3-FCB09994AE4C}"/>
               </a:ext>
             </a:extLst>
           </p:cNvPr>
@@ -27519,7 +27647,7 @@
           <p:cNvPr id="34" name="Rectangle 6">
             <a:extLst>
               <a:ext uri="{FF2B5EF4-FFF2-40B4-BE49-F238E27FC236}">
-                <a16:creationId xmlns:a16="http://schemas.microsoft.com/office/drawing/2014/main" id="{4BF5D8BD-DA51-4600-9BD2-9DE98FB38D47}"/>
+                <a16:creationId xmlns="" xmlns:a16="http://schemas.microsoft.com/office/drawing/2014/main" id="{4BF5D8BD-DA51-4600-9BD2-9DE98FB38D47}"/>
               </a:ext>
             </a:extLst>
           </p:cNvPr>
@@ -27608,7 +27736,7 @@
           <p:cNvPr id="35" name="Rectangle 6">
             <a:extLst>
               <a:ext uri="{FF2B5EF4-FFF2-40B4-BE49-F238E27FC236}">
-                <a16:creationId xmlns:a16="http://schemas.microsoft.com/office/drawing/2014/main" id="{4AD3175F-8E6E-4293-A6D0-5BABA35DDEA5}"/>
+                <a16:creationId xmlns="" xmlns:a16="http://schemas.microsoft.com/office/drawing/2014/main" id="{4AD3175F-8E6E-4293-A6D0-5BABA35DDEA5}"/>
               </a:ext>
             </a:extLst>
           </p:cNvPr>
@@ -27669,7 +27797,7 @@
               <a:tabLst/>
             </a:pPr>
             <a:r>
-              <a:rPr kumimoji="0" lang="ru-RU" altLang="ru-RU" sz="1200" b="1" i="0" u="none" strike="noStrike" cap="none" normalizeH="0" baseline="0" dirty="0">
+              <a:rPr kumimoji="0" lang="ru-RU" altLang="ru-RU" sz="1200" b="1" i="0" u="none" strike="noStrike" cap="none" normalizeH="0" baseline="0" dirty="0" smtClean="0">
                 <a:ln>
                   <a:noFill/>
                 </a:ln>
@@ -27680,7 +27808,7 @@
                 <a:latin typeface="Bookman Old Style" pitchFamily="18" charset="0"/>
                 <a:cs typeface="Arial" pitchFamily="34" charset="0"/>
               </a:rPr>
-              <a:t>Стрельба с подвижного носителя</a:t>
+              <a:t>Внутренняя баллистика РДТТ</a:t>
             </a:r>
             <a:endParaRPr kumimoji="0" lang="ru-RU" altLang="ru-RU" sz="1200" b="0" i="0" u="none" strike="noStrike" cap="none" normalizeH="0" baseline="0" dirty="0">
               <a:ln>
@@ -27701,7 +27829,7 @@
           <p:cNvPr id="37" name="Прямая со стрелкой 36">
             <a:extLst>
               <a:ext uri="{FF2B5EF4-FFF2-40B4-BE49-F238E27FC236}">
-                <a16:creationId xmlns:a16="http://schemas.microsoft.com/office/drawing/2014/main" id="{DC419FA5-E7F4-4F7C-AE12-76FA1CB98377}"/>
+                <a16:creationId xmlns="" xmlns:a16="http://schemas.microsoft.com/office/drawing/2014/main" id="{DC419FA5-E7F4-4F7C-AE12-76FA1CB98377}"/>
               </a:ext>
             </a:extLst>
           </p:cNvPr>
@@ -27746,7 +27874,7 @@
           <p:cNvPr id="38" name="Прямая со стрелкой 37">
             <a:extLst>
               <a:ext uri="{FF2B5EF4-FFF2-40B4-BE49-F238E27FC236}">
-                <a16:creationId xmlns:a16="http://schemas.microsoft.com/office/drawing/2014/main" id="{A083B013-573E-4404-A80E-98E5656D9683}"/>
+                <a16:creationId xmlns="" xmlns:a16="http://schemas.microsoft.com/office/drawing/2014/main" id="{A083B013-573E-4404-A80E-98E5656D9683}"/>
               </a:ext>
             </a:extLst>
           </p:cNvPr>
@@ -27791,7 +27919,7 @@
           <p:cNvPr id="39" name="TextBox 38">
             <a:extLst>
               <a:ext uri="{FF2B5EF4-FFF2-40B4-BE49-F238E27FC236}">
-                <a16:creationId xmlns:a16="http://schemas.microsoft.com/office/drawing/2014/main" id="{27832082-E374-43DC-961A-05B162C98A0E}"/>
+                <a16:creationId xmlns="" xmlns:a16="http://schemas.microsoft.com/office/drawing/2014/main" id="{27832082-E374-43DC-961A-05B162C98A0E}"/>
               </a:ext>
             </a:extLst>
           </p:cNvPr>
@@ -28204,7 +28332,7 @@
         </p:nvSpPr>
         <p:spPr bwMode="auto">
           <a:xfrm>
-            <a:off x="0" y="17773"/>
+            <a:off x="0" y="-1384"/>
             <a:ext cx="9144000" cy="341250"/>
           </a:xfrm>
           <a:prstGeom prst="rect">
@@ -28267,7 +28395,7 @@
         </p:nvSpPr>
         <p:spPr bwMode="auto">
           <a:xfrm>
-            <a:off x="0" y="376796"/>
+            <a:off x="0" y="275466"/>
             <a:ext cx="9144000" cy="0"/>
           </a:xfrm>
           <a:prstGeom prst="line">
@@ -28876,7 +29004,7 @@
           <p:cNvPr id="15" name="Рисунок 14">
             <a:extLst>
               <a:ext uri="{FF2B5EF4-FFF2-40B4-BE49-F238E27FC236}">
-                <a16:creationId xmlns:a16="http://schemas.microsoft.com/office/drawing/2014/main" id="{93615531-2008-4532-8C2D-91775C0C4C24}"/>
+                <a16:creationId xmlns="" xmlns:a16="http://schemas.microsoft.com/office/drawing/2014/main" id="{93615531-2008-4532-8C2D-91775C0C4C24}"/>
               </a:ext>
             </a:extLst>
           </p:cNvPr>
@@ -28891,8 +29019,8 @@
         </p:blipFill>
         <p:spPr>
           <a:xfrm>
-            <a:off x="916628" y="492998"/>
-            <a:ext cx="7310743" cy="3702520"/>
+            <a:off x="825940" y="334175"/>
+            <a:ext cx="7136040" cy="3614042"/>
           </a:xfrm>
           <a:prstGeom prst="rect">
             <a:avLst/>
@@ -28904,7 +29032,7 @@
           <p:cNvPr id="16" name="Прямоугольник 15">
             <a:extLst>
               <a:ext uri="{FF2B5EF4-FFF2-40B4-BE49-F238E27FC236}">
-                <a16:creationId xmlns:a16="http://schemas.microsoft.com/office/drawing/2014/main" id="{7A9A5DBA-647E-40E2-A328-97BD495DE816}"/>
+                <a16:creationId xmlns="" xmlns:a16="http://schemas.microsoft.com/office/drawing/2014/main" id="{7A9A5DBA-647E-40E2-A328-97BD495DE816}"/>
               </a:ext>
             </a:extLst>
           </p:cNvPr>
@@ -28913,7 +29041,7 @@
         </p:nvSpPr>
         <p:spPr>
           <a:xfrm>
-            <a:off x="3100957" y="4195518"/>
+            <a:off x="2815774" y="3962073"/>
             <a:ext cx="3297699" cy="261610"/>
           </a:xfrm>
           <a:prstGeom prst="rect">
@@ -28963,6 +29091,81 @@
               <a:effectLst/>
               <a:latin typeface="Times New Roman" panose="02020603050405020304" pitchFamily="18" charset="0"/>
               <a:ea typeface="Times New Roman" panose="02020603050405020304" pitchFamily="18" charset="0"/>
+            </a:endParaRPr>
+          </a:p>
+        </p:txBody>
+      </p:sp>
+      <p:sp>
+        <p:nvSpPr>
+          <p:cNvPr id="3" name="Прямоугольник 2"/>
+          <p:cNvSpPr/>
+          <p:nvPr/>
+        </p:nvSpPr>
+        <p:spPr>
+          <a:xfrm>
+            <a:off x="1" y="4288082"/>
+            <a:ext cx="9143999" cy="600164"/>
+          </a:xfrm>
+          <a:prstGeom prst="rect">
+            <a:avLst/>
+          </a:prstGeom>
+        </p:spPr>
+        <p:txBody>
+          <a:bodyPr wrap="square">
+            <a:spAutoFit/>
+          </a:bodyPr>
+          <a:lstStyle/>
+          <a:p>
+            <a:pPr algn="just">
+              <a:spcAft>
+                <a:spcPts val="600"/>
+              </a:spcAft>
+            </a:pPr>
+            <a:r>
+              <a:rPr lang="ru-RU" sz="1100" dirty="0">
+                <a:latin typeface="Times New Roman" pitchFamily="18" charset="0"/>
+                <a:cs typeface="Times New Roman" pitchFamily="18" charset="0"/>
+              </a:rPr>
+              <a:t>Свидетельство о государственной регистрации программы для ЭВМ №2023666109 Российская Федерация. Программа для решения задачи оптимизации параметров внутренней и внешней баллистики активно-реактивного снаряда с целью повышения дальности стрельбы: №2023664816: </a:t>
+            </a:r>
+            <a:r>
+              <a:rPr lang="ru-RU" sz="1100" dirty="0" err="1">
+                <a:latin typeface="Times New Roman" pitchFamily="18" charset="0"/>
+                <a:cs typeface="Times New Roman" pitchFamily="18" charset="0"/>
+              </a:rPr>
+              <a:t>заявл</a:t>
+            </a:r>
+            <a:r>
+              <a:rPr lang="ru-RU" sz="1100" dirty="0">
+                <a:latin typeface="Times New Roman" pitchFamily="18" charset="0"/>
+                <a:cs typeface="Times New Roman" pitchFamily="18" charset="0"/>
+              </a:rPr>
+              <a:t>. 12.07.2023: опубл. 26.07.2023 </a:t>
+            </a:r>
+            <a:r>
+              <a:rPr lang="en-US" sz="1100" dirty="0">
+                <a:latin typeface="Times New Roman" panose="02020603050405020304" pitchFamily="18" charset="0"/>
+                <a:cs typeface="Times New Roman" panose="02020603050405020304" pitchFamily="18" charset="0"/>
+              </a:rPr>
+              <a:t>/</a:t>
+            </a:r>
+            <a:r>
+              <a:rPr lang="ru-RU" sz="1100" dirty="0">
+                <a:latin typeface="Times New Roman" panose="02020603050405020304" pitchFamily="18" charset="0"/>
+                <a:cs typeface="Times New Roman" panose="02020603050405020304" pitchFamily="18" charset="0"/>
+              </a:rPr>
+              <a:t> И.Г. Русяк, С.А., Р.Р. </a:t>
+            </a:r>
+            <a:r>
+              <a:rPr lang="ru-RU" sz="1100" dirty="0" smtClean="0">
+                <a:latin typeface="Times New Roman" panose="02020603050405020304" pitchFamily="18" charset="0"/>
+                <a:cs typeface="Times New Roman" panose="02020603050405020304" pitchFamily="18" charset="0"/>
+              </a:rPr>
+              <a:t>Мансуров.</a:t>
+            </a:r>
+            <a:endParaRPr lang="ru-RU" sz="1100" dirty="0">
+              <a:latin typeface="Times New Roman" panose="02020603050405020304" pitchFamily="18" charset="0"/>
+              <a:cs typeface="Times New Roman" panose="02020603050405020304" pitchFamily="18" charset="0"/>
             </a:endParaRPr>
           </a:p>
         </p:txBody>
@@ -30282,6 +30485,13 @@
   <p:clrMapOvr>
     <a:masterClrMapping/>
   </p:clrMapOvr>
+  <p:timing>
+    <p:tnLst>
+      <p:par>
+        <p:cTn id="1" dur="indefinite" restart="never" nodeType="tmRoot"/>
+      </p:par>
+    </p:tnLst>
+  </p:timing>
 </p:sld>
 </file>
 
@@ -30304,7 +30514,7 @@
       </p:grpSpPr>
       <p:sp>
         <p:nvSpPr>
-          <p:cNvPr id="5" name="Rectangle 9"/>
+          <p:cNvPr id="6" name="Rectangle 28" descr="Светлый диагональный 2"/>
           <p:cNvSpPr>
             <a:spLocks noChangeArrowheads="1"/>
           </p:cNvSpPr>
@@ -30312,7 +30522,124 @@
         </p:nvSpPr>
         <p:spPr bwMode="auto">
           <a:xfrm>
-            <a:off x="8377336" y="4892920"/>
+            <a:off x="0" y="0"/>
+            <a:ext cx="9144000" cy="341250"/>
+          </a:xfrm>
+          <a:prstGeom prst="rect">
+            <a:avLst/>
+          </a:prstGeom>
+          <a:ln>
+            <a:noFill/>
+            <a:headEnd/>
+            <a:tailEnd/>
+          </a:ln>
+          <a:extLst/>
+        </p:spPr>
+        <p:style>
+          <a:lnRef idx="2">
+            <a:schemeClr val="dk1"/>
+          </a:lnRef>
+          <a:fillRef idx="1">
+            <a:schemeClr val="lt1"/>
+          </a:fillRef>
+          <a:effectRef idx="0">
+            <a:schemeClr val="dk1"/>
+          </a:effectRef>
+          <a:fontRef idx="minor">
+            <a:schemeClr val="dk1"/>
+          </a:fontRef>
+        </p:style>
+        <p:txBody>
+          <a:bodyPr vert="horz" wrap="square" lIns="13500" tIns="13500" rIns="13500" bIns="13500" numCol="1" anchor="ctr" anchorCtr="0" compatLnSpc="1">
+            <a:prstTxWarp prst="textNoShape">
+              <a:avLst/>
+            </a:prstTxWarp>
+          </a:bodyPr>
+          <a:lstStyle/>
+          <a:p>
+            <a:pPr indent="133350" algn="ctr">
+              <a:defRPr/>
+            </a:pPr>
+            <a:r>
+              <a:rPr lang="ru-RU" sz="1200" cap="small" dirty="0" smtClean="0">
+                <a:solidFill>
+                  <a:schemeClr val="tx1"/>
+                </a:solidFill>
+                <a:latin typeface="Bookman Old Style" pitchFamily="18" charset="0"/>
+                <a:cs typeface="Times New Roman" panose="02020603050405020304" pitchFamily="18" charset="0"/>
+              </a:rPr>
+              <a:t>ЗАКЛЮЧЕНИЕ</a:t>
+            </a:r>
+            <a:endParaRPr lang="ru-RU" sz="1200" cap="small" dirty="0">
+              <a:solidFill>
+                <a:schemeClr val="tx1"/>
+              </a:solidFill>
+              <a:latin typeface="Bookman Old Style" pitchFamily="18" charset="0"/>
+              <a:cs typeface="Times New Roman" panose="02020603050405020304" pitchFamily="18" charset="0"/>
+            </a:endParaRPr>
+          </a:p>
+        </p:txBody>
+      </p:sp>
+      <p:sp>
+        <p:nvSpPr>
+          <p:cNvPr id="7" name="Line 8"/>
+          <p:cNvSpPr>
+            <a:spLocks noChangeShapeType="1"/>
+          </p:cNvSpPr>
+          <p:nvPr/>
+        </p:nvSpPr>
+        <p:spPr bwMode="auto">
+          <a:xfrm>
+            <a:off x="0" y="329711"/>
+            <a:ext cx="9144000" cy="0"/>
+          </a:xfrm>
+          <a:prstGeom prst="line">
+            <a:avLst/>
+          </a:prstGeom>
+          <a:noFill/>
+          <a:ln w="9525">
+            <a:solidFill>
+              <a:schemeClr val="tx1"/>
+            </a:solidFill>
+            <a:round/>
+            <a:headEnd/>
+            <a:tailEnd/>
+          </a:ln>
+          <a:extLst>
+            <a:ext uri="{909E8E84-426E-40DD-AFC4-6F175D3DCCD1}">
+              <a14:hiddenFill xmlns:a14="http://schemas.microsoft.com/office/drawing/2010/main">
+                <a:noFill/>
+              </a14:hiddenFill>
+            </a:ext>
+          </a:extLst>
+        </p:spPr>
+        <p:txBody>
+          <a:bodyPr lIns="68580" tIns="34290" rIns="68580" bIns="34290"/>
+          <a:lstStyle/>
+          <a:p>
+            <a:pPr>
+              <a:defRPr/>
+            </a:pPr>
+            <a:endParaRPr lang="ru-RU">
+              <a:solidFill>
+                <a:prstClr val="black"/>
+              </a:solidFill>
+              <a:latin typeface="Calibri"/>
+            </a:endParaRPr>
+          </a:p>
+        </p:txBody>
+      </p:sp>
+      <p:sp>
+        <p:nvSpPr>
+          <p:cNvPr id="8" name="Rectangle 9"/>
+          <p:cNvSpPr>
+            <a:spLocks noChangeArrowheads="1"/>
+          </p:cNvSpPr>
+          <p:nvPr/>
+        </p:nvSpPr>
+        <p:spPr bwMode="auto">
+          <a:xfrm>
+            <a:off x="8372670" y="4891676"/>
             <a:ext cx="766664" cy="249242"/>
           </a:xfrm>
           <a:prstGeom prst="rect">
@@ -30557,13 +30884,26 @@
             </a:lvl9pPr>
           </a:lstStyle>
           <a:p>
-            <a:pPr algn="ctr" eaLnBrk="1" hangingPunct="1">
+            <a:pPr algn="ctr" defTabSz="336947" eaLnBrk="1" hangingPunct="1">
               <a:buClr>
                 <a:srgbClr val="000000"/>
               </a:buClr>
               <a:buSzPct val="100000"/>
-              <a:buFont typeface="Arial" charset="0"/>
-              <a:buNone/>
+              <a:tabLst>
+                <a:tab pos="0" algn="l"/>
+                <a:tab pos="685800" algn="l"/>
+                <a:tab pos="1371600" algn="l"/>
+                <a:tab pos="2057400" algn="l"/>
+                <a:tab pos="2743200" algn="l"/>
+                <a:tab pos="3429000" algn="l"/>
+                <a:tab pos="4114800" algn="l"/>
+                <a:tab pos="4800600" algn="l"/>
+                <a:tab pos="5486400" algn="l"/>
+                <a:tab pos="6172200" algn="l"/>
+                <a:tab pos="6858000" algn="l"/>
+                <a:tab pos="7543800" algn="l"/>
+              </a:tabLst>
+              <a:defRPr/>
             </a:pPr>
             <a:endParaRPr lang="en-GB" altLang="ru-RU" sz="1200" dirty="0">
               <a:solidFill>
@@ -30576,7 +30916,7 @@
       </p:sp>
       <p:sp>
         <p:nvSpPr>
-          <p:cNvPr id="7" name="Line 8"/>
+          <p:cNvPr id="9" name="Line 8"/>
           <p:cNvSpPr>
             <a:spLocks noChangeShapeType="1"/>
           </p:cNvSpPr>
@@ -30584,8 +30924,8 @@
         </p:nvSpPr>
         <p:spPr bwMode="auto">
           <a:xfrm>
-            <a:off x="0" y="4891169"/>
-            <a:ext cx="8377334" cy="3087"/>
+            <a:off x="-1" y="4891676"/>
+            <a:ext cx="8377335" cy="1244"/>
           </a:xfrm>
           <a:prstGeom prst="line">
             <a:avLst/>
@@ -30611,180 +30951,21 @@
           <a:bodyPr lIns="68580" tIns="34290" rIns="68580" bIns="34290"/>
           <a:lstStyle/>
           <a:p>
-            <a:endParaRPr lang="ru-RU"/>
+            <a:pPr>
+              <a:defRPr/>
+            </a:pPr>
+            <a:endParaRPr lang="ru-RU">
+              <a:solidFill>
+                <a:prstClr val="black"/>
+              </a:solidFill>
+              <a:latin typeface="Calibri"/>
+            </a:endParaRPr>
           </a:p>
         </p:txBody>
       </p:sp>
       <p:sp>
         <p:nvSpPr>
-          <p:cNvPr id="8" name="Rectangle 28" descr="Светлый диагональный 2"/>
-          <p:cNvSpPr>
-            <a:spLocks noChangeArrowheads="1"/>
-          </p:cNvSpPr>
-          <p:nvPr/>
-        </p:nvSpPr>
-        <p:spPr bwMode="auto">
-          <a:xfrm>
-            <a:off x="0" y="17773"/>
-            <a:ext cx="9144000" cy="341250"/>
-          </a:xfrm>
-          <a:prstGeom prst="rect">
-            <a:avLst/>
-          </a:prstGeom>
-          <a:ln>
-            <a:noFill/>
-            <a:headEnd/>
-            <a:tailEnd/>
-          </a:ln>
-        </p:spPr>
-        <p:style>
-          <a:lnRef idx="2">
-            <a:schemeClr val="dk1"/>
-          </a:lnRef>
-          <a:fillRef idx="1">
-            <a:schemeClr val="lt1"/>
-          </a:fillRef>
-          <a:effectRef idx="0">
-            <a:schemeClr val="dk1"/>
-          </a:effectRef>
-          <a:fontRef idx="minor">
-            <a:schemeClr val="dk1"/>
-          </a:fontRef>
-        </p:style>
-        <p:txBody>
-          <a:bodyPr vert="horz" wrap="square" lIns="13500" tIns="13500" rIns="13500" bIns="13500" numCol="1" anchor="ctr" anchorCtr="0" compatLnSpc="1">
-            <a:prstTxWarp prst="textNoShape">
-              <a:avLst/>
-            </a:prstTxWarp>
-          </a:bodyPr>
-          <a:lstStyle/>
-          <a:p>
-            <a:pPr indent="133350" algn="ctr"/>
-            <a:r>
-              <a:rPr lang="ru-RU" sz="1200" dirty="0">
-                <a:solidFill>
-                  <a:srgbClr val="292929"/>
-                </a:solidFill>
-                <a:latin typeface="Times New Roman" panose="02020603050405020304" pitchFamily="18" charset="0"/>
-                <a:cs typeface="Times New Roman" panose="02020603050405020304" pitchFamily="18" charset="0"/>
-              </a:rPr>
-              <a:t>ВИЗУАЛИЗАЦИЯ РЕЗУЛЬТАТОВ МОДЕЛИРОВАНИЯ</a:t>
-            </a:r>
-            <a:endParaRPr lang="ru-RU" sz="1200" dirty="0">
-              <a:latin typeface="Bookman Old Style" panose="02050604050505020204" pitchFamily="18" charset="0"/>
-              <a:ea typeface="Calibri" panose="020F0502020204030204" pitchFamily="34" charset="0"/>
-              <a:cs typeface="Times New Roman" panose="02020603050405020304" pitchFamily="18" charset="0"/>
-            </a:endParaRPr>
-          </a:p>
-        </p:txBody>
-      </p:sp>
-      <p:sp>
-        <p:nvSpPr>
-          <p:cNvPr id="9" name="Line 8"/>
-          <p:cNvSpPr>
-            <a:spLocks noChangeShapeType="1"/>
-          </p:cNvSpPr>
-          <p:nvPr/>
-        </p:nvSpPr>
-        <p:spPr bwMode="auto">
-          <a:xfrm>
-            <a:off x="0" y="376796"/>
-            <a:ext cx="9144000" cy="0"/>
-          </a:xfrm>
-          <a:prstGeom prst="line">
-            <a:avLst/>
-          </a:prstGeom>
-          <a:noFill/>
-          <a:ln w="9525">
-            <a:solidFill>
-              <a:schemeClr val="tx1"/>
-            </a:solidFill>
-            <a:round/>
-            <a:headEnd/>
-            <a:tailEnd/>
-          </a:ln>
-          <a:extLst>
-            <a:ext uri="{909E8E84-426E-40DD-AFC4-6F175D3DCCD1}">
-              <a14:hiddenFill xmlns:a14="http://schemas.microsoft.com/office/drawing/2010/main">
-                <a:noFill/>
-              </a14:hiddenFill>
-            </a:ext>
-          </a:extLst>
-        </p:spPr>
-        <p:txBody>
-          <a:bodyPr lIns="68580" tIns="34290" rIns="68580" bIns="34290"/>
-          <a:lstStyle/>
-          <a:p>
-            <a:endParaRPr lang="ru-RU"/>
-          </a:p>
-        </p:txBody>
-      </p:sp>
-      <p:sp>
-        <p:nvSpPr>
-          <p:cNvPr id="2" name="Rectangle 2"/>
-          <p:cNvSpPr>
-            <a:spLocks noChangeArrowheads="1"/>
-          </p:cNvSpPr>
-          <p:nvPr/>
-        </p:nvSpPr>
-        <p:spPr bwMode="auto">
-          <a:xfrm>
-            <a:off x="0" y="-142346"/>
-            <a:ext cx="138564" cy="284693"/>
-          </a:xfrm>
-          <a:prstGeom prst="rect">
-            <a:avLst/>
-          </a:prstGeom>
-          <a:noFill/>
-          <a:ln>
-            <a:noFill/>
-          </a:ln>
-          <a:effectLst/>
-          <a:extLst>
-            <a:ext uri="{909E8E84-426E-40DD-AFC4-6F175D3DCCD1}">
-              <a14:hiddenFill xmlns:a14="http://schemas.microsoft.com/office/drawing/2010/main">
-                <a:solidFill>
-                  <a:schemeClr val="accent1"/>
-                </a:solidFill>
-              </a14:hiddenFill>
-            </a:ext>
-            <a:ext uri="{91240B29-F687-4F45-9708-019B960494DF}">
-              <a14:hiddenLine xmlns:a14="http://schemas.microsoft.com/office/drawing/2010/main" w="9525">
-                <a:solidFill>
-                  <a:schemeClr val="tx1"/>
-                </a:solidFill>
-                <a:miter lim="800000"/>
-                <a:headEnd/>
-                <a:tailEnd/>
-              </a14:hiddenLine>
-            </a:ext>
-            <a:ext uri="{AF507438-7753-43E0-B8FC-AC1667EBCBE1}">
-              <a14:hiddenEffects xmlns:a14="http://schemas.microsoft.com/office/drawing/2010/main">
-                <a:effectLst>
-                  <a:outerShdw dist="35921" dir="2700000" algn="ctr" rotWithShape="0">
-                    <a:schemeClr val="bg2"/>
-                  </a:outerShdw>
-                </a:effectLst>
-              </a14:hiddenEffects>
-            </a:ext>
-          </a:extLst>
-        </p:spPr>
-        <p:txBody>
-          <a:bodyPr vert="horz" wrap="none" lIns="68580" tIns="34290" rIns="68580" bIns="34290" numCol="1" anchor="ctr" anchorCtr="0" compatLnSpc="1">
-            <a:prstTxWarp prst="textNoShape">
-              <a:avLst/>
-            </a:prstTxWarp>
-            <a:spAutoFit/>
-          </a:bodyPr>
-          <a:lstStyle/>
-          <a:p>
-            <a:endParaRPr lang="ru-RU"/>
-          </a:p>
-        </p:txBody>
-      </p:sp>
-      <p:sp>
-        <p:nvSpPr>
-          <p:cNvPr id="14" name="Номер слайда 2"/>
+          <p:cNvPr id="11" name="Номер слайда 2"/>
           <p:cNvSpPr>
             <a:spLocks noGrp="1"/>
           </p:cNvSpPr>
@@ -30804,7 +30985,7 @@
           <a:p>
             <a:pPr algn="ctr"/>
             <a:r>
-              <a:rPr lang="ru-RU" sz="1200" dirty="0">
+              <a:rPr lang="ru-RU" sz="1200" dirty="0" smtClean="0">
                 <a:solidFill>
                   <a:schemeClr val="tx1"/>
                 </a:solidFill>
@@ -30813,327 +30994,235 @@
               </a:rPr>
               <a:t>20/20</a:t>
             </a:r>
+            <a:endParaRPr lang="ru-RU" sz="1200" dirty="0" smtClean="0">
+              <a:solidFill>
+                <a:schemeClr val="tx1"/>
+              </a:solidFill>
+              <a:latin typeface="Bookman Old Style" panose="02050604050505020204" pitchFamily="18" charset="0"/>
+              <a:cs typeface="Times New Roman" panose="02020603050405020304" pitchFamily="18" charset="0"/>
+            </a:endParaRPr>
           </a:p>
         </p:txBody>
       </p:sp>
       <p:sp>
         <p:nvSpPr>
-          <p:cNvPr id="29" name="Rectangle 134"/>
-          <p:cNvSpPr>
-            <a:spLocks noChangeArrowheads="1"/>
-          </p:cNvSpPr>
+          <p:cNvPr id="17" name="Прямоугольник 16"/>
+          <p:cNvSpPr/>
           <p:nvPr/>
         </p:nvSpPr>
-        <p:spPr bwMode="auto">
+        <p:spPr>
           <a:xfrm>
-            <a:off x="0" y="0"/>
-            <a:ext cx="9144000" cy="0"/>
+            <a:off x="-1" y="391699"/>
+            <a:ext cx="9139335" cy="4801314"/>
           </a:xfrm>
           <a:prstGeom prst="rect">
             <a:avLst/>
           </a:prstGeom>
-          <a:noFill/>
-          <a:ln>
-            <a:noFill/>
-          </a:ln>
-          <a:effectLst/>
-          <a:extLst>
-            <a:ext uri="{909E8E84-426E-40DD-AFC4-6F175D3DCCD1}">
-              <a14:hiddenFill xmlns:a14="http://schemas.microsoft.com/office/drawing/2010/main">
-                <a:solidFill>
-                  <a:schemeClr val="accent1"/>
-                </a:solidFill>
-              </a14:hiddenFill>
-            </a:ext>
-            <a:ext uri="{91240B29-F687-4F45-9708-019B960494DF}">
-              <a14:hiddenLine xmlns:a14="http://schemas.microsoft.com/office/drawing/2010/main" w="9525">
-                <a:solidFill>
-                  <a:schemeClr val="tx1"/>
-                </a:solidFill>
-                <a:miter lim="800000"/>
-                <a:headEnd/>
-                <a:tailEnd/>
-              </a14:hiddenLine>
-            </a:ext>
-            <a:ext uri="{AF507438-7753-43E0-B8FC-AC1667EBCBE1}">
-              <a14:hiddenEffects xmlns:a14="http://schemas.microsoft.com/office/drawing/2010/main">
-                <a:effectLst>
-                  <a:outerShdw dist="35921" dir="2700000" algn="ctr" rotWithShape="0">
-                    <a:schemeClr val="bg2"/>
-                  </a:outerShdw>
-                </a:effectLst>
-              </a14:hiddenEffects>
-            </a:ext>
-          </a:extLst>
         </p:spPr>
         <p:txBody>
-          <a:bodyPr vert="horz" wrap="none" lIns="91440" tIns="45720" rIns="91440" bIns="45720" numCol="1" anchor="ctr" anchorCtr="0" compatLnSpc="1">
-            <a:prstTxWarp prst="textNoShape">
-              <a:avLst/>
-            </a:prstTxWarp>
+          <a:bodyPr wrap="square">
             <a:spAutoFit/>
           </a:bodyPr>
           <a:lstStyle/>
           <a:p>
-            <a:endParaRPr lang="ru-RU"/>
+            <a:pPr algn="just">
+              <a:spcAft>
+                <a:spcPts val="600"/>
+              </a:spcAft>
+            </a:pPr>
+            <a:r>
+              <a:rPr lang="ru-RU" sz="1100" dirty="0" smtClean="0">
+                <a:latin typeface="Times New Roman" pitchFamily="18" charset="0"/>
+                <a:cs typeface="Times New Roman" pitchFamily="18" charset="0"/>
+              </a:rPr>
+              <a:t>1. </a:t>
+            </a:r>
+            <a:r>
+              <a:rPr lang="ru-RU" sz="1100" dirty="0" smtClean="0">
+                <a:latin typeface="Times New Roman" pitchFamily="18" charset="0"/>
+                <a:cs typeface="Times New Roman" pitchFamily="18" charset="0"/>
+              </a:rPr>
+              <a:t>Сформулированы математические модели внутри- и внешнебаллистических процессов активно-реактивного снаряда:</a:t>
+            </a:r>
+          </a:p>
+          <a:p>
+            <a:pPr algn="just">
+              <a:spcAft>
+                <a:spcPts val="600"/>
+              </a:spcAft>
+            </a:pPr>
+            <a:r>
+              <a:rPr lang="ru-RU" sz="1100" dirty="0" smtClean="0">
+                <a:latin typeface="Times New Roman" pitchFamily="18" charset="0"/>
+                <a:cs typeface="Times New Roman" pitchFamily="18" charset="0"/>
+              </a:rPr>
+              <a:t>модель </a:t>
+            </a:r>
+            <a:r>
+              <a:rPr lang="ru-RU" sz="1100" dirty="0">
+                <a:latin typeface="Times New Roman" pitchFamily="18" charset="0"/>
+                <a:cs typeface="Times New Roman" pitchFamily="18" charset="0"/>
+              </a:rPr>
+              <a:t>внутренней баллистики в стволе орудия, модель внутренней баллистики РДТТ, </a:t>
+            </a:r>
+            <a:r>
+              <a:rPr lang="ru-RU" sz="1100" dirty="0" smtClean="0">
+                <a:latin typeface="Times New Roman" pitchFamily="18" charset="0"/>
+                <a:cs typeface="Times New Roman" pitchFamily="18" charset="0"/>
+              </a:rPr>
+              <a:t>модель </a:t>
+            </a:r>
+            <a:r>
+              <a:rPr lang="ru-RU" sz="1100" dirty="0" smtClean="0">
+                <a:latin typeface="Times New Roman" pitchFamily="18" charset="0"/>
+                <a:cs typeface="Times New Roman" pitchFamily="18" charset="0"/>
+              </a:rPr>
+              <a:t>внешней баллистики активно-реактивного снаряда, модель аэродинамики обтекания снаряда.</a:t>
+            </a:r>
+            <a:endParaRPr lang="ru-RU" sz="1100" dirty="0">
+              <a:latin typeface="Times New Roman" pitchFamily="18" charset="0"/>
+              <a:cs typeface="Times New Roman" pitchFamily="18" charset="0"/>
+            </a:endParaRPr>
+          </a:p>
+          <a:p>
+            <a:pPr algn="just">
+              <a:spcAft>
+                <a:spcPts val="600"/>
+              </a:spcAft>
+            </a:pPr>
+            <a:r>
+              <a:rPr lang="ru-RU" sz="1100" dirty="0" smtClean="0">
+                <a:latin typeface="Times New Roman" pitchFamily="18" charset="0"/>
+                <a:cs typeface="Times New Roman" pitchFamily="18" charset="0"/>
+              </a:rPr>
+              <a:t>2</a:t>
+            </a:r>
+            <a:r>
+              <a:rPr lang="ru-RU" sz="1100" dirty="0" smtClean="0">
+                <a:latin typeface="Times New Roman" pitchFamily="18" charset="0"/>
+                <a:cs typeface="Times New Roman" pitchFamily="18" charset="0"/>
+              </a:rPr>
+              <a:t>. Сформулированы задачи оптимизации:</a:t>
+            </a:r>
+          </a:p>
+          <a:p>
+            <a:pPr algn="just">
+              <a:spcAft>
+                <a:spcPts val="600"/>
+              </a:spcAft>
+            </a:pPr>
+            <a:r>
+              <a:rPr lang="ru-RU" sz="1100" dirty="0" smtClean="0">
+                <a:latin typeface="Times New Roman" pitchFamily="18" charset="0"/>
+                <a:cs typeface="Times New Roman" pitchFamily="18" charset="0"/>
+              </a:rPr>
+              <a:t>задача оптимизации аэродинамической формы снаряда, задача оптимизации баллистических характеристик снаряда.</a:t>
+            </a:r>
+          </a:p>
+          <a:p>
+            <a:pPr algn="just">
+              <a:spcAft>
+                <a:spcPts val="600"/>
+              </a:spcAft>
+            </a:pPr>
+            <a:r>
+              <a:rPr lang="ru-RU" sz="1100" dirty="0" smtClean="0">
+                <a:latin typeface="Times New Roman" pitchFamily="18" charset="0"/>
+                <a:cs typeface="Times New Roman" pitchFamily="18" charset="0"/>
+              </a:rPr>
+              <a:t>3. Создан программный комплекс для решения задачи оптимизации параметров внутренней и внешней баллистики активно-реактивного снаряда.</a:t>
+            </a:r>
+          </a:p>
+          <a:p>
+            <a:pPr algn="just">
+              <a:spcAft>
+                <a:spcPts val="600"/>
+              </a:spcAft>
+            </a:pPr>
+            <a:r>
+              <a:rPr lang="ru-RU" sz="1100" dirty="0" smtClean="0">
+                <a:latin typeface="Times New Roman" pitchFamily="18" charset="0"/>
+                <a:cs typeface="Times New Roman" pitchFamily="18" charset="0"/>
+              </a:rPr>
+              <a:t>4. Апробация работы за 2023 год, в том числе 1 патент на ЭВМ, 2 публикации в материалах конференций, 2 выступления с докладом на конференциях всероссийского уровня:</a:t>
+            </a:r>
+          </a:p>
+          <a:p>
+            <a:pPr algn="just">
+              <a:spcAft>
+                <a:spcPts val="600"/>
+              </a:spcAft>
+            </a:pPr>
+            <a:r>
+              <a:rPr lang="ru-RU" sz="1100" dirty="0" smtClean="0">
+                <a:latin typeface="Times New Roman" pitchFamily="18" charset="0"/>
+                <a:cs typeface="Times New Roman" pitchFamily="18" charset="0"/>
+              </a:rPr>
+              <a:t>1. Диплом за лучший доклад «Методика баллистического проектирования активно-реактивного снаряда», 20- я Всероссийская научно-техническая конференция. – Нижний Тагил: Нижнетагильский технологический институт (филиал) федерального государственного автономного образовательного учреждения высшего образования "Уральский федеральный университет имени первого Президента России Б.Н. Ельцина", 28–31 сентября 2023 г.</a:t>
+            </a:r>
+          </a:p>
+          <a:p>
+            <a:pPr algn="just">
+              <a:spcAft>
+                <a:spcPts val="600"/>
+              </a:spcAft>
+            </a:pPr>
+            <a:r>
+              <a:rPr lang="ru-RU" sz="1100" dirty="0" smtClean="0">
+                <a:latin typeface="Times New Roman" pitchFamily="18" charset="0"/>
+                <a:cs typeface="Times New Roman" pitchFamily="18" charset="0"/>
+              </a:rPr>
+              <a:t>2. Диплом за лучший доклад представленный на XII всероссийской научной конференции «Фундаментальные и прикладные проблемы современной механики». Секция 2 «Внутренняя и внешняя баллистика», Томский Государственный Университет, 20-22 сентября 2023 г.</a:t>
+            </a:r>
+          </a:p>
+          <a:p>
+            <a:pPr algn="just">
+              <a:spcAft>
+                <a:spcPts val="600"/>
+              </a:spcAft>
+            </a:pPr>
+            <a:r>
+              <a:rPr lang="ru-RU" sz="1100" dirty="0" smtClean="0">
+                <a:latin typeface="Times New Roman" pitchFamily="18" charset="0"/>
+                <a:cs typeface="Times New Roman" pitchFamily="18" charset="0"/>
+              </a:rPr>
+              <a:t>3. Мансуров, Р. Р. Повышение дальности стрельбы активно-реактивным снарядом на основе математического моделирования и комплексной оптимизации / Р. Р. Мансуров // II Липановские научные чтения: материалы Всероссийской школы-семинара молодых ученых и студентов, Ижевск, 14–16 июня 2023 года. – Ижевск: Ижевский государственный технический университет имени М.Т. Калашникова, 2023. – С. 71-80.</a:t>
+            </a:r>
+          </a:p>
+          <a:p>
+            <a:pPr algn="just">
+              <a:spcAft>
+                <a:spcPts val="600"/>
+              </a:spcAft>
+            </a:pPr>
+            <a:r>
+              <a:rPr lang="ru-RU" sz="1100" dirty="0" smtClean="0">
+                <a:latin typeface="Times New Roman" pitchFamily="18" charset="0"/>
+                <a:cs typeface="Times New Roman" pitchFamily="18" charset="0"/>
+              </a:rPr>
+              <a:t>4. Королев, С. А. Исследование пределов повышения дальности стрельбы активно-реактивным снарядом / С. А. Королев, Р. Р. Мансуров // Проектирование систем вооружения и измерительных комплексов: Труды 19- й Всероссийской научно-технической конференции, Нижний Тагил, 29–30 сентября 2022 года. – Нижний Тагил: Нижнетагильский технологический институт (филиал) федерального государственного автономного образовательного учреждения высшего образования "Уральский федеральный университет имени первого Президента России Б.Н. Ельцина", 2023. – С. 159-170.</a:t>
+            </a:r>
+            <a:endParaRPr lang="ru-RU" dirty="0" smtClean="0">
+              <a:latin typeface="Times New Roman" panose="02020603050405020304" pitchFamily="18" charset="0"/>
+              <a:cs typeface="Times New Roman" panose="02020603050405020304" pitchFamily="18" charset="0"/>
+            </a:endParaRPr>
+          </a:p>
+          <a:p>
+            <a:pPr algn="just">
+              <a:spcAft>
+                <a:spcPts val="600"/>
+              </a:spcAft>
+            </a:pPr>
+            <a:endParaRPr lang="ru-RU" dirty="0">
+              <a:latin typeface="Times New Roman" pitchFamily="18" charset="0"/>
+              <a:cs typeface="Times New Roman" pitchFamily="18" charset="0"/>
+            </a:endParaRPr>
           </a:p>
         </p:txBody>
       </p:sp>
       <p:sp>
         <p:nvSpPr>
-          <p:cNvPr id="31" name="Rectangle 136"/>
-          <p:cNvSpPr>
-            <a:spLocks noChangeArrowheads="1"/>
-          </p:cNvSpPr>
-          <p:nvPr/>
-        </p:nvSpPr>
-        <p:spPr bwMode="auto">
-          <a:xfrm>
-            <a:off x="0" y="0"/>
-            <a:ext cx="9144000" cy="0"/>
-          </a:xfrm>
-          <a:prstGeom prst="rect">
-            <a:avLst/>
-          </a:prstGeom>
-          <a:noFill/>
-          <a:ln>
-            <a:noFill/>
-          </a:ln>
-          <a:effectLst/>
-          <a:extLst>
-            <a:ext uri="{909E8E84-426E-40DD-AFC4-6F175D3DCCD1}">
-              <a14:hiddenFill xmlns:a14="http://schemas.microsoft.com/office/drawing/2010/main">
-                <a:solidFill>
-                  <a:schemeClr val="accent1"/>
-                </a:solidFill>
-              </a14:hiddenFill>
-            </a:ext>
-            <a:ext uri="{91240B29-F687-4F45-9708-019B960494DF}">
-              <a14:hiddenLine xmlns:a14="http://schemas.microsoft.com/office/drawing/2010/main" w="9525">
-                <a:solidFill>
-                  <a:schemeClr val="tx1"/>
-                </a:solidFill>
-                <a:miter lim="800000"/>
-                <a:headEnd/>
-                <a:tailEnd/>
-              </a14:hiddenLine>
-            </a:ext>
-            <a:ext uri="{AF507438-7753-43E0-B8FC-AC1667EBCBE1}">
-              <a14:hiddenEffects xmlns:a14="http://schemas.microsoft.com/office/drawing/2010/main">
-                <a:effectLst>
-                  <a:outerShdw dist="35921" dir="2700000" algn="ctr" rotWithShape="0">
-                    <a:schemeClr val="bg2"/>
-                  </a:outerShdw>
-                </a:effectLst>
-              </a14:hiddenEffects>
-            </a:ext>
-          </a:extLst>
-        </p:spPr>
-        <p:txBody>
-          <a:bodyPr vert="horz" wrap="none" lIns="91440" tIns="45720" rIns="91440" bIns="45720" numCol="1" anchor="ctr" anchorCtr="0" compatLnSpc="1">
-            <a:prstTxWarp prst="textNoShape">
-              <a:avLst/>
-            </a:prstTxWarp>
-            <a:spAutoFit/>
-          </a:bodyPr>
-          <a:lstStyle/>
-          <a:p>
-            <a:endParaRPr lang="ru-RU"/>
-          </a:p>
-        </p:txBody>
-      </p:sp>
-      <p:sp>
-        <p:nvSpPr>
-          <p:cNvPr id="33" name="Rectangle 138"/>
-          <p:cNvSpPr>
-            <a:spLocks noChangeArrowheads="1"/>
-          </p:cNvSpPr>
-          <p:nvPr/>
-        </p:nvSpPr>
-        <p:spPr bwMode="auto">
-          <a:xfrm>
-            <a:off x="0" y="0"/>
-            <a:ext cx="9144000" cy="0"/>
-          </a:xfrm>
-          <a:prstGeom prst="rect">
-            <a:avLst/>
-          </a:prstGeom>
-          <a:noFill/>
-          <a:ln>
-            <a:noFill/>
-          </a:ln>
-          <a:effectLst/>
-          <a:extLst>
-            <a:ext uri="{909E8E84-426E-40DD-AFC4-6F175D3DCCD1}">
-              <a14:hiddenFill xmlns:a14="http://schemas.microsoft.com/office/drawing/2010/main">
-                <a:solidFill>
-                  <a:schemeClr val="accent1"/>
-                </a:solidFill>
-              </a14:hiddenFill>
-            </a:ext>
-            <a:ext uri="{91240B29-F687-4F45-9708-019B960494DF}">
-              <a14:hiddenLine xmlns:a14="http://schemas.microsoft.com/office/drawing/2010/main" w="9525">
-                <a:solidFill>
-                  <a:schemeClr val="tx1"/>
-                </a:solidFill>
-                <a:miter lim="800000"/>
-                <a:headEnd/>
-                <a:tailEnd/>
-              </a14:hiddenLine>
-            </a:ext>
-            <a:ext uri="{AF507438-7753-43E0-B8FC-AC1667EBCBE1}">
-              <a14:hiddenEffects xmlns:a14="http://schemas.microsoft.com/office/drawing/2010/main">
-                <a:effectLst>
-                  <a:outerShdw dist="35921" dir="2700000" algn="ctr" rotWithShape="0">
-                    <a:schemeClr val="bg2"/>
-                  </a:outerShdw>
-                </a:effectLst>
-              </a14:hiddenEffects>
-            </a:ext>
-          </a:extLst>
-        </p:spPr>
-        <p:txBody>
-          <a:bodyPr vert="horz" wrap="none" lIns="91440" tIns="45720" rIns="91440" bIns="45720" numCol="1" anchor="ctr" anchorCtr="0" compatLnSpc="1">
-            <a:prstTxWarp prst="textNoShape">
-              <a:avLst/>
-            </a:prstTxWarp>
-            <a:spAutoFit/>
-          </a:bodyPr>
-          <a:lstStyle/>
-          <a:p>
-            <a:endParaRPr lang="ru-RU"/>
-          </a:p>
-        </p:txBody>
-      </p:sp>
-      <p:sp>
-        <p:nvSpPr>
-          <p:cNvPr id="48" name="Rectangle 149"/>
-          <p:cNvSpPr>
-            <a:spLocks noChangeArrowheads="1"/>
-          </p:cNvSpPr>
-          <p:nvPr/>
-        </p:nvSpPr>
-        <p:spPr bwMode="auto">
-          <a:xfrm>
-            <a:off x="0" y="0"/>
-            <a:ext cx="9144000" cy="0"/>
-          </a:xfrm>
-          <a:prstGeom prst="rect">
-            <a:avLst/>
-          </a:prstGeom>
-          <a:noFill/>
-          <a:ln>
-            <a:noFill/>
-          </a:ln>
-          <a:effectLst/>
-          <a:extLst>
-            <a:ext uri="{909E8E84-426E-40DD-AFC4-6F175D3DCCD1}">
-              <a14:hiddenFill xmlns:a14="http://schemas.microsoft.com/office/drawing/2010/main">
-                <a:solidFill>
-                  <a:schemeClr val="accent1"/>
-                </a:solidFill>
-              </a14:hiddenFill>
-            </a:ext>
-            <a:ext uri="{91240B29-F687-4F45-9708-019B960494DF}">
-              <a14:hiddenLine xmlns:a14="http://schemas.microsoft.com/office/drawing/2010/main" w="9525">
-                <a:solidFill>
-                  <a:schemeClr val="tx1"/>
-                </a:solidFill>
-                <a:miter lim="800000"/>
-                <a:headEnd/>
-                <a:tailEnd/>
-              </a14:hiddenLine>
-            </a:ext>
-            <a:ext uri="{AF507438-7753-43E0-B8FC-AC1667EBCBE1}">
-              <a14:hiddenEffects xmlns:a14="http://schemas.microsoft.com/office/drawing/2010/main">
-                <a:effectLst>
-                  <a:outerShdw dist="35921" dir="2700000" algn="ctr" rotWithShape="0">
-                    <a:schemeClr val="bg2"/>
-                  </a:outerShdw>
-                </a:effectLst>
-              </a14:hiddenEffects>
-            </a:ext>
-          </a:extLst>
-        </p:spPr>
-        <p:txBody>
-          <a:bodyPr vert="horz" wrap="none" lIns="91440" tIns="45720" rIns="91440" bIns="45720" numCol="1" anchor="ctr" anchorCtr="0" compatLnSpc="1">
-            <a:prstTxWarp prst="textNoShape">
-              <a:avLst/>
-            </a:prstTxWarp>
-            <a:spAutoFit/>
-          </a:bodyPr>
-          <a:lstStyle/>
-          <a:p>
-            <a:endParaRPr lang="ru-RU"/>
-          </a:p>
-        </p:txBody>
-      </p:sp>
-      <p:sp>
-        <p:nvSpPr>
-          <p:cNvPr id="59" name="Rectangle 164"/>
-          <p:cNvSpPr>
-            <a:spLocks noChangeArrowheads="1"/>
-          </p:cNvSpPr>
-          <p:nvPr/>
-        </p:nvSpPr>
-        <p:spPr bwMode="auto">
-          <a:xfrm>
-            <a:off x="4749800" y="947982"/>
-            <a:ext cx="9144000" cy="0"/>
-          </a:xfrm>
-          <a:prstGeom prst="rect">
-            <a:avLst/>
-          </a:prstGeom>
-          <a:noFill/>
-          <a:ln>
-            <a:noFill/>
-          </a:ln>
-          <a:effectLst/>
-          <a:extLst>
-            <a:ext uri="{909E8E84-426E-40DD-AFC4-6F175D3DCCD1}">
-              <a14:hiddenFill xmlns:a14="http://schemas.microsoft.com/office/drawing/2010/main">
-                <a:solidFill>
-                  <a:schemeClr val="accent1"/>
-                </a:solidFill>
-              </a14:hiddenFill>
-            </a:ext>
-            <a:ext uri="{91240B29-F687-4F45-9708-019B960494DF}">
-              <a14:hiddenLine xmlns:a14="http://schemas.microsoft.com/office/drawing/2010/main" w="9525">
-                <a:solidFill>
-                  <a:schemeClr val="tx1"/>
-                </a:solidFill>
-                <a:miter lim="800000"/>
-                <a:headEnd/>
-                <a:tailEnd/>
-              </a14:hiddenLine>
-            </a:ext>
-            <a:ext uri="{AF507438-7753-43E0-B8FC-AC1667EBCBE1}">
-              <a14:hiddenEffects xmlns:a14="http://schemas.microsoft.com/office/drawing/2010/main">
-                <a:effectLst>
-                  <a:outerShdw dist="35921" dir="2700000" algn="ctr" rotWithShape="0">
-                    <a:schemeClr val="bg2"/>
-                  </a:outerShdw>
-                </a:effectLst>
-              </a14:hiddenEffects>
-            </a:ext>
-          </a:extLst>
-        </p:spPr>
-        <p:txBody>
-          <a:bodyPr vert="horz" wrap="none" lIns="91440" tIns="45720" rIns="91440" bIns="45720" numCol="1" anchor="ctr" anchorCtr="0" compatLnSpc="1">
-            <a:prstTxWarp prst="textNoShape">
-              <a:avLst/>
-            </a:prstTxWarp>
-            <a:spAutoFit/>
-          </a:bodyPr>
-          <a:lstStyle/>
-          <a:p>
-            <a:endParaRPr lang="ru-RU"/>
-          </a:p>
-        </p:txBody>
-      </p:sp>
-      <p:sp>
-        <p:nvSpPr>
-          <p:cNvPr id="53" name="Rectangle 7"/>
+          <p:cNvPr id="12" name="Rectangle 7"/>
           <p:cNvSpPr>
             <a:spLocks noChangeArrowheads="1"/>
           </p:cNvSpPr>
@@ -31280,112 +31369,21 @@
               </a:spcAft>
             </a:pPr>
             <a:r>
-              <a:rPr lang="ru-RU" sz="1200" dirty="0">
+              <a:rPr lang="ru-RU" sz="1200" dirty="0" smtClean="0">
                 <a:solidFill>
                   <a:schemeClr val="tx1"/>
                 </a:solidFill>
                 <a:latin typeface="Bookman Old Style" panose="02050604050505020204" pitchFamily="18" charset="0"/>
                 <a:cs typeface="Times New Roman" panose="02020603050405020304" pitchFamily="18" charset="0"/>
               </a:rPr>
-              <a:t>«Решение задачи повышения дальности и точности стрельбы активно-реактивным снарядом...»</a:t>
-            </a:r>
-          </a:p>
-        </p:txBody>
-      </p:sp>
-      <p:pic>
-        <p:nvPicPr>
-          <p:cNvPr id="3" name="Рисунок 2">
-            <a:extLst>
-              <a:ext uri="{FF2B5EF4-FFF2-40B4-BE49-F238E27FC236}">
-                <a16:creationId xmlns:a16="http://schemas.microsoft.com/office/drawing/2014/main" id="{DC20C8E2-A3C9-4A7E-98EB-5D2514E6AF50}"/>
-              </a:ext>
-            </a:extLst>
-          </p:cNvPr>
-          <p:cNvPicPr>
-            <a:picLocks noChangeAspect="1"/>
-          </p:cNvPicPr>
-          <p:nvPr/>
-        </p:nvPicPr>
-        <p:blipFill>
-          <a:blip r:embed="rId2"/>
-          <a:stretch>
-            <a:fillRect/>
-          </a:stretch>
-        </p:blipFill>
-        <p:spPr>
-          <a:xfrm>
-            <a:off x="885427" y="466240"/>
-            <a:ext cx="7017548" cy="3834384"/>
-          </a:xfrm>
-          <a:prstGeom prst="rect">
-            <a:avLst/>
-          </a:prstGeom>
-        </p:spPr>
-      </p:pic>
-      <p:sp>
-        <p:nvSpPr>
-          <p:cNvPr id="16" name="Прямоугольник 15">
-            <a:extLst>
-              <a:ext uri="{FF2B5EF4-FFF2-40B4-BE49-F238E27FC236}">
-                <a16:creationId xmlns:a16="http://schemas.microsoft.com/office/drawing/2014/main" id="{B1017C4B-31EF-4CB6-9093-8CCBA655847D}"/>
-              </a:ext>
-            </a:extLst>
-          </p:cNvPr>
-          <p:cNvSpPr/>
-          <p:nvPr/>
-        </p:nvSpPr>
-        <p:spPr>
-          <a:xfrm>
-            <a:off x="2949606" y="4318398"/>
-            <a:ext cx="3244799" cy="261610"/>
-          </a:xfrm>
-          <a:prstGeom prst="rect">
-            <a:avLst/>
-          </a:prstGeom>
-        </p:spPr>
-        <p:txBody>
-          <a:bodyPr wrap="none">
-            <a:spAutoFit/>
-          </a:bodyPr>
-          <a:lstStyle/>
-          <a:p>
-            <a:pPr algn="ctr">
-              <a:spcAft>
-                <a:spcPts val="0"/>
-              </a:spcAft>
-            </a:pPr>
-            <a:r>
-              <a:rPr lang="ru-RU" sz="1100" dirty="0">
-                <a:latin typeface="Times New Roman" panose="02020603050405020304" pitchFamily="18" charset="0"/>
-                <a:ea typeface="Times New Roman" panose="02020603050405020304" pitchFamily="18" charset="0"/>
-              </a:rPr>
-              <a:t>Рисунок  12</a:t>
-            </a:r>
-            <a:r>
-              <a:rPr lang="en-US" sz="1100" dirty="0">
-                <a:latin typeface="Times New Roman" panose="02020603050405020304" pitchFamily="18" charset="0"/>
-                <a:ea typeface="Times New Roman" panose="02020603050405020304" pitchFamily="18" charset="0"/>
-              </a:rPr>
-              <a:t> </a:t>
-            </a:r>
-            <a:r>
-              <a:rPr lang="ru-RU" sz="1100" dirty="0">
-                <a:latin typeface="Times New Roman" pitchFamily="18" charset="0"/>
-                <a:cs typeface="Times New Roman" pitchFamily="18" charset="0"/>
-              </a:rPr>
-              <a:t>–</a:t>
-            </a:r>
-            <a:r>
-              <a:rPr lang="ru-RU" sz="1100" dirty="0">
-                <a:latin typeface="Times New Roman" panose="02020603050405020304" pitchFamily="18" charset="0"/>
-                <a:ea typeface="Times New Roman" panose="02020603050405020304" pitchFamily="18" charset="0"/>
-              </a:rPr>
-              <a:t> Результаты расчетов в виде таблицы</a:t>
-            </a:r>
-            <a:endParaRPr lang="ru-RU" sz="1100" dirty="0">
-              <a:effectLst/>
-              <a:latin typeface="Times New Roman" panose="02020603050405020304" pitchFamily="18" charset="0"/>
-              <a:ea typeface="Times New Roman" panose="02020603050405020304" pitchFamily="18" charset="0"/>
+              <a:t>«Методика баллистического проектирования активно-реактивного снаряда»</a:t>
+            </a:r>
+            <a:endParaRPr lang="ru-RU" sz="1200" dirty="0">
+              <a:solidFill>
+                <a:schemeClr val="tx1"/>
+              </a:solidFill>
+              <a:latin typeface="Bookman Old Style" panose="02050604050505020204" pitchFamily="18" charset="0"/>
+              <a:cs typeface="Times New Roman" panose="02020603050405020304" pitchFamily="18" charset="0"/>
             </a:endParaRPr>
           </a:p>
         </p:txBody>
@@ -31393,13 +31391,20 @@
     </p:spTree>
     <p:extLst>
       <p:ext uri="{BB962C8B-B14F-4D97-AF65-F5344CB8AC3E}">
-        <p14:creationId xmlns:p14="http://schemas.microsoft.com/office/powerpoint/2010/main" val="2166552734"/>
+        <p14:creationId xmlns:p14="http://schemas.microsoft.com/office/powerpoint/2010/main" val="786770854"/>
       </p:ext>
     </p:extLst>
   </p:cSld>
   <p:clrMapOvr>
     <a:masterClrMapping/>
   </p:clrMapOvr>
+  <p:timing>
+    <p:tnLst>
+      <p:par>
+        <p:cTn id="1" dur="indefinite" restart="never" nodeType="tmRoot"/>
+      </p:par>
+    </p:tnLst>
+  </p:timing>
 </p:sld>
 </file>
 
@@ -32353,6 +32358,13 @@
   <p:clrMapOvr>
     <a:masterClrMapping/>
   </p:clrMapOvr>
+  <p:timing>
+    <p:tnLst>
+      <p:par>
+        <p:cTn id="1" dur="indefinite" restart="never" nodeType="tmRoot"/>
+      </p:par>
+    </p:tnLst>
+  </p:timing>
 </p:sld>
 </file>
 
@@ -33041,7 +33053,7 @@
           <p:cNvPr id="33" name="TextBox 32">
             <a:extLst>
               <a:ext uri="{FF2B5EF4-FFF2-40B4-BE49-F238E27FC236}">
-                <a16:creationId xmlns:a16="http://schemas.microsoft.com/office/drawing/2014/main" id="{042C5044-EDCD-4C9F-8165-3CC21DD5B489}"/>
+                <a16:creationId xmlns="" xmlns:a16="http://schemas.microsoft.com/office/drawing/2014/main" id="{042C5044-EDCD-4C9F-8165-3CC21DD5B489}"/>
               </a:ext>
             </a:extLst>
           </p:cNvPr>
@@ -33396,7 +33408,7 @@
           <p:cNvPr id="35" name="TextBox 34">
             <a:extLst>
               <a:ext uri="{FF2B5EF4-FFF2-40B4-BE49-F238E27FC236}">
-                <a16:creationId xmlns:a16="http://schemas.microsoft.com/office/drawing/2014/main" id="{7C3383FF-0142-4918-99B6-C11C02CCE683}"/>
+                <a16:creationId xmlns="" xmlns:a16="http://schemas.microsoft.com/office/drawing/2014/main" id="{7C3383FF-0142-4918-99B6-C11C02CCE683}"/>
               </a:ext>
             </a:extLst>
           </p:cNvPr>
@@ -33653,7 +33665,7 @@
           <p:cNvPr id="37" name="TextBox 36">
             <a:extLst>
               <a:ext uri="{FF2B5EF4-FFF2-40B4-BE49-F238E27FC236}">
-                <a16:creationId xmlns:a16="http://schemas.microsoft.com/office/drawing/2014/main" id="{09A6509C-8C23-4C09-A330-51FC6BD92A52}"/>
+                <a16:creationId xmlns="" xmlns:a16="http://schemas.microsoft.com/office/drawing/2014/main" id="{09A6509C-8C23-4C09-A330-51FC6BD92A52}"/>
               </a:ext>
             </a:extLst>
           </p:cNvPr>
@@ -33709,6 +33721,13 @@
   <p:clrMapOvr>
     <a:masterClrMapping/>
   </p:clrMapOvr>
+  <p:timing>
+    <p:tnLst>
+      <p:par>
+        <p:cTn id="1" dur="indefinite" restart="never" nodeType="tmRoot"/>
+      </p:par>
+    </p:tnLst>
+  </p:timing>
 </p:sld>
 </file>
 
@@ -35478,6 +35497,13 @@
   <p:clrMapOvr>
     <a:masterClrMapping/>
   </p:clrMapOvr>
+  <p:timing>
+    <p:tnLst>
+      <p:par>
+        <p:cTn id="1" dur="indefinite" restart="never" nodeType="tmRoot"/>
+      </p:par>
+    </p:tnLst>
+  </p:timing>
 </p:sld>
 </file>
 
@@ -36137,6 +36163,13 @@
   <p:clrMapOvr>
     <a:masterClrMapping/>
   </p:clrMapOvr>
+  <p:timing>
+    <p:tnLst>
+      <p:par>
+        <p:cTn id="1" dur="indefinite" restart="never" nodeType="tmRoot"/>
+      </p:par>
+    </p:tnLst>
+  </p:timing>
 </p:sld>
 </file>
 
@@ -36684,7 +36717,7 @@
           <a:graphicData uri="http://schemas.openxmlformats.org/presentationml/2006/ole">
             <mc:AlternateContent xmlns:mc="http://schemas.openxmlformats.org/markup-compatibility/2006">
               <mc:Choice xmlns:v="urn:schemas-microsoft-com:vml" Requires="v">
-                <p:oleObj spid="_x0000_s1362" name="Формула" r:id="rId3" imgW="317160" imgH="164880" progId="Equation.3">
+                <p:oleObj spid="_x0000_s1426" name="Формула" r:id="rId3" imgW="317160" imgH="164880" progId="Equation.3">
                   <p:embed/>
                 </p:oleObj>
               </mc:Choice>
@@ -36748,7 +36781,7 @@
           <a:graphicData uri="http://schemas.openxmlformats.org/presentationml/2006/ole">
             <mc:AlternateContent xmlns:mc="http://schemas.openxmlformats.org/markup-compatibility/2006">
               <mc:Choice xmlns:v="urn:schemas-microsoft-com:vml" Requires="v">
-                <p:oleObj spid="_x0000_s1363" name="Формула" r:id="rId5" imgW="1307880" imgH="241200" progId="Equation.3">
+                <p:oleObj spid="_x0000_s1427" name="Формула" r:id="rId5" imgW="1307880" imgH="241200" progId="Equation.3">
                   <p:embed/>
                 </p:oleObj>
               </mc:Choice>
@@ -36812,7 +36845,7 @@
           <a:graphicData uri="http://schemas.openxmlformats.org/presentationml/2006/ole">
             <mc:AlternateContent xmlns:mc="http://schemas.openxmlformats.org/markup-compatibility/2006">
               <mc:Choice xmlns:v="urn:schemas-microsoft-com:vml" Requires="v">
-                <p:oleObj spid="_x0000_s1364" name="Формула" r:id="rId7" imgW="596880" imgH="431640" progId="Equation.3">
+                <p:oleObj spid="_x0000_s1428" name="Формула" r:id="rId7" imgW="596880" imgH="431640" progId="Equation.3">
                   <p:embed/>
                 </p:oleObj>
               </mc:Choice>
@@ -36876,7 +36909,7 @@
           <a:graphicData uri="http://schemas.openxmlformats.org/presentationml/2006/ole">
             <mc:AlternateContent xmlns:mc="http://schemas.openxmlformats.org/markup-compatibility/2006">
               <mc:Choice xmlns:v="urn:schemas-microsoft-com:vml" Requires="v">
-                <p:oleObj spid="_x0000_s1365" name="Формула" r:id="rId9" imgW="1028520" imgH="431640" progId="Equation.3">
+                <p:oleObj spid="_x0000_s1429" name="Формула" r:id="rId9" imgW="1028520" imgH="431640" progId="Equation.3">
                   <p:embed/>
                 </p:oleObj>
               </mc:Choice>
@@ -36940,7 +36973,7 @@
           <a:graphicData uri="http://schemas.openxmlformats.org/presentationml/2006/ole">
             <mc:AlternateContent xmlns:mc="http://schemas.openxmlformats.org/markup-compatibility/2006">
               <mc:Choice xmlns:v="urn:schemas-microsoft-com:vml" Requires="v">
-                <p:oleObj spid="_x0000_s1366" name="Формула" r:id="rId11" imgW="1282680" imgH="228600" progId="Equation.3">
+                <p:oleObj spid="_x0000_s1430" name="Формула" r:id="rId11" imgW="1282680" imgH="228600" progId="Equation.3">
                   <p:embed/>
                 </p:oleObj>
               </mc:Choice>
@@ -37004,7 +37037,7 @@
           <a:graphicData uri="http://schemas.openxmlformats.org/presentationml/2006/ole">
             <mc:AlternateContent xmlns:mc="http://schemas.openxmlformats.org/markup-compatibility/2006">
               <mc:Choice xmlns:v="urn:schemas-microsoft-com:vml" Requires="v">
-                <p:oleObj spid="_x0000_s1367" name="Формула" r:id="rId13" imgW="1130040" imgH="431640" progId="Equation.3">
+                <p:oleObj spid="_x0000_s1431" name="Формула" r:id="rId13" imgW="1130040" imgH="431640" progId="Equation.3">
                   <p:embed/>
                 </p:oleObj>
               </mc:Choice>
@@ -37068,7 +37101,7 @@
           <a:graphicData uri="http://schemas.openxmlformats.org/presentationml/2006/ole">
             <mc:AlternateContent xmlns:mc="http://schemas.openxmlformats.org/markup-compatibility/2006">
               <mc:Choice xmlns:v="urn:schemas-microsoft-com:vml" Requires="v">
-                <p:oleObj spid="_x0000_s1368" name="Формула" r:id="rId15" imgW="1447560" imgH="495000" progId="Equation.3">
+                <p:oleObj spid="_x0000_s1432" name="Формула" r:id="rId15" imgW="1447560" imgH="495000" progId="Equation.3">
                   <p:embed/>
                 </p:oleObj>
               </mc:Choice>
@@ -37132,7 +37165,7 @@
           <a:graphicData uri="http://schemas.openxmlformats.org/presentationml/2006/ole">
             <mc:AlternateContent xmlns:mc="http://schemas.openxmlformats.org/markup-compatibility/2006">
               <mc:Choice xmlns:v="urn:schemas-microsoft-com:vml" Requires="v">
-                <p:oleObj spid="_x0000_s1369" name="Формула" r:id="rId17" imgW="749160" imgH="241200" progId="Equation.3">
+                <p:oleObj spid="_x0000_s1433" name="Формула" r:id="rId17" imgW="749160" imgH="241200" progId="Equation.3">
                   <p:embed/>
                 </p:oleObj>
               </mc:Choice>
@@ -37196,7 +37229,7 @@
           <a:graphicData uri="http://schemas.openxmlformats.org/presentationml/2006/ole">
             <mc:AlternateContent xmlns:mc="http://schemas.openxmlformats.org/markup-compatibility/2006">
               <mc:Choice xmlns:v="urn:schemas-microsoft-com:vml" Requires="v">
-                <p:oleObj spid="_x0000_s1370" name="Формула" r:id="rId19" imgW="1206360" imgH="241200" progId="Equation.3">
+                <p:oleObj spid="_x0000_s1434" name="Формула" r:id="rId19" imgW="1206360" imgH="241200" progId="Equation.3">
                   <p:embed/>
                 </p:oleObj>
               </mc:Choice>
@@ -37260,7 +37293,7 @@
           <a:graphicData uri="http://schemas.openxmlformats.org/presentationml/2006/ole">
             <mc:AlternateContent xmlns:mc="http://schemas.openxmlformats.org/markup-compatibility/2006">
               <mc:Choice xmlns:v="urn:schemas-microsoft-com:vml" Requires="v">
-                <p:oleObj spid="_x0000_s1371" name="Формула" r:id="rId21" imgW="634680" imgH="393480" progId="Equation.3">
+                <p:oleObj spid="_x0000_s1435" name="Формула" r:id="rId21" imgW="634680" imgH="393480" progId="Equation.3">
                   <p:embed/>
                 </p:oleObj>
               </mc:Choice>
@@ -37324,7 +37357,7 @@
           <a:graphicData uri="http://schemas.openxmlformats.org/presentationml/2006/ole">
             <mc:AlternateContent xmlns:mc="http://schemas.openxmlformats.org/markup-compatibility/2006">
               <mc:Choice xmlns:v="urn:schemas-microsoft-com:vml" Requires="v">
-                <p:oleObj spid="_x0000_s1372" name="Уравнение" r:id="rId23" imgW="4356000" imgH="482400" progId="Equation.3">
+                <p:oleObj spid="_x0000_s1436" name="Уравнение" r:id="rId23" imgW="4356000" imgH="482400" progId="Equation.3">
                   <p:embed/>
                 </p:oleObj>
               </mc:Choice>
@@ -37388,7 +37421,7 @@
           <a:graphicData uri="http://schemas.openxmlformats.org/presentationml/2006/ole">
             <mc:AlternateContent xmlns:mc="http://schemas.openxmlformats.org/markup-compatibility/2006">
               <mc:Choice xmlns:v="urn:schemas-microsoft-com:vml" Requires="v">
-                <p:oleObj spid="_x0000_s1373" name="Формула" r:id="rId25" imgW="2946240" imgH="431640" progId="Equation.3">
+                <p:oleObj spid="_x0000_s1437" name="Формула" r:id="rId25" imgW="2946240" imgH="431640" progId="Equation.3">
                   <p:embed/>
                 </p:oleObj>
               </mc:Choice>
@@ -38537,7 +38570,7 @@
           <a:graphicData uri="http://schemas.openxmlformats.org/presentationml/2006/ole">
             <mc:AlternateContent xmlns:mc="http://schemas.openxmlformats.org/markup-compatibility/2006">
               <mc:Choice xmlns:v="urn:schemas-microsoft-com:vml" Requires="v">
-                <p:oleObj spid="_x0000_s1374" name="Picture" r:id="rId27" imgW="5861465" imgH="2543447" progId="Word.Picture.8">
+                <p:oleObj spid="_x0000_s1438" name="Picture" r:id="rId27" imgW="5861465" imgH="2543447" progId="Word.Picture.8">
                   <p:embed/>
                 </p:oleObj>
               </mc:Choice>
@@ -38755,7 +38788,7 @@
           <a:graphicData uri="http://schemas.openxmlformats.org/presentationml/2006/ole">
             <mc:AlternateContent xmlns:mc="http://schemas.openxmlformats.org/markup-compatibility/2006">
               <mc:Choice xmlns:v="urn:schemas-microsoft-com:vml" Requires="v">
-                <p:oleObj spid="_x0000_s1375" name="Equation" r:id="rId29" imgW="3162240" imgH="850680" progId="Equation.3">
+                <p:oleObj spid="_x0000_s1439" name="Equation" r:id="rId29" imgW="3162240" imgH="850680" progId="Equation.3">
                   <p:embed/>
                 </p:oleObj>
               </mc:Choice>
@@ -38819,7 +38852,7 @@
           <a:graphicData uri="http://schemas.openxmlformats.org/presentationml/2006/ole">
             <mc:AlternateContent xmlns:mc="http://schemas.openxmlformats.org/markup-compatibility/2006">
               <mc:Choice xmlns:v="urn:schemas-microsoft-com:vml" Requires="v">
-                <p:oleObj spid="_x0000_s1376" name="Уравнение" r:id="rId31" imgW="1739880" imgH="241200" progId="Equation.3">
+                <p:oleObj spid="_x0000_s1440" name="Уравнение" r:id="rId31" imgW="1739880" imgH="241200" progId="Equation.3">
                   <p:embed/>
                 </p:oleObj>
               </mc:Choice>
@@ -38883,7 +38916,7 @@
           <a:graphicData uri="http://schemas.openxmlformats.org/presentationml/2006/ole">
             <mc:AlternateContent xmlns:mc="http://schemas.openxmlformats.org/markup-compatibility/2006">
               <mc:Choice xmlns:v="urn:schemas-microsoft-com:vml" Requires="v">
-                <p:oleObj spid="_x0000_s1377" name="Уравнение" r:id="rId33" imgW="1130040" imgH="393480" progId="Equation.3">
+                <p:oleObj spid="_x0000_s1441" name="Уравнение" r:id="rId33" imgW="1130040" imgH="393480" progId="Equation.3">
                   <p:embed/>
                 </p:oleObj>
               </mc:Choice>
@@ -39768,6 +39801,13 @@
   <p:clrMapOvr>
     <a:masterClrMapping/>
   </p:clrMapOvr>
+  <p:timing>
+    <p:tnLst>
+      <p:par>
+        <p:cTn id="1" dur="indefinite" restart="never" nodeType="tmRoot"/>
+      </p:par>
+    </p:tnLst>
+  </p:timing>
 </p:sld>
 </file>
 
@@ -40680,7 +40720,7 @@
           <a:graphicData uri="http://schemas.openxmlformats.org/presentationml/2006/ole">
             <mc:AlternateContent xmlns:mc="http://schemas.openxmlformats.org/markup-compatibility/2006">
               <mc:Choice xmlns:v="urn:schemas-microsoft-com:vml" Requires="v">
-                <p:oleObj spid="_x0000_s2260" name="Equation" r:id="rId3" imgW="545760" imgH="241200" progId="Equation.DSMT4">
+                <p:oleObj spid="_x0000_s2290" name="Equation" r:id="rId3" imgW="545760" imgH="241200" progId="Equation.DSMT4">
                   <p:embed/>
                 </p:oleObj>
               </mc:Choice>
@@ -40969,7 +41009,7 @@
           <a:graphicData uri="http://schemas.openxmlformats.org/presentationml/2006/ole">
             <mc:AlternateContent xmlns:mc="http://schemas.openxmlformats.org/markup-compatibility/2006">
               <mc:Choice xmlns:v="urn:schemas-microsoft-com:vml" Requires="v">
-                <p:oleObj spid="_x0000_s2261" name="Equation" r:id="rId5" imgW="1485720" imgH="609480" progId="Equation.3">
+                <p:oleObj spid="_x0000_s2291" name="Equation" r:id="rId5" imgW="1485720" imgH="609480" progId="Equation.3">
                   <p:embed/>
                 </p:oleObj>
               </mc:Choice>
@@ -41033,7 +41073,7 @@
           <a:graphicData uri="http://schemas.openxmlformats.org/presentationml/2006/ole">
             <mc:AlternateContent xmlns:mc="http://schemas.openxmlformats.org/markup-compatibility/2006">
               <mc:Choice xmlns:v="urn:schemas-microsoft-com:vml" Requires="v">
-                <p:oleObj spid="_x0000_s2262" name="Документ" r:id="rId7" imgW="5046662" imgH="2540557" progId="Word.Document.12">
+                <p:oleObj spid="_x0000_s2292" name="Документ" r:id="rId7" imgW="5046662" imgH="2540557" progId="Word.Document.12">
                   <p:embed/>
                 </p:oleObj>
               </mc:Choice>
@@ -41143,7 +41183,7 @@
           <a:graphicData uri="http://schemas.openxmlformats.org/presentationml/2006/ole">
             <mc:AlternateContent xmlns:mc="http://schemas.openxmlformats.org/markup-compatibility/2006">
               <mc:Choice xmlns:v="urn:schemas-microsoft-com:vml" Requires="v">
-                <p:oleObj spid="_x0000_s2263" name="Формула" r:id="rId9" imgW="1307880" imgH="482400" progId="Equation.3">
+                <p:oleObj spid="_x0000_s2293" name="Формула" r:id="rId9" imgW="1307880" imgH="482400" progId="Equation.3">
                   <p:embed/>
                 </p:oleObj>
               </mc:Choice>
@@ -41311,7 +41351,7 @@
           <a:graphicData uri="http://schemas.openxmlformats.org/presentationml/2006/ole">
             <mc:AlternateContent xmlns:mc="http://schemas.openxmlformats.org/markup-compatibility/2006">
               <mc:Choice xmlns:v="urn:schemas-microsoft-com:vml" Requires="v">
-                <p:oleObj spid="_x0000_s2264" name="Формула" r:id="rId11" imgW="1726920" imgH="266400" progId="Equation.3">
+                <p:oleObj spid="_x0000_s2294" name="Формула" r:id="rId11" imgW="1726920" imgH="266400" progId="Equation.3">
                   <p:embed/>
                 </p:oleObj>
               </mc:Choice>
@@ -41375,7 +41415,7 @@
           <a:graphicData uri="http://schemas.openxmlformats.org/presentationml/2006/ole">
             <mc:AlternateContent xmlns:mc="http://schemas.openxmlformats.org/markup-compatibility/2006">
               <mc:Choice xmlns:v="urn:schemas-microsoft-com:vml" Requires="v">
-                <p:oleObj spid="_x0000_s2265" name="Формула" r:id="rId13" imgW="2044440" imgH="520560" progId="Equation.3">
+                <p:oleObj spid="_x0000_s2295" name="Формула" r:id="rId13" imgW="2044440" imgH="520560" progId="Equation.3">
                   <p:embed/>
                 </p:oleObj>
               </mc:Choice>
@@ -41439,7 +41479,7 @@
           <a:graphicData uri="http://schemas.openxmlformats.org/presentationml/2006/ole">
             <mc:AlternateContent xmlns:mc="http://schemas.openxmlformats.org/markup-compatibility/2006">
               <mc:Choice xmlns:v="urn:schemas-microsoft-com:vml" Requires="v">
-                <p:oleObj spid="_x0000_s2266" name="Формула" r:id="rId15" imgW="1041120" imgH="444240" progId="Equation.3">
+                <p:oleObj spid="_x0000_s2296" name="Формула" r:id="rId15" imgW="1041120" imgH="444240" progId="Equation.3">
                   <p:embed/>
                 </p:oleObj>
               </mc:Choice>
@@ -41503,7 +41543,7 @@
           <a:graphicData uri="http://schemas.openxmlformats.org/presentationml/2006/ole">
             <mc:AlternateContent xmlns:mc="http://schemas.openxmlformats.org/markup-compatibility/2006">
               <mc:Choice xmlns:v="urn:schemas-microsoft-com:vml" Requires="v">
-                <p:oleObj spid="_x0000_s2267" name="Формула" r:id="rId17" imgW="2501640" imgH="533160" progId="Equation.3">
+                <p:oleObj spid="_x0000_s2297" name="Формула" r:id="rId17" imgW="2501640" imgH="533160" progId="Equation.3">
                   <p:embed/>
                 </p:oleObj>
               </mc:Choice>
@@ -42359,7 +42399,7 @@
           <a:graphicData uri="http://schemas.openxmlformats.org/presentationml/2006/ole">
             <mc:AlternateContent xmlns:mc="http://schemas.openxmlformats.org/markup-compatibility/2006">
               <mc:Choice xmlns:v="urn:schemas-microsoft-com:vml" Requires="v">
-                <p:oleObj spid="_x0000_s2268" name="Формула" r:id="rId19" imgW="698400" imgH="241200" progId="Equation.3">
+                <p:oleObj spid="_x0000_s2298" name="Формула" r:id="rId19" imgW="698400" imgH="241200" progId="Equation.3">
                   <p:embed/>
                 </p:oleObj>
               </mc:Choice>
@@ -42423,7 +42463,7 @@
           <a:graphicData uri="http://schemas.openxmlformats.org/presentationml/2006/ole">
             <mc:AlternateContent xmlns:mc="http://schemas.openxmlformats.org/markup-compatibility/2006">
               <mc:Choice xmlns:v="urn:schemas-microsoft-com:vml" Requires="v">
-                <p:oleObj spid="_x0000_s2269" name="Формула" r:id="rId21" imgW="825480" imgH="330120" progId="Equation.3">
+                <p:oleObj spid="_x0000_s2299" name="Формула" r:id="rId21" imgW="825480" imgH="330120" progId="Equation.3">
                   <p:embed/>
                 </p:oleObj>
               </mc:Choice>
@@ -42947,6 +42987,13 @@
   <p:clrMapOvr>
     <a:masterClrMapping/>
   </p:clrMapOvr>
+  <p:timing>
+    <p:tnLst>
+      <p:par>
+        <p:cTn id="1" dur="indefinite" restart="never" nodeType="tmRoot"/>
+      </p:par>
+    </p:tnLst>
+  </p:timing>
 </p:sld>
 </file>
 
@@ -43569,7 +43616,7 @@
           <a:graphicData uri="http://schemas.openxmlformats.org/presentationml/2006/ole">
             <mc:AlternateContent xmlns:mc="http://schemas.openxmlformats.org/markup-compatibility/2006">
               <mc:Choice xmlns:v="urn:schemas-microsoft-com:vml" Requires="v">
-                <p:oleObj spid="_x0000_s3404" name="Формула" r:id="rId3" imgW="1422360" imgH="393480" progId="Equation.3">
+                <p:oleObj spid="_x0000_s3449" name="Формула" r:id="rId3" imgW="1422360" imgH="393480" progId="Equation.3">
                   <p:embed/>
                 </p:oleObj>
               </mc:Choice>
@@ -43633,7 +43680,7 @@
           <a:graphicData uri="http://schemas.openxmlformats.org/presentationml/2006/ole">
             <mc:AlternateContent xmlns:mc="http://schemas.openxmlformats.org/markup-compatibility/2006">
               <mc:Choice xmlns:v="urn:schemas-microsoft-com:vml" Requires="v">
-                <p:oleObj spid="_x0000_s3405" name="Формула" r:id="rId5" imgW="1015920" imgH="393480" progId="Equation.3">
+                <p:oleObj spid="_x0000_s3450" name="Формула" r:id="rId5" imgW="1015920" imgH="393480" progId="Equation.3">
                   <p:embed/>
                 </p:oleObj>
               </mc:Choice>
@@ -43697,7 +43744,7 @@
           <a:graphicData uri="http://schemas.openxmlformats.org/presentationml/2006/ole">
             <mc:AlternateContent xmlns:mc="http://schemas.openxmlformats.org/markup-compatibility/2006">
               <mc:Choice xmlns:v="urn:schemas-microsoft-com:vml" Requires="v">
-                <p:oleObj spid="_x0000_s3406" name="Формула" r:id="rId7" imgW="1384200" imgH="393480" progId="Equation.3">
+                <p:oleObj spid="_x0000_s3451" name="Формула" r:id="rId7" imgW="1384200" imgH="393480" progId="Equation.3">
                   <p:embed/>
                 </p:oleObj>
               </mc:Choice>
@@ -43824,7 +43871,7 @@
           <a:graphicData uri="http://schemas.openxmlformats.org/presentationml/2006/ole">
             <mc:AlternateContent xmlns:mc="http://schemas.openxmlformats.org/markup-compatibility/2006">
               <mc:Choice xmlns:v="urn:schemas-microsoft-com:vml" Requires="v">
-                <p:oleObj spid="_x0000_s3407" name="Формула" r:id="rId9" imgW="1866600" imgH="469800" progId="Equation.3">
+                <p:oleObj spid="_x0000_s3452" name="Формула" r:id="rId9" imgW="1866600" imgH="469800" progId="Equation.3">
                   <p:embed/>
                 </p:oleObj>
               </mc:Choice>
@@ -43942,7 +43989,7 @@
           <a:graphicData uri="http://schemas.openxmlformats.org/presentationml/2006/ole">
             <mc:AlternateContent xmlns:mc="http://schemas.openxmlformats.org/markup-compatibility/2006">
               <mc:Choice xmlns:v="urn:schemas-microsoft-com:vml" Requires="v">
-                <p:oleObj spid="_x0000_s3408" name="Формула" r:id="rId11" imgW="1574640" imgH="457200" progId="Equation.3">
+                <p:oleObj spid="_x0000_s3453" name="Формула" r:id="rId11" imgW="1574640" imgH="457200" progId="Equation.3">
                   <p:embed/>
                 </p:oleObj>
               </mc:Choice>
@@ -44069,7 +44116,7 @@
           <a:graphicData uri="http://schemas.openxmlformats.org/presentationml/2006/ole">
             <mc:AlternateContent xmlns:mc="http://schemas.openxmlformats.org/markup-compatibility/2006">
               <mc:Choice xmlns:v="urn:schemas-microsoft-com:vml" Requires="v">
-                <p:oleObj spid="_x0000_s3409" name="Equation" r:id="rId13" imgW="1282680" imgH="469800" progId="Equation.3">
+                <p:oleObj spid="_x0000_s3454" name="Equation" r:id="rId13" imgW="1282680" imgH="469800" progId="Equation.3">
                   <p:embed/>
                 </p:oleObj>
               </mc:Choice>
@@ -44133,7 +44180,7 @@
           <a:graphicData uri="http://schemas.openxmlformats.org/presentationml/2006/ole">
             <mc:AlternateContent xmlns:mc="http://schemas.openxmlformats.org/markup-compatibility/2006">
               <mc:Choice xmlns:v="urn:schemas-microsoft-com:vml" Requires="v">
-                <p:oleObj spid="_x0000_s3410" name="Формула" r:id="rId15" imgW="1485720" imgH="457200" progId="Equation.3">
+                <p:oleObj spid="_x0000_s3455" name="Формула" r:id="rId15" imgW="1485720" imgH="457200" progId="Equation.3">
                   <p:embed/>
                 </p:oleObj>
               </mc:Choice>
@@ -45049,7 +45096,7 @@
           <a:graphicData uri="http://schemas.openxmlformats.org/presentationml/2006/ole">
             <mc:AlternateContent xmlns:mc="http://schemas.openxmlformats.org/markup-compatibility/2006">
               <mc:Choice xmlns:v="urn:schemas-microsoft-com:vml" Requires="v">
-                <p:oleObj spid="_x0000_s3411" name="Формула" r:id="rId17" imgW="863280" imgH="266400" progId="Equation.3">
+                <p:oleObj spid="_x0000_s3456" name="Формула" r:id="rId17" imgW="863280" imgH="266400" progId="Equation.3">
                   <p:embed/>
                 </p:oleObj>
               </mc:Choice>
@@ -45303,7 +45350,7 @@
           <a:graphicData uri="http://schemas.openxmlformats.org/presentationml/2006/ole">
             <mc:AlternateContent xmlns:mc="http://schemas.openxmlformats.org/markup-compatibility/2006">
               <mc:Choice xmlns:v="urn:schemas-microsoft-com:vml" Requires="v">
-                <p:oleObj spid="_x0000_s3412" name="Документ" r:id="rId19" imgW="4500076" imgH="2437089" progId="Word.Document.12">
+                <p:oleObj spid="_x0000_s3457" name="Документ" r:id="rId19" imgW="4500076" imgH="2437089" progId="Word.Document.12">
                   <p:embed/>
                 </p:oleObj>
               </mc:Choice>
@@ -45412,7 +45459,7 @@
           <a:graphicData uri="http://schemas.openxmlformats.org/presentationml/2006/ole">
             <mc:AlternateContent xmlns:mc="http://schemas.openxmlformats.org/markup-compatibility/2006">
               <mc:Choice xmlns:v="urn:schemas-microsoft-com:vml" Requires="v">
-                <p:oleObj spid="_x0000_s3413" name="Equation" r:id="rId21" imgW="1892160" imgH="228600" progId="Equation.3">
+                <p:oleObj spid="_x0000_s3458" name="Equation" r:id="rId21" imgW="1892160" imgH="228600" progId="Equation.3">
                   <p:embed/>
                 </p:oleObj>
               </mc:Choice>
@@ -45476,7 +45523,7 @@
           <a:graphicData uri="http://schemas.openxmlformats.org/presentationml/2006/ole">
             <mc:AlternateContent xmlns:mc="http://schemas.openxmlformats.org/markup-compatibility/2006">
               <mc:Choice xmlns:v="urn:schemas-microsoft-com:vml" Requires="v">
-                <p:oleObj spid="_x0000_s3414" name="Формула" r:id="rId23" imgW="2019240" imgH="228600" progId="Equation.3">
+                <p:oleObj spid="_x0000_s3459" name="Формула" r:id="rId23" imgW="2019240" imgH="228600" progId="Equation.3">
                   <p:embed/>
                 </p:oleObj>
               </mc:Choice>
@@ -45540,7 +45587,7 @@
           <a:graphicData uri="http://schemas.openxmlformats.org/presentationml/2006/ole">
             <mc:AlternateContent xmlns:mc="http://schemas.openxmlformats.org/markup-compatibility/2006">
               <mc:Choice xmlns:v="urn:schemas-microsoft-com:vml" Requires="v">
-                <p:oleObj spid="_x0000_s3415" name="Формула" r:id="rId25" imgW="812520" imgH="393480" progId="Equation.3">
+                <p:oleObj spid="_x0000_s3460" name="Формула" r:id="rId25" imgW="812520" imgH="393480" progId="Equation.3">
                   <p:embed/>
                 </p:oleObj>
               </mc:Choice>
@@ -45749,7 +45796,7 @@
           <a:graphicData uri="http://schemas.openxmlformats.org/presentationml/2006/ole">
             <mc:AlternateContent xmlns:mc="http://schemas.openxmlformats.org/markup-compatibility/2006">
               <mc:Choice xmlns:v="urn:schemas-microsoft-com:vml" Requires="v">
-                <p:oleObj spid="_x0000_s3416" name="Equation" r:id="rId27" imgW="698400" imgH="431640" progId="Equation.3">
+                <p:oleObj spid="_x0000_s3461" name="Equation" r:id="rId27" imgW="698400" imgH="431640" progId="Equation.3">
                   <p:embed/>
                 </p:oleObj>
               </mc:Choice>
@@ -45940,7 +45987,7 @@
           <a:graphicData uri="http://schemas.openxmlformats.org/presentationml/2006/ole">
             <mc:AlternateContent xmlns:mc="http://schemas.openxmlformats.org/markup-compatibility/2006">
               <mc:Choice xmlns:v="urn:schemas-microsoft-com:vml" Requires="v">
-                <p:oleObj spid="_x0000_s3417" name="Equation" r:id="rId29" imgW="177480" imgH="228600" progId="Equation.3">
+                <p:oleObj spid="_x0000_s3462" name="Equation" r:id="rId29" imgW="177480" imgH="228600" progId="Equation.3">
                   <p:embed/>
                 </p:oleObj>
               </mc:Choice>
@@ -46118,7 +46165,7 @@
           <a:graphicData uri="http://schemas.openxmlformats.org/presentationml/2006/ole">
             <mc:AlternateContent xmlns:mc="http://schemas.openxmlformats.org/markup-compatibility/2006">
               <mc:Choice xmlns:v="urn:schemas-microsoft-com:vml" Requires="v">
-                <p:oleObj spid="_x0000_s3418" name="Формула" r:id="rId31" imgW="393480" imgH="228600" progId="Equation.3">
+                <p:oleObj spid="_x0000_s3463" name="Формула" r:id="rId31" imgW="393480" imgH="228600" progId="Equation.3">
                   <p:embed/>
                 </p:oleObj>
               </mc:Choice>
@@ -46451,6 +46498,13 @@
   <p:clrMapOvr>
     <a:masterClrMapping/>
   </p:clrMapOvr>
+  <p:timing>
+    <p:tnLst>
+      <p:par>
+        <p:cTn id="1" dur="indefinite" restart="never" nodeType="tmRoot"/>
+      </p:par>
+    </p:tnLst>
+  </p:timing>
 </p:sld>
 </file>
 
